--- a/Trustzone.pptx
+++ b/Trustzone.pptx
@@ -233,7 +233,7 @@
           <a:p>
             <a:fld id="{71D81C75-B1F7-4907-8CBF-49CEA7E9FE00}" type="datetimeFigureOut">
               <a:rPr lang="ko-KR" altLang="en-US" smtClean="0"/>
-              <a:t>2021-05-10</a:t>
+              <a:t>2021-05-11</a:t>
             </a:fld>
             <a:endParaRPr lang="ko-KR" altLang="en-US"/>
           </a:p>
@@ -647,7 +647,7 @@
           <a:p>
             <a:fld id="{4F60F41D-F04B-4FBB-8189-4D408D6EE38B}" type="datetimeFigureOut">
               <a:rPr lang="ko-KR" altLang="en-US" smtClean="0"/>
-              <a:t>2021-05-10</a:t>
+              <a:t>2021-05-11</a:t>
             </a:fld>
             <a:endParaRPr lang="ko-KR" altLang="en-US"/>
           </a:p>
@@ -845,7 +845,7 @@
           <a:p>
             <a:fld id="{4F60F41D-F04B-4FBB-8189-4D408D6EE38B}" type="datetimeFigureOut">
               <a:rPr lang="ko-KR" altLang="en-US" smtClean="0"/>
-              <a:t>2021-05-10</a:t>
+              <a:t>2021-05-11</a:t>
             </a:fld>
             <a:endParaRPr lang="ko-KR" altLang="en-US"/>
           </a:p>
@@ -1053,7 +1053,7 @@
           <a:p>
             <a:fld id="{4F60F41D-F04B-4FBB-8189-4D408D6EE38B}" type="datetimeFigureOut">
               <a:rPr lang="ko-KR" altLang="en-US" smtClean="0"/>
-              <a:t>2021-05-10</a:t>
+              <a:t>2021-05-11</a:t>
             </a:fld>
             <a:endParaRPr lang="ko-KR" altLang="en-US"/>
           </a:p>
@@ -1251,7 +1251,7 @@
           <a:p>
             <a:fld id="{4F60F41D-F04B-4FBB-8189-4D408D6EE38B}" type="datetimeFigureOut">
               <a:rPr lang="ko-KR" altLang="en-US" smtClean="0"/>
-              <a:t>2021-05-10</a:t>
+              <a:t>2021-05-11</a:t>
             </a:fld>
             <a:endParaRPr lang="ko-KR" altLang="en-US"/>
           </a:p>
@@ -1526,7 +1526,7 @@
           <a:p>
             <a:fld id="{4F60F41D-F04B-4FBB-8189-4D408D6EE38B}" type="datetimeFigureOut">
               <a:rPr lang="ko-KR" altLang="en-US" smtClean="0"/>
-              <a:t>2021-05-10</a:t>
+              <a:t>2021-05-11</a:t>
             </a:fld>
             <a:endParaRPr lang="ko-KR" altLang="en-US"/>
           </a:p>
@@ -1791,7 +1791,7 @@
           <a:p>
             <a:fld id="{4F60F41D-F04B-4FBB-8189-4D408D6EE38B}" type="datetimeFigureOut">
               <a:rPr lang="ko-KR" altLang="en-US" smtClean="0"/>
-              <a:t>2021-05-10</a:t>
+              <a:t>2021-05-11</a:t>
             </a:fld>
             <a:endParaRPr lang="ko-KR" altLang="en-US"/>
           </a:p>
@@ -2203,7 +2203,7 @@
           <a:p>
             <a:fld id="{4F60F41D-F04B-4FBB-8189-4D408D6EE38B}" type="datetimeFigureOut">
               <a:rPr lang="ko-KR" altLang="en-US" smtClean="0"/>
-              <a:t>2021-05-10</a:t>
+              <a:t>2021-05-11</a:t>
             </a:fld>
             <a:endParaRPr lang="ko-KR" altLang="en-US"/>
           </a:p>
@@ -2344,7 +2344,7 @@
           <a:p>
             <a:fld id="{4F60F41D-F04B-4FBB-8189-4D408D6EE38B}" type="datetimeFigureOut">
               <a:rPr lang="ko-KR" altLang="en-US" smtClean="0"/>
-              <a:t>2021-05-10</a:t>
+              <a:t>2021-05-11</a:t>
             </a:fld>
             <a:endParaRPr lang="ko-KR" altLang="en-US"/>
           </a:p>
@@ -2457,7 +2457,7 @@
           <a:p>
             <a:fld id="{4F60F41D-F04B-4FBB-8189-4D408D6EE38B}" type="datetimeFigureOut">
               <a:rPr lang="ko-KR" altLang="en-US" smtClean="0"/>
-              <a:t>2021-05-10</a:t>
+              <a:t>2021-05-11</a:t>
             </a:fld>
             <a:endParaRPr lang="ko-KR" altLang="en-US"/>
           </a:p>
@@ -2768,7 +2768,7 @@
           <a:p>
             <a:fld id="{4F60F41D-F04B-4FBB-8189-4D408D6EE38B}" type="datetimeFigureOut">
               <a:rPr lang="ko-KR" altLang="en-US" smtClean="0"/>
-              <a:t>2021-05-10</a:t>
+              <a:t>2021-05-11</a:t>
             </a:fld>
             <a:endParaRPr lang="ko-KR" altLang="en-US"/>
           </a:p>
@@ -3056,7 +3056,7 @@
           <a:p>
             <a:fld id="{4F60F41D-F04B-4FBB-8189-4D408D6EE38B}" type="datetimeFigureOut">
               <a:rPr lang="ko-KR" altLang="en-US" smtClean="0"/>
-              <a:t>2021-05-10</a:t>
+              <a:t>2021-05-11</a:t>
             </a:fld>
             <a:endParaRPr lang="ko-KR" altLang="en-US"/>
           </a:p>
@@ -3297,7 +3297,7 @@
           <a:p>
             <a:fld id="{4F60F41D-F04B-4FBB-8189-4D408D6EE38B}" type="datetimeFigureOut">
               <a:rPr lang="ko-KR" altLang="en-US" smtClean="0"/>
-              <a:t>2021-05-10</a:t>
+              <a:t>2021-05-11</a:t>
             </a:fld>
             <a:endParaRPr lang="ko-KR" altLang="en-US"/>
           </a:p>
@@ -5436,31 +5436,756 @@
           </a:bodyPr>
           <a:lstStyle/>
           <a:p>
-            <a:pPr marL="333375" indent="-333375">
+            <a:pPr>
               <a:lnSpc>
                 <a:spcPct val="250000"/>
               </a:lnSpc>
-              <a:buFont typeface="+mj-lt"/>
-              <a:buAutoNum type="arabicPeriod"/>
             </a:pPr>
             <a:r>
               <a:rPr lang="en-US" altLang="ko-KR" sz="1600" spc="-50" dirty="0">
-                <a:solidFill>
-                  <a:schemeClr val="bg1">
-                    <a:lumMod val="85000"/>
-                  </a:schemeClr>
-                </a:solidFill>
+                <a:latin typeface="나눔스퀘어라운드 Regular" panose="020B0600000101010101" pitchFamily="50" charset="-127"/>
+                <a:ea typeface="나눔스퀘어라운드 Regular" panose="020B0600000101010101" pitchFamily="50" charset="-127"/>
+              </a:rPr>
+              <a:t>1. TrustZone </a:t>
+            </a:r>
+            <a:r>
+              <a:rPr lang="ko-KR" altLang="en-US" sz="1600" spc="-50" dirty="0">
+                <a:latin typeface="나눔스퀘어라운드 Regular" panose="020B0600000101010101" pitchFamily="50" charset="-127"/>
+                <a:ea typeface="나눔스퀘어라운드 Regular" panose="020B0600000101010101" pitchFamily="50" charset="-127"/>
+              </a:rPr>
+              <a:t>배경</a:t>
+            </a:r>
+            <a:r>
+              <a:rPr lang="en-US" altLang="ko-KR" sz="1600" spc="-50" dirty="0">
                 <a:latin typeface="나눔스퀘어라운드 Regular" panose="020B0600000101010101" pitchFamily="50" charset="-127"/>
                 <a:ea typeface="나눔스퀘어라운드 Regular" panose="020B0600000101010101" pitchFamily="50" charset="-127"/>
               </a:rPr>
               <a:t>	</a:t>
             </a:r>
             <a:endParaRPr lang="en-US" altLang="ko-KR" sz="1200" spc="-50" dirty="0">
+              <a:latin typeface="나눔스퀘어라운드 Regular" panose="020B0600000101010101" pitchFamily="50" charset="-127"/>
+              <a:ea typeface="나눔스퀘어라운드 Regular" panose="020B0600000101010101" pitchFamily="50" charset="-127"/>
+            </a:endParaRPr>
+          </a:p>
+          <a:p>
+            <a:pPr defTabSz="355600">
+              <a:lnSpc>
+                <a:spcPct val="250000"/>
+              </a:lnSpc>
+            </a:pPr>
+            <a:r>
+              <a:rPr lang="en-US" altLang="ko-KR" sz="1600" spc="-50" dirty="0">
+                <a:latin typeface="나눔스퀘어라운드 Regular" panose="020B0600000101010101" pitchFamily="50" charset="-127"/>
+                <a:ea typeface="나눔스퀘어라운드 Regular" panose="020B0600000101010101" pitchFamily="50" charset="-127"/>
+              </a:rPr>
+              <a:t>2. TrustZone </a:t>
+            </a:r>
+            <a:r>
+              <a:rPr lang="ko-KR" altLang="en-US" sz="1600" spc="-50" dirty="0">
+                <a:latin typeface="나눔스퀘어라운드 Regular" panose="020B0600000101010101" pitchFamily="50" charset="-127"/>
+                <a:ea typeface="나눔스퀘어라운드 Regular" panose="020B0600000101010101" pitchFamily="50" charset="-127"/>
+              </a:rPr>
+              <a:t>이란</a:t>
+            </a:r>
+            <a:r>
+              <a:rPr lang="en-US" altLang="ko-KR" sz="1600" spc="-50" dirty="0">
+                <a:latin typeface="나눔스퀘어라운드 Regular" panose="020B0600000101010101" pitchFamily="50" charset="-127"/>
+                <a:ea typeface="나눔스퀘어라운드 Regular" panose="020B0600000101010101" pitchFamily="50" charset="-127"/>
+              </a:rPr>
+              <a:t>?</a:t>
+            </a:r>
+          </a:p>
+          <a:p>
+            <a:pPr defTabSz="355600">
+              <a:lnSpc>
+                <a:spcPct val="250000"/>
+              </a:lnSpc>
+            </a:pPr>
+            <a:r>
+              <a:rPr lang="en-US" altLang="ko-KR" sz="1600" spc="-50" dirty="0">
+                <a:latin typeface="나눔스퀘어라운드 Regular" panose="020B0600000101010101" pitchFamily="50" charset="-127"/>
+                <a:ea typeface="나눔스퀘어라운드 Regular" panose="020B0600000101010101" pitchFamily="50" charset="-127"/>
+              </a:rPr>
+              <a:t>3. TrustZone </a:t>
+            </a:r>
+            <a:r>
+              <a:rPr lang="ko-KR" altLang="en-US" sz="1600" spc="-50" dirty="0">
+                <a:latin typeface="나눔스퀘어라운드 Regular" panose="020B0600000101010101" pitchFamily="50" charset="-127"/>
+                <a:ea typeface="나눔스퀘어라운드 Regular" panose="020B0600000101010101" pitchFamily="50" charset="-127"/>
+              </a:rPr>
+              <a:t>활용 예</a:t>
+            </a:r>
+            <a:endParaRPr lang="en-US" altLang="ko-KR" sz="1600" spc="-50" dirty="0">
+              <a:latin typeface="나눔스퀘어라운드 Regular" panose="020B0600000101010101" pitchFamily="50" charset="-127"/>
+              <a:ea typeface="나눔스퀘어라운드 Regular" panose="020B0600000101010101" pitchFamily="50" charset="-127"/>
+            </a:endParaRPr>
+          </a:p>
+          <a:p>
+            <a:pPr defTabSz="355600">
+              <a:lnSpc>
+                <a:spcPct val="250000"/>
+              </a:lnSpc>
+            </a:pPr>
+            <a:r>
+              <a:rPr lang="en-US" altLang="ko-KR" sz="1600" spc="-50" dirty="0">
+                <a:latin typeface="나눔스퀘어라운드 Regular" panose="020B0600000101010101" pitchFamily="50" charset="-127"/>
+                <a:ea typeface="나눔스퀘어라운드 Regular" panose="020B0600000101010101" pitchFamily="50" charset="-127"/>
+              </a:rPr>
+              <a:t>4. FLUID</a:t>
+            </a:r>
+            <a:r>
+              <a:rPr lang="ko-KR" altLang="en-US" sz="1600" spc="-50" dirty="0">
+                <a:latin typeface="나눔스퀘어라운드 Regular" panose="020B0600000101010101" pitchFamily="50" charset="-127"/>
+                <a:ea typeface="나눔스퀘어라운드 Regular" panose="020B0600000101010101" pitchFamily="50" charset="-127"/>
+              </a:rPr>
+              <a:t>에 적용</a:t>
+            </a:r>
+            <a:endParaRPr lang="en-US" altLang="ko-KR" sz="1600" spc="-50" dirty="0">
+              <a:latin typeface="나눔스퀘어라운드 Regular" panose="020B0600000101010101" pitchFamily="50" charset="-127"/>
+              <a:ea typeface="나눔스퀘어라운드 Regular" panose="020B0600000101010101" pitchFamily="50" charset="-127"/>
+            </a:endParaRPr>
+          </a:p>
+        </p:txBody>
+      </p:sp>
+      <p:cxnSp>
+        <p:nvCxnSpPr>
+          <p:cNvPr id="16" name="직선 연결선 15">
+            <a:extLst>
+              <a:ext uri="{FF2B5EF4-FFF2-40B4-BE49-F238E27FC236}">
+                <a16:creationId xmlns:a16="http://schemas.microsoft.com/office/drawing/2014/main" id="{E5B0A1F1-444F-4E4F-AA37-07F60FD89E0F}"/>
+              </a:ext>
+            </a:extLst>
+          </p:cNvPr>
+          <p:cNvCxnSpPr>
+            <a:cxnSpLocks/>
+          </p:cNvCxnSpPr>
+          <p:nvPr/>
+        </p:nvCxnSpPr>
+        <p:spPr>
+          <a:xfrm flipV="1">
+            <a:off x="393700" y="1851983"/>
+            <a:ext cx="2481132" cy="20"/>
+          </a:xfrm>
+          <a:prstGeom prst="line">
+            <a:avLst/>
+          </a:prstGeom>
+          <a:ln w="3175">
+            <a:solidFill>
+              <a:schemeClr val="tx1">
+                <a:lumMod val="75000"/>
+                <a:lumOff val="25000"/>
+              </a:schemeClr>
+            </a:solidFill>
+          </a:ln>
+        </p:spPr>
+        <p:style>
+          <a:lnRef idx="1">
+            <a:schemeClr val="accent1"/>
+          </a:lnRef>
+          <a:fillRef idx="0">
+            <a:schemeClr val="accent1"/>
+          </a:fillRef>
+          <a:effectRef idx="0">
+            <a:schemeClr val="accent1"/>
+          </a:effectRef>
+          <a:fontRef idx="minor">
+            <a:schemeClr val="tx1"/>
+          </a:fontRef>
+        </p:style>
+      </p:cxnSp>
+      <p:grpSp>
+        <p:nvGrpSpPr>
+          <p:cNvPr id="17" name="그룹 16">
+            <a:extLst>
+              <a:ext uri="{FF2B5EF4-FFF2-40B4-BE49-F238E27FC236}">
+                <a16:creationId xmlns:a16="http://schemas.microsoft.com/office/drawing/2014/main" id="{D9F4A786-DF9D-4035-8485-8EB993243439}"/>
+              </a:ext>
+            </a:extLst>
+          </p:cNvPr>
+          <p:cNvGrpSpPr/>
+          <p:nvPr/>
+        </p:nvGrpSpPr>
+        <p:grpSpPr>
+          <a:xfrm>
+            <a:off x="393700" y="2326342"/>
+            <a:ext cx="1587499" cy="2577312"/>
+            <a:chOff x="364474" y="2224331"/>
+            <a:chExt cx="2483371" cy="1703484"/>
+          </a:xfrm>
+        </p:grpSpPr>
+        <p:cxnSp>
+          <p:nvCxnSpPr>
+            <p:cNvPr id="18" name="직선 연결선 17">
+              <a:extLst>
+                <a:ext uri="{FF2B5EF4-FFF2-40B4-BE49-F238E27FC236}">
+                  <a16:creationId xmlns:a16="http://schemas.microsoft.com/office/drawing/2014/main" id="{2299EC5A-8D01-4445-A937-6B944307E137}"/>
+                </a:ext>
+              </a:extLst>
+            </p:cNvPr>
+            <p:cNvCxnSpPr/>
+            <p:nvPr/>
+          </p:nvCxnSpPr>
+          <p:spPr>
+            <a:xfrm flipV="1">
+              <a:off x="366713" y="2224331"/>
+              <a:ext cx="2481132" cy="20"/>
+            </a:xfrm>
+            <a:prstGeom prst="line">
+              <a:avLst/>
+            </a:prstGeom>
+            <a:ln w="3175">
               <a:solidFill>
                 <a:schemeClr val="bg1">
                   <a:lumMod val="85000"/>
                 </a:schemeClr>
               </a:solidFill>
+            </a:ln>
+          </p:spPr>
+          <p:style>
+            <a:lnRef idx="1">
+              <a:schemeClr val="accent1"/>
+            </a:lnRef>
+            <a:fillRef idx="0">
+              <a:schemeClr val="accent1"/>
+            </a:fillRef>
+            <a:effectRef idx="0">
+              <a:schemeClr val="accent1"/>
+            </a:effectRef>
+            <a:fontRef idx="minor">
+              <a:schemeClr val="tx1"/>
+            </a:fontRef>
+          </p:style>
+        </p:cxnSp>
+        <p:cxnSp>
+          <p:nvCxnSpPr>
+            <p:cNvPr id="19" name="직선 연결선 18">
+              <a:extLst>
+                <a:ext uri="{FF2B5EF4-FFF2-40B4-BE49-F238E27FC236}">
+                  <a16:creationId xmlns:a16="http://schemas.microsoft.com/office/drawing/2014/main" id="{CCBAF774-292D-4901-9CB0-2F1A36487F64}"/>
+                </a:ext>
+              </a:extLst>
+            </p:cNvPr>
+            <p:cNvCxnSpPr/>
+            <p:nvPr/>
+          </p:nvCxnSpPr>
+          <p:spPr>
+            <a:xfrm flipV="1">
+              <a:off x="364474" y="3076063"/>
+              <a:ext cx="2481132" cy="20"/>
+            </a:xfrm>
+            <a:prstGeom prst="line">
+              <a:avLst/>
+            </a:prstGeom>
+            <a:ln w="3175">
+              <a:solidFill>
+                <a:schemeClr val="bg1">
+                  <a:lumMod val="85000"/>
+                </a:schemeClr>
+              </a:solidFill>
+            </a:ln>
+          </p:spPr>
+          <p:style>
+            <a:lnRef idx="1">
+              <a:schemeClr val="accent1"/>
+            </a:lnRef>
+            <a:fillRef idx="0">
+              <a:schemeClr val="accent1"/>
+            </a:fillRef>
+            <a:effectRef idx="0">
+              <a:schemeClr val="accent1"/>
+            </a:effectRef>
+            <a:fontRef idx="minor">
+              <a:schemeClr val="tx1"/>
+            </a:fontRef>
+          </p:style>
+        </p:cxnSp>
+        <p:cxnSp>
+          <p:nvCxnSpPr>
+            <p:cNvPr id="20" name="직선 연결선 19">
+              <a:extLst>
+                <a:ext uri="{FF2B5EF4-FFF2-40B4-BE49-F238E27FC236}">
+                  <a16:creationId xmlns:a16="http://schemas.microsoft.com/office/drawing/2014/main" id="{AE29561A-083B-4058-BE01-1BDC7D56586F}"/>
+                </a:ext>
+              </a:extLst>
+            </p:cNvPr>
+            <p:cNvCxnSpPr/>
+            <p:nvPr/>
+          </p:nvCxnSpPr>
+          <p:spPr>
+            <a:xfrm flipV="1">
+              <a:off x="364474" y="3501929"/>
+              <a:ext cx="2481132" cy="20"/>
+            </a:xfrm>
+            <a:prstGeom prst="line">
+              <a:avLst/>
+            </a:prstGeom>
+            <a:ln w="3175">
+              <a:solidFill>
+                <a:schemeClr val="bg1">
+                  <a:lumMod val="85000"/>
+                </a:schemeClr>
+              </a:solidFill>
+            </a:ln>
+          </p:spPr>
+          <p:style>
+            <a:lnRef idx="1">
+              <a:schemeClr val="accent1"/>
+            </a:lnRef>
+            <a:fillRef idx="0">
+              <a:schemeClr val="accent1"/>
+            </a:fillRef>
+            <a:effectRef idx="0">
+              <a:schemeClr val="accent1"/>
+            </a:effectRef>
+            <a:fontRef idx="minor">
+              <a:schemeClr val="tx1"/>
+            </a:fontRef>
+          </p:style>
+        </p:cxnSp>
+        <p:cxnSp>
+          <p:nvCxnSpPr>
+            <p:cNvPr id="21" name="직선 연결선 20">
+              <a:extLst>
+                <a:ext uri="{FF2B5EF4-FFF2-40B4-BE49-F238E27FC236}">
+                  <a16:creationId xmlns:a16="http://schemas.microsoft.com/office/drawing/2014/main" id="{60E2C0F6-C2C1-4B2A-B14B-FABA90A7F402}"/>
+                </a:ext>
+              </a:extLst>
+            </p:cNvPr>
+            <p:cNvCxnSpPr/>
+            <p:nvPr/>
+          </p:nvCxnSpPr>
+          <p:spPr>
+            <a:xfrm flipV="1">
+              <a:off x="364474" y="3927795"/>
+              <a:ext cx="2481132" cy="20"/>
+            </a:xfrm>
+            <a:prstGeom prst="line">
+              <a:avLst/>
+            </a:prstGeom>
+            <a:ln w="3175">
+              <a:solidFill>
+                <a:schemeClr val="bg1">
+                  <a:lumMod val="85000"/>
+                </a:schemeClr>
+              </a:solidFill>
+            </a:ln>
+          </p:spPr>
+          <p:style>
+            <a:lnRef idx="1">
+              <a:schemeClr val="accent1"/>
+            </a:lnRef>
+            <a:fillRef idx="0">
+              <a:schemeClr val="accent1"/>
+            </a:fillRef>
+            <a:effectRef idx="0">
+              <a:schemeClr val="accent1"/>
+            </a:effectRef>
+            <a:fontRef idx="minor">
+              <a:schemeClr val="tx1"/>
+            </a:fontRef>
+          </p:style>
+        </p:cxnSp>
+        <p:cxnSp>
+          <p:nvCxnSpPr>
+            <p:cNvPr id="22" name="직선 연결선 21">
+              <a:extLst>
+                <a:ext uri="{FF2B5EF4-FFF2-40B4-BE49-F238E27FC236}">
+                  <a16:creationId xmlns:a16="http://schemas.microsoft.com/office/drawing/2014/main" id="{AF4D7A27-3187-4A29-BD2E-9C03B59E0AEC}"/>
+                </a:ext>
+              </a:extLst>
+            </p:cNvPr>
+            <p:cNvCxnSpPr/>
+            <p:nvPr/>
+          </p:nvCxnSpPr>
+          <p:spPr>
+            <a:xfrm flipV="1">
+              <a:off x="364474" y="2650197"/>
+              <a:ext cx="2481132" cy="20"/>
+            </a:xfrm>
+            <a:prstGeom prst="line">
+              <a:avLst/>
+            </a:prstGeom>
+            <a:ln w="3175">
+              <a:solidFill>
+                <a:schemeClr val="bg1">
+                  <a:lumMod val="85000"/>
+                </a:schemeClr>
+              </a:solidFill>
+            </a:ln>
+          </p:spPr>
+          <p:style>
+            <a:lnRef idx="1">
+              <a:schemeClr val="accent1"/>
+            </a:lnRef>
+            <a:fillRef idx="0">
+              <a:schemeClr val="accent1"/>
+            </a:fillRef>
+            <a:effectRef idx="0">
+              <a:schemeClr val="accent1"/>
+            </a:effectRef>
+            <a:fontRef idx="minor">
+              <a:schemeClr val="tx1"/>
+            </a:fontRef>
+          </p:style>
+        </p:cxnSp>
+      </p:grpSp>
+      <p:pic>
+        <p:nvPicPr>
+          <p:cNvPr id="26" name="그림 25">
+            <a:extLst>
+              <a:ext uri="{FF2B5EF4-FFF2-40B4-BE49-F238E27FC236}">
+                <a16:creationId xmlns:a16="http://schemas.microsoft.com/office/drawing/2014/main" id="{B709ECC2-7139-4091-847A-3D9B73A586B1}"/>
+              </a:ext>
+            </a:extLst>
+          </p:cNvPr>
+          <p:cNvPicPr>
+            <a:picLocks noChangeAspect="1"/>
+          </p:cNvPicPr>
+          <p:nvPr/>
+        </p:nvPicPr>
+        <p:blipFill>
+          <a:blip r:embed="rId3">
+            <a:extLst>
+              <a:ext uri="{28A0092B-C50C-407E-A947-70E740481C1C}">
+                <a14:useLocalDpi xmlns:a14="http://schemas.microsoft.com/office/drawing/2010/main" val="0"/>
+              </a:ext>
+            </a:extLst>
+          </a:blip>
+          <a:stretch>
+            <a:fillRect/>
+          </a:stretch>
+        </p:blipFill>
+        <p:spPr>
+          <a:xfrm>
+            <a:off x="0" y="0"/>
+            <a:ext cx="330882" cy="735685"/>
+          </a:xfrm>
+          <a:prstGeom prst="rect">
+            <a:avLst/>
+          </a:prstGeom>
+        </p:spPr>
+      </p:pic>
+    </p:spTree>
+    <p:extLst>
+      <p:ext uri="{BB962C8B-B14F-4D97-AF65-F5344CB8AC3E}">
+        <p14:creationId xmlns:p14="http://schemas.microsoft.com/office/powerpoint/2010/main" val="2150865010"/>
+      </p:ext>
+    </p:extLst>
+  </p:cSld>
+  <p:clrMapOvr>
+    <a:masterClrMapping/>
+  </p:clrMapOvr>
+</p:sld>
+</file>
+
+<file path=ppt/slides/slide13.xml><?xml version="1.0" encoding="utf-8"?>
+<p:sld xmlns:a="http://schemas.openxmlformats.org/drawingml/2006/main" xmlns:r="http://schemas.openxmlformats.org/officeDocument/2006/relationships" xmlns:p="http://schemas.openxmlformats.org/presentationml/2006/main">
+  <p:cSld>
+    <p:spTree>
+      <p:nvGrpSpPr>
+        <p:cNvPr id="1" name=""/>
+        <p:cNvGrpSpPr/>
+        <p:nvPr/>
+      </p:nvGrpSpPr>
+      <p:grpSpPr>
+        <a:xfrm>
+          <a:off x="0" y="0"/>
+          <a:ext cx="0" cy="0"/>
+          <a:chOff x="0" y="0"/>
+          <a:chExt cx="0" cy="0"/>
+        </a:xfrm>
+      </p:grpSpPr>
+      <p:pic>
+        <p:nvPicPr>
+          <p:cNvPr id="12" name="그림 11">
+            <a:extLst>
+              <a:ext uri="{FF2B5EF4-FFF2-40B4-BE49-F238E27FC236}">
+                <a16:creationId xmlns:a16="http://schemas.microsoft.com/office/drawing/2014/main" id="{C681F20B-DCA5-4762-AA26-A0CED9DDFBBB}"/>
+              </a:ext>
+            </a:extLst>
+          </p:cNvPr>
+          <p:cNvPicPr>
+            <a:picLocks noChangeAspect="1"/>
+          </p:cNvPicPr>
+          <p:nvPr/>
+        </p:nvPicPr>
+        <p:blipFill>
+          <a:blip r:embed="rId2"/>
+          <a:stretch>
+            <a:fillRect/>
+          </a:stretch>
+        </p:blipFill>
+        <p:spPr>
+          <a:xfrm>
+            <a:off x="10478468" y="6272243"/>
+            <a:ext cx="1516309" cy="415427"/>
+          </a:xfrm>
+          <a:prstGeom prst="rect">
+            <a:avLst/>
+          </a:prstGeom>
+        </p:spPr>
+      </p:pic>
+      <p:sp>
+        <p:nvSpPr>
+          <p:cNvPr id="30" name="제목 14">
+            <a:extLst>
+              <a:ext uri="{FF2B5EF4-FFF2-40B4-BE49-F238E27FC236}">
+                <a16:creationId xmlns:a16="http://schemas.microsoft.com/office/drawing/2014/main" id="{FBE3DC01-03E3-4D4F-8C50-67CA9B0848D2}"/>
+              </a:ext>
+            </a:extLst>
+          </p:cNvPr>
+          <p:cNvSpPr>
+            <a:spLocks noGrp="1"/>
+          </p:cNvSpPr>
+          <p:nvPr>
+            <p:ph type="title"/>
+          </p:nvPr>
+        </p:nvSpPr>
+        <p:spPr>
+          <a:xfrm>
+            <a:off x="3096933" y="238313"/>
+            <a:ext cx="5998135" cy="901700"/>
+          </a:xfrm>
+        </p:spPr>
+        <p:txBody>
+          <a:bodyPr>
+            <a:normAutofit/>
+          </a:bodyPr>
+          <a:lstStyle/>
+          <a:p>
+            <a:pPr algn="ctr"/>
+            <a:r>
+              <a:rPr lang="en-US" altLang="ko-KR" sz="2800" dirty="0">
+                <a:latin typeface="나눔스퀘어라운드 Regular" panose="020B0600000101010101" pitchFamily="50" charset="-127"/>
+                <a:ea typeface="나눔스퀘어라운드 Regular" panose="020B0600000101010101" pitchFamily="50" charset="-127"/>
+              </a:rPr>
+              <a:t>TrustZone FLUID</a:t>
+            </a:r>
+            <a:r>
+              <a:rPr lang="ko-KR" altLang="en-US" sz="2800" dirty="0">
+                <a:latin typeface="나눔스퀘어라운드 Regular" panose="020B0600000101010101" pitchFamily="50" charset="-127"/>
+                <a:ea typeface="나눔스퀘어라운드 Regular" panose="020B0600000101010101" pitchFamily="50" charset="-127"/>
+              </a:rPr>
+              <a:t>에 적용하기</a:t>
+            </a:r>
+          </a:p>
+        </p:txBody>
+      </p:sp>
+      <p:cxnSp>
+        <p:nvCxnSpPr>
+          <p:cNvPr id="31" name="직선 연결선 30">
+            <a:extLst>
+              <a:ext uri="{FF2B5EF4-FFF2-40B4-BE49-F238E27FC236}">
+                <a16:creationId xmlns:a16="http://schemas.microsoft.com/office/drawing/2014/main" id="{8F50C57E-9508-4B18-A435-88108432775D}"/>
+              </a:ext>
+            </a:extLst>
+          </p:cNvPr>
+          <p:cNvCxnSpPr>
+            <a:cxnSpLocks/>
+          </p:cNvCxnSpPr>
+          <p:nvPr/>
+        </p:nvCxnSpPr>
+        <p:spPr>
+          <a:xfrm>
+            <a:off x="2812062" y="915416"/>
+            <a:ext cx="6567876" cy="0"/>
+          </a:xfrm>
+          <a:prstGeom prst="line">
+            <a:avLst/>
+          </a:prstGeom>
+          <a:ln w="9525" cap="flat" cmpd="sng" algn="ctr">
+            <a:solidFill>
+              <a:schemeClr val="dk1"/>
+            </a:solidFill>
+            <a:prstDash val="solid"/>
+            <a:round/>
+            <a:headEnd type="none" w="med" len="med"/>
+            <a:tailEnd type="arrow" w="med" len="med"/>
+          </a:ln>
+        </p:spPr>
+        <p:style>
+          <a:lnRef idx="0">
+            <a:scrgbClr r="0" g="0" b="0"/>
+          </a:lnRef>
+          <a:fillRef idx="0">
+            <a:scrgbClr r="0" g="0" b="0"/>
+          </a:fillRef>
+          <a:effectRef idx="0">
+            <a:scrgbClr r="0" g="0" b="0"/>
+          </a:effectRef>
+          <a:fontRef idx="minor">
+            <a:schemeClr val="tx1"/>
+          </a:fontRef>
+        </p:style>
+      </p:cxnSp>
+      <p:sp>
+        <p:nvSpPr>
+          <p:cNvPr id="34" name="TextBox 33">
+            <a:extLst>
+              <a:ext uri="{FF2B5EF4-FFF2-40B4-BE49-F238E27FC236}">
+                <a16:creationId xmlns:a16="http://schemas.microsoft.com/office/drawing/2014/main" id="{1C1F66FF-E239-4DA5-AD0C-D2FE15C718E0}"/>
+              </a:ext>
+            </a:extLst>
+          </p:cNvPr>
+          <p:cNvSpPr txBox="1"/>
+          <p:nvPr/>
+        </p:nvSpPr>
+        <p:spPr>
+          <a:xfrm>
+            <a:off x="3104754" y="1817116"/>
+            <a:ext cx="7653159" cy="384401"/>
+          </a:xfrm>
+          <a:prstGeom prst="rect">
+            <a:avLst/>
+          </a:prstGeom>
+          <a:noFill/>
+        </p:spPr>
+        <p:txBody>
+          <a:bodyPr wrap="square" rtlCol="0">
+            <a:spAutoFit/>
+          </a:bodyPr>
+          <a:lstStyle/>
+          <a:p>
+            <a:pPr marL="342900" indent="-342900">
+              <a:lnSpc>
+                <a:spcPct val="150000"/>
+              </a:lnSpc>
+              <a:buAutoNum type="arabicPeriod"/>
+            </a:pPr>
+            <a:r>
+              <a:rPr lang="en-US" altLang="ko-KR" sz="1400" spc="-30" dirty="0">
+                <a:latin typeface="나눔스퀘어라운드 Regular" panose="020B0600000101010101" pitchFamily="50" charset="-127"/>
+                <a:ea typeface="나눔스퀘어라운드 Regular" panose="020B0600000101010101" pitchFamily="50" charset="-127"/>
+              </a:rPr>
+              <a:t>IPC</a:t>
+            </a:r>
+            <a:r>
+              <a:rPr lang="ko-KR" altLang="en-US" sz="1400" spc="-30" dirty="0">
+                <a:latin typeface="나눔스퀘어라운드 Regular" panose="020B0600000101010101" pitchFamily="50" charset="-127"/>
+                <a:ea typeface="나눔스퀘어라운드 Regular" panose="020B0600000101010101" pitchFamily="50" charset="-127"/>
+              </a:rPr>
+              <a:t>메시지와 운영체제를 분리시키기</a:t>
+            </a:r>
+            <a:endParaRPr lang="en-US" altLang="ko-KR" sz="1400" spc="-30" dirty="0">
+              <a:latin typeface="나눔스퀘어라운드 Regular" panose="020B0600000101010101" pitchFamily="50" charset="-127"/>
+              <a:ea typeface="나눔스퀘어라운드 Regular" panose="020B0600000101010101" pitchFamily="50" charset="-127"/>
+            </a:endParaRPr>
+          </a:p>
+        </p:txBody>
+      </p:sp>
+      <p:sp>
+        <p:nvSpPr>
+          <p:cNvPr id="14" name="사각형: 둥근 모서리 13">
+            <a:extLst>
+              <a:ext uri="{FF2B5EF4-FFF2-40B4-BE49-F238E27FC236}">
+                <a16:creationId xmlns:a16="http://schemas.microsoft.com/office/drawing/2014/main" id="{50E4F0BB-3257-44E8-9B41-749274763CEC}"/>
+              </a:ext>
+            </a:extLst>
+          </p:cNvPr>
+          <p:cNvSpPr/>
+          <p:nvPr/>
+        </p:nvSpPr>
+        <p:spPr>
+          <a:xfrm>
+            <a:off x="328257" y="1456970"/>
+            <a:ext cx="2711054" cy="3748791"/>
+          </a:xfrm>
+          <a:prstGeom prst="roundRect">
+            <a:avLst>
+              <a:gd name="adj" fmla="val 2082"/>
+            </a:avLst>
+          </a:prstGeom>
+          <a:solidFill>
+            <a:schemeClr val="bg1"/>
+          </a:solidFill>
+          <a:ln>
+            <a:noFill/>
+          </a:ln>
+          <a:effectLst>
+            <a:softEdge rad="0"/>
+          </a:effectLst>
+        </p:spPr>
+        <p:style>
+          <a:lnRef idx="2">
+            <a:schemeClr val="accent1">
+              <a:shade val="50000"/>
+            </a:schemeClr>
+          </a:lnRef>
+          <a:fillRef idx="1">
+            <a:schemeClr val="accent1"/>
+          </a:fillRef>
+          <a:effectRef idx="0">
+            <a:schemeClr val="accent1"/>
+          </a:effectRef>
+          <a:fontRef idx="minor">
+            <a:schemeClr val="lt1"/>
+          </a:fontRef>
+        </p:style>
+        <p:txBody>
+          <a:bodyPr rtlCol="0" anchor="ctr"/>
+          <a:lstStyle/>
+          <a:p>
+            <a:pPr algn="ctr"/>
+            <a:endParaRPr lang="ko-KR" altLang="en-US" dirty="0"/>
+          </a:p>
+        </p:txBody>
+      </p:sp>
+      <p:sp>
+        <p:nvSpPr>
+          <p:cNvPr id="15" name="부제목 2">
+            <a:extLst>
+              <a:ext uri="{FF2B5EF4-FFF2-40B4-BE49-F238E27FC236}">
+                <a16:creationId xmlns:a16="http://schemas.microsoft.com/office/drawing/2014/main" id="{C04869E5-BC94-4E36-A1A2-B5EDB457407F}"/>
+              </a:ext>
+            </a:extLst>
+          </p:cNvPr>
+          <p:cNvSpPr txBox="1">
+            <a:spLocks/>
+          </p:cNvSpPr>
+          <p:nvPr/>
+        </p:nvSpPr>
+        <p:spPr>
+          <a:xfrm>
+            <a:off x="393700" y="1765786"/>
+            <a:ext cx="2481132" cy="3625365"/>
+          </a:xfrm>
+          <a:prstGeom prst="rect">
+            <a:avLst/>
+          </a:prstGeom>
+        </p:spPr>
+        <p:txBody>
+          <a:bodyPr vert="horz" lIns="91440" tIns="45720" rIns="91440" bIns="45720" rtlCol="0">
+            <a:normAutofit/>
+          </a:bodyPr>
+          <a:lstStyle/>
+          <a:p>
+            <a:pPr>
+              <a:lnSpc>
+                <a:spcPct val="250000"/>
+              </a:lnSpc>
+            </a:pPr>
+            <a:r>
+              <a:rPr lang="en-US" altLang="ko-KR" sz="1600" spc="-50" dirty="0">
+                <a:latin typeface="나눔스퀘어라운드 Regular" panose="020B0600000101010101" pitchFamily="50" charset="-127"/>
+                <a:ea typeface="나눔스퀘어라운드 Regular" panose="020B0600000101010101" pitchFamily="50" charset="-127"/>
+              </a:rPr>
+              <a:t>1. TrustZone </a:t>
+            </a:r>
+            <a:r>
+              <a:rPr lang="ko-KR" altLang="en-US" sz="1600" spc="-50" dirty="0">
+                <a:latin typeface="나눔스퀘어라운드 Regular" panose="020B0600000101010101" pitchFamily="50" charset="-127"/>
+                <a:ea typeface="나눔스퀘어라운드 Regular" panose="020B0600000101010101" pitchFamily="50" charset="-127"/>
+              </a:rPr>
+              <a:t>배경</a:t>
+            </a:r>
+            <a:r>
+              <a:rPr lang="en-US" altLang="ko-KR" sz="1600" spc="-50" dirty="0">
+                <a:latin typeface="나눔스퀘어라운드 Regular" panose="020B0600000101010101" pitchFamily="50" charset="-127"/>
+                <a:ea typeface="나눔스퀘어라운드 Regular" panose="020B0600000101010101" pitchFamily="50" charset="-127"/>
+              </a:rPr>
+              <a:t>	</a:t>
+            </a:r>
+            <a:endParaRPr lang="en-US" altLang="ko-KR" sz="1200" spc="-50" dirty="0">
               <a:latin typeface="나눔스퀘어라운드 Regular" panose="020B0600000101010101" pitchFamily="50" charset="-127"/>
               <a:ea typeface="나눔스퀘어라운드 Regular" panose="020B0600000101010101" pitchFamily="50" charset="-127"/>
             </a:endParaRPr>
@@ -5476,56 +6201,69 @@
                 <a:latin typeface="나눔스퀘어라운드 Regular" panose="020B0600000101010101" pitchFamily="50" charset="-127"/>
                 <a:ea typeface="나눔스퀘어라운드 Regular" panose="020B0600000101010101" pitchFamily="50" charset="-127"/>
               </a:rPr>
-              <a:t>2.	</a:t>
-            </a:r>
-          </a:p>
-          <a:p>
-            <a:pPr marL="342900" indent="-342900" defTabSz="355600">
+              <a:t>2. TrustZone </a:t>
+            </a:r>
+            <a:r>
+              <a:rPr lang="ko-KR" altLang="en-US" sz="1600" spc="-50" dirty="0">
+                <a:latin typeface="나눔스퀘어라운드 Regular" panose="020B0600000101010101" pitchFamily="50" charset="-127"/>
+                <a:ea typeface="나눔스퀘어라운드 Regular" panose="020B0600000101010101" pitchFamily="50" charset="-127"/>
+              </a:rPr>
+              <a:t>이란</a:t>
+            </a:r>
+            <a:r>
+              <a:rPr lang="en-US" altLang="ko-KR" sz="1600" spc="-50" dirty="0">
+                <a:latin typeface="나눔스퀘어라운드 Regular" panose="020B0600000101010101" pitchFamily="50" charset="-127"/>
+                <a:ea typeface="나눔스퀘어라운드 Regular" panose="020B0600000101010101" pitchFamily="50" charset="-127"/>
+              </a:rPr>
+              <a:t>?</a:t>
+            </a:r>
+          </a:p>
+          <a:p>
+            <a:pPr defTabSz="355600">
               <a:lnSpc>
                 <a:spcPct val="250000"/>
               </a:lnSpc>
-              <a:buAutoNum type="arabicPeriod" startAt="3"/>
             </a:pPr>
+            <a:r>
+              <a:rPr lang="en-US" altLang="ko-KR" sz="1600" spc="-50" dirty="0">
+                <a:latin typeface="나눔스퀘어라운드 Regular" panose="020B0600000101010101" pitchFamily="50" charset="-127"/>
+                <a:ea typeface="나눔스퀘어라운드 Regular" panose="020B0600000101010101" pitchFamily="50" charset="-127"/>
+              </a:rPr>
+              <a:t>3. TrustZone </a:t>
+            </a:r>
+            <a:r>
+              <a:rPr lang="ko-KR" altLang="en-US" sz="1600" spc="-50" dirty="0">
+                <a:latin typeface="나눔스퀘어라운드 Regular" panose="020B0600000101010101" pitchFamily="50" charset="-127"/>
+                <a:ea typeface="나눔스퀘어라운드 Regular" panose="020B0600000101010101" pitchFamily="50" charset="-127"/>
+              </a:rPr>
+              <a:t>활용 예</a:t>
+            </a:r>
             <a:endParaRPr lang="en-US" altLang="ko-KR" sz="1600" spc="-50" dirty="0">
-              <a:solidFill>
-                <a:schemeClr val="bg1">
-                  <a:lumMod val="85000"/>
-                </a:schemeClr>
-              </a:solidFill>
               <a:latin typeface="나눔스퀘어라운드 Regular" panose="020B0600000101010101" pitchFamily="50" charset="-127"/>
               <a:ea typeface="나눔스퀘어라운드 Regular" panose="020B0600000101010101" pitchFamily="50" charset="-127"/>
             </a:endParaRPr>
           </a:p>
           <a:p>
-            <a:pPr marL="342900" indent="-342900" defTabSz="355600">
+            <a:pPr defTabSz="355600">
               <a:lnSpc>
                 <a:spcPct val="250000"/>
               </a:lnSpc>
-              <a:buAutoNum type="arabicPeriod" startAt="3"/>
             </a:pPr>
+            <a:r>
+              <a:rPr lang="en-US" altLang="ko-KR" sz="1600" spc="-50" dirty="0">
+                <a:latin typeface="나눔스퀘어라운드 Regular" panose="020B0600000101010101" pitchFamily="50" charset="-127"/>
+                <a:ea typeface="나눔스퀘어라운드 Regular" panose="020B0600000101010101" pitchFamily="50" charset="-127"/>
+              </a:rPr>
+              <a:t>4. FLUID</a:t>
+            </a:r>
+            <a:r>
+              <a:rPr lang="ko-KR" altLang="en-US" sz="1600" spc="-50" dirty="0">
+                <a:latin typeface="나눔스퀘어라운드 Regular" panose="020B0600000101010101" pitchFamily="50" charset="-127"/>
+                <a:ea typeface="나눔스퀘어라운드 Regular" panose="020B0600000101010101" pitchFamily="50" charset="-127"/>
+              </a:rPr>
+              <a:t>에 적용</a:t>
+            </a:r>
             <a:endParaRPr lang="en-US" altLang="ko-KR" sz="1600" spc="-50" dirty="0">
-              <a:solidFill>
-                <a:schemeClr val="bg1">
-                  <a:lumMod val="85000"/>
-                </a:schemeClr>
-              </a:solidFill>
-              <a:latin typeface="나눔스퀘어라운드 Regular" panose="020B0600000101010101" pitchFamily="50" charset="-127"/>
-              <a:ea typeface="나눔스퀘어라운드 Regular" panose="020B0600000101010101" pitchFamily="50" charset="-127"/>
-            </a:endParaRPr>
-          </a:p>
-          <a:p>
-            <a:pPr marL="342900" indent="-342900" defTabSz="355600">
-              <a:lnSpc>
-                <a:spcPct val="250000"/>
-              </a:lnSpc>
-              <a:buAutoNum type="arabicPeriod" startAt="3"/>
-            </a:pPr>
-            <a:endParaRPr lang="en-US" altLang="ko-KR" sz="1600" spc="-50" dirty="0">
-              <a:solidFill>
-                <a:schemeClr val="bg1">
-                  <a:lumMod val="85000"/>
-                </a:schemeClr>
-              </a:solidFill>
               <a:latin typeface="나눔스퀘어라운드 Regular" panose="020B0600000101010101" pitchFamily="50" charset="-127"/>
               <a:ea typeface="나눔스퀘어라운드 Regular" panose="020B0600000101010101" pitchFamily="50" charset="-127"/>
             </a:endParaRPr>
@@ -5899,763 +6637,6 @@
           </a:prstGeom>
         </p:spPr>
       </p:pic>
-    </p:spTree>
-    <p:extLst>
-      <p:ext uri="{BB962C8B-B14F-4D97-AF65-F5344CB8AC3E}">
-        <p14:creationId xmlns:p14="http://schemas.microsoft.com/office/powerpoint/2010/main" val="2150865010"/>
-      </p:ext>
-    </p:extLst>
-  </p:cSld>
-  <p:clrMapOvr>
-    <a:masterClrMapping/>
-  </p:clrMapOvr>
-</p:sld>
-</file>
-
-<file path=ppt/slides/slide13.xml><?xml version="1.0" encoding="utf-8"?>
-<p:sld xmlns:a="http://schemas.openxmlformats.org/drawingml/2006/main" xmlns:r="http://schemas.openxmlformats.org/officeDocument/2006/relationships" xmlns:p="http://schemas.openxmlformats.org/presentationml/2006/main">
-  <p:cSld>
-    <p:spTree>
-      <p:nvGrpSpPr>
-        <p:cNvPr id="1" name=""/>
-        <p:cNvGrpSpPr/>
-        <p:nvPr/>
-      </p:nvGrpSpPr>
-      <p:grpSpPr>
-        <a:xfrm>
-          <a:off x="0" y="0"/>
-          <a:ext cx="0" cy="0"/>
-          <a:chOff x="0" y="0"/>
-          <a:chExt cx="0" cy="0"/>
-        </a:xfrm>
-      </p:grpSpPr>
-      <p:pic>
-        <p:nvPicPr>
-          <p:cNvPr id="12" name="그림 11">
-            <a:extLst>
-              <a:ext uri="{FF2B5EF4-FFF2-40B4-BE49-F238E27FC236}">
-                <a16:creationId xmlns:a16="http://schemas.microsoft.com/office/drawing/2014/main" id="{C681F20B-DCA5-4762-AA26-A0CED9DDFBBB}"/>
-              </a:ext>
-            </a:extLst>
-          </p:cNvPr>
-          <p:cNvPicPr>
-            <a:picLocks noChangeAspect="1"/>
-          </p:cNvPicPr>
-          <p:nvPr/>
-        </p:nvPicPr>
-        <p:blipFill>
-          <a:blip r:embed="rId2"/>
-          <a:stretch>
-            <a:fillRect/>
-          </a:stretch>
-        </p:blipFill>
-        <p:spPr>
-          <a:xfrm>
-            <a:off x="10478468" y="6272243"/>
-            <a:ext cx="1516309" cy="415427"/>
-          </a:xfrm>
-          <a:prstGeom prst="rect">
-            <a:avLst/>
-          </a:prstGeom>
-        </p:spPr>
-      </p:pic>
-      <p:sp>
-        <p:nvSpPr>
-          <p:cNvPr id="30" name="제목 14">
-            <a:extLst>
-              <a:ext uri="{FF2B5EF4-FFF2-40B4-BE49-F238E27FC236}">
-                <a16:creationId xmlns:a16="http://schemas.microsoft.com/office/drawing/2014/main" id="{FBE3DC01-03E3-4D4F-8C50-67CA9B0848D2}"/>
-              </a:ext>
-            </a:extLst>
-          </p:cNvPr>
-          <p:cNvSpPr>
-            <a:spLocks noGrp="1"/>
-          </p:cNvSpPr>
-          <p:nvPr>
-            <p:ph type="title"/>
-          </p:nvPr>
-        </p:nvSpPr>
-        <p:spPr>
-          <a:xfrm>
-            <a:off x="3096933" y="238313"/>
-            <a:ext cx="5998135" cy="901700"/>
-          </a:xfrm>
-        </p:spPr>
-        <p:txBody>
-          <a:bodyPr>
-            <a:normAutofit/>
-          </a:bodyPr>
-          <a:lstStyle/>
-          <a:p>
-            <a:pPr algn="ctr"/>
-            <a:r>
-              <a:rPr lang="en-US" altLang="ko-KR" sz="2800" dirty="0">
-                <a:latin typeface="나눔스퀘어라운드 Regular" panose="020B0600000101010101" pitchFamily="50" charset="-127"/>
-                <a:ea typeface="나눔스퀘어라운드 Regular" panose="020B0600000101010101" pitchFamily="50" charset="-127"/>
-              </a:rPr>
-              <a:t>TrustZone FLUID</a:t>
-            </a:r>
-            <a:r>
-              <a:rPr lang="ko-KR" altLang="en-US" sz="2800" dirty="0">
-                <a:latin typeface="나눔스퀘어라운드 Regular" panose="020B0600000101010101" pitchFamily="50" charset="-127"/>
-                <a:ea typeface="나눔스퀘어라운드 Regular" panose="020B0600000101010101" pitchFamily="50" charset="-127"/>
-              </a:rPr>
-              <a:t>에 적용하기</a:t>
-            </a:r>
-          </a:p>
-        </p:txBody>
-      </p:sp>
-      <p:cxnSp>
-        <p:nvCxnSpPr>
-          <p:cNvPr id="31" name="직선 연결선 30">
-            <a:extLst>
-              <a:ext uri="{FF2B5EF4-FFF2-40B4-BE49-F238E27FC236}">
-                <a16:creationId xmlns:a16="http://schemas.microsoft.com/office/drawing/2014/main" id="{8F50C57E-9508-4B18-A435-88108432775D}"/>
-              </a:ext>
-            </a:extLst>
-          </p:cNvPr>
-          <p:cNvCxnSpPr>
-            <a:cxnSpLocks/>
-          </p:cNvCxnSpPr>
-          <p:nvPr/>
-        </p:nvCxnSpPr>
-        <p:spPr>
-          <a:xfrm>
-            <a:off x="2812062" y="915416"/>
-            <a:ext cx="6567876" cy="0"/>
-          </a:xfrm>
-          <a:prstGeom prst="line">
-            <a:avLst/>
-          </a:prstGeom>
-          <a:ln w="9525" cap="flat" cmpd="sng" algn="ctr">
-            <a:solidFill>
-              <a:schemeClr val="dk1"/>
-            </a:solidFill>
-            <a:prstDash val="solid"/>
-            <a:round/>
-            <a:headEnd type="none" w="med" len="med"/>
-            <a:tailEnd type="arrow" w="med" len="med"/>
-          </a:ln>
-        </p:spPr>
-        <p:style>
-          <a:lnRef idx="0">
-            <a:scrgbClr r="0" g="0" b="0"/>
-          </a:lnRef>
-          <a:fillRef idx="0">
-            <a:scrgbClr r="0" g="0" b="0"/>
-          </a:fillRef>
-          <a:effectRef idx="0">
-            <a:scrgbClr r="0" g="0" b="0"/>
-          </a:effectRef>
-          <a:fontRef idx="minor">
-            <a:schemeClr val="tx1"/>
-          </a:fontRef>
-        </p:style>
-      </p:cxnSp>
-      <p:sp>
-        <p:nvSpPr>
-          <p:cNvPr id="34" name="TextBox 33">
-            <a:extLst>
-              <a:ext uri="{FF2B5EF4-FFF2-40B4-BE49-F238E27FC236}">
-                <a16:creationId xmlns:a16="http://schemas.microsoft.com/office/drawing/2014/main" id="{1C1F66FF-E239-4DA5-AD0C-D2FE15C718E0}"/>
-              </a:ext>
-            </a:extLst>
-          </p:cNvPr>
-          <p:cNvSpPr txBox="1"/>
-          <p:nvPr/>
-        </p:nvSpPr>
-        <p:spPr>
-          <a:xfrm>
-            <a:off x="3104754" y="1817116"/>
-            <a:ext cx="7653159" cy="384401"/>
-          </a:xfrm>
-          <a:prstGeom prst="rect">
-            <a:avLst/>
-          </a:prstGeom>
-          <a:noFill/>
-        </p:spPr>
-        <p:txBody>
-          <a:bodyPr wrap="square" rtlCol="0">
-            <a:spAutoFit/>
-          </a:bodyPr>
-          <a:lstStyle/>
-          <a:p>
-            <a:pPr marL="342900" indent="-342900">
-              <a:lnSpc>
-                <a:spcPct val="150000"/>
-              </a:lnSpc>
-              <a:buAutoNum type="arabicPeriod"/>
-            </a:pPr>
-            <a:r>
-              <a:rPr lang="en-US" altLang="ko-KR" sz="1400" spc="-30" dirty="0">
-                <a:latin typeface="나눔스퀘어라운드 Regular" panose="020B0600000101010101" pitchFamily="50" charset="-127"/>
-                <a:ea typeface="나눔스퀘어라운드 Regular" panose="020B0600000101010101" pitchFamily="50" charset="-127"/>
-              </a:rPr>
-              <a:t>IPC</a:t>
-            </a:r>
-            <a:r>
-              <a:rPr lang="ko-KR" altLang="en-US" sz="1400" spc="-30" dirty="0">
-                <a:latin typeface="나눔스퀘어라운드 Regular" panose="020B0600000101010101" pitchFamily="50" charset="-127"/>
-                <a:ea typeface="나눔스퀘어라운드 Regular" panose="020B0600000101010101" pitchFamily="50" charset="-127"/>
-              </a:rPr>
-              <a:t>메시지와 운영체제를 분리시키기</a:t>
-            </a:r>
-            <a:endParaRPr lang="en-US" altLang="ko-KR" sz="1400" spc="-30" dirty="0">
-              <a:latin typeface="나눔스퀘어라운드 Regular" panose="020B0600000101010101" pitchFamily="50" charset="-127"/>
-              <a:ea typeface="나눔스퀘어라운드 Regular" panose="020B0600000101010101" pitchFamily="50" charset="-127"/>
-            </a:endParaRPr>
-          </a:p>
-        </p:txBody>
-      </p:sp>
-      <p:sp>
-        <p:nvSpPr>
-          <p:cNvPr id="14" name="사각형: 둥근 모서리 13">
-            <a:extLst>
-              <a:ext uri="{FF2B5EF4-FFF2-40B4-BE49-F238E27FC236}">
-                <a16:creationId xmlns:a16="http://schemas.microsoft.com/office/drawing/2014/main" id="{50E4F0BB-3257-44E8-9B41-749274763CEC}"/>
-              </a:ext>
-            </a:extLst>
-          </p:cNvPr>
-          <p:cNvSpPr/>
-          <p:nvPr/>
-        </p:nvSpPr>
-        <p:spPr>
-          <a:xfrm>
-            <a:off x="328257" y="1456970"/>
-            <a:ext cx="2711054" cy="3748791"/>
-          </a:xfrm>
-          <a:prstGeom prst="roundRect">
-            <a:avLst>
-              <a:gd name="adj" fmla="val 2082"/>
-            </a:avLst>
-          </a:prstGeom>
-          <a:solidFill>
-            <a:schemeClr val="bg1"/>
-          </a:solidFill>
-          <a:ln>
-            <a:noFill/>
-          </a:ln>
-          <a:effectLst>
-            <a:softEdge rad="0"/>
-          </a:effectLst>
-        </p:spPr>
-        <p:style>
-          <a:lnRef idx="2">
-            <a:schemeClr val="accent1">
-              <a:shade val="50000"/>
-            </a:schemeClr>
-          </a:lnRef>
-          <a:fillRef idx="1">
-            <a:schemeClr val="accent1"/>
-          </a:fillRef>
-          <a:effectRef idx="0">
-            <a:schemeClr val="accent1"/>
-          </a:effectRef>
-          <a:fontRef idx="minor">
-            <a:schemeClr val="lt1"/>
-          </a:fontRef>
-        </p:style>
-        <p:txBody>
-          <a:bodyPr rtlCol="0" anchor="ctr"/>
-          <a:lstStyle/>
-          <a:p>
-            <a:pPr algn="ctr"/>
-            <a:endParaRPr lang="ko-KR" altLang="en-US" dirty="0"/>
-          </a:p>
-        </p:txBody>
-      </p:sp>
-      <p:sp>
-        <p:nvSpPr>
-          <p:cNvPr id="15" name="부제목 2">
-            <a:extLst>
-              <a:ext uri="{FF2B5EF4-FFF2-40B4-BE49-F238E27FC236}">
-                <a16:creationId xmlns:a16="http://schemas.microsoft.com/office/drawing/2014/main" id="{C04869E5-BC94-4E36-A1A2-B5EDB457407F}"/>
-              </a:ext>
-            </a:extLst>
-          </p:cNvPr>
-          <p:cNvSpPr txBox="1">
-            <a:spLocks/>
-          </p:cNvSpPr>
-          <p:nvPr/>
-        </p:nvSpPr>
-        <p:spPr>
-          <a:xfrm>
-            <a:off x="393700" y="1765786"/>
-            <a:ext cx="2481132" cy="3625365"/>
-          </a:xfrm>
-          <a:prstGeom prst="rect">
-            <a:avLst/>
-          </a:prstGeom>
-        </p:spPr>
-        <p:txBody>
-          <a:bodyPr vert="horz" lIns="91440" tIns="45720" rIns="91440" bIns="45720" rtlCol="0">
-            <a:normAutofit/>
-          </a:bodyPr>
-          <a:lstStyle/>
-          <a:p>
-            <a:pPr marL="333375" indent="-333375">
-              <a:lnSpc>
-                <a:spcPct val="250000"/>
-              </a:lnSpc>
-              <a:buFont typeface="+mj-lt"/>
-              <a:buAutoNum type="arabicPeriod"/>
-            </a:pPr>
-            <a:r>
-              <a:rPr lang="en-US" altLang="ko-KR" sz="1600" spc="-50" dirty="0">
-                <a:solidFill>
-                  <a:schemeClr val="bg1">
-                    <a:lumMod val="85000"/>
-                  </a:schemeClr>
-                </a:solidFill>
-                <a:latin typeface="나눔스퀘어라운드 Regular" panose="020B0600000101010101" pitchFamily="50" charset="-127"/>
-                <a:ea typeface="나눔스퀘어라운드 Regular" panose="020B0600000101010101" pitchFamily="50" charset="-127"/>
-              </a:rPr>
-              <a:t>	</a:t>
-            </a:r>
-            <a:endParaRPr lang="en-US" altLang="ko-KR" sz="1200" spc="-50" dirty="0">
-              <a:solidFill>
-                <a:schemeClr val="bg1">
-                  <a:lumMod val="85000"/>
-                </a:schemeClr>
-              </a:solidFill>
-              <a:latin typeface="나눔스퀘어라운드 Regular" panose="020B0600000101010101" pitchFamily="50" charset="-127"/>
-              <a:ea typeface="나눔스퀘어라운드 Regular" panose="020B0600000101010101" pitchFamily="50" charset="-127"/>
-            </a:endParaRPr>
-          </a:p>
-          <a:p>
-            <a:pPr defTabSz="355600">
-              <a:lnSpc>
-                <a:spcPct val="250000"/>
-              </a:lnSpc>
-            </a:pPr>
-            <a:r>
-              <a:rPr lang="en-US" altLang="ko-KR" sz="1600" spc="-50" dirty="0">
-                <a:latin typeface="나눔스퀘어라운드 Regular" panose="020B0600000101010101" pitchFamily="50" charset="-127"/>
-                <a:ea typeface="나눔스퀘어라운드 Regular" panose="020B0600000101010101" pitchFamily="50" charset="-127"/>
-              </a:rPr>
-              <a:t>2.	</a:t>
-            </a:r>
-          </a:p>
-          <a:p>
-            <a:pPr marL="342900" indent="-342900" defTabSz="355600">
-              <a:lnSpc>
-                <a:spcPct val="250000"/>
-              </a:lnSpc>
-              <a:buAutoNum type="arabicPeriod" startAt="3"/>
-            </a:pPr>
-            <a:endParaRPr lang="en-US" altLang="ko-KR" sz="1600" spc="-50" dirty="0">
-              <a:solidFill>
-                <a:schemeClr val="bg1">
-                  <a:lumMod val="85000"/>
-                </a:schemeClr>
-              </a:solidFill>
-              <a:latin typeface="나눔스퀘어라운드 Regular" panose="020B0600000101010101" pitchFamily="50" charset="-127"/>
-              <a:ea typeface="나눔스퀘어라운드 Regular" panose="020B0600000101010101" pitchFamily="50" charset="-127"/>
-            </a:endParaRPr>
-          </a:p>
-          <a:p>
-            <a:pPr marL="342900" indent="-342900" defTabSz="355600">
-              <a:lnSpc>
-                <a:spcPct val="250000"/>
-              </a:lnSpc>
-              <a:buAutoNum type="arabicPeriod" startAt="3"/>
-            </a:pPr>
-            <a:endParaRPr lang="en-US" altLang="ko-KR" sz="1600" spc="-50" dirty="0">
-              <a:solidFill>
-                <a:schemeClr val="bg1">
-                  <a:lumMod val="85000"/>
-                </a:schemeClr>
-              </a:solidFill>
-              <a:latin typeface="나눔스퀘어라운드 Regular" panose="020B0600000101010101" pitchFamily="50" charset="-127"/>
-              <a:ea typeface="나눔스퀘어라운드 Regular" panose="020B0600000101010101" pitchFamily="50" charset="-127"/>
-            </a:endParaRPr>
-          </a:p>
-          <a:p>
-            <a:pPr marL="342900" indent="-342900" defTabSz="355600">
-              <a:lnSpc>
-                <a:spcPct val="250000"/>
-              </a:lnSpc>
-              <a:buAutoNum type="arabicPeriod" startAt="3"/>
-            </a:pPr>
-            <a:endParaRPr lang="en-US" altLang="ko-KR" sz="1600" spc="-50" dirty="0">
-              <a:solidFill>
-                <a:schemeClr val="bg1">
-                  <a:lumMod val="85000"/>
-                </a:schemeClr>
-              </a:solidFill>
-              <a:latin typeface="나눔스퀘어라운드 Regular" panose="020B0600000101010101" pitchFamily="50" charset="-127"/>
-              <a:ea typeface="나눔스퀘어라운드 Regular" panose="020B0600000101010101" pitchFamily="50" charset="-127"/>
-            </a:endParaRPr>
-          </a:p>
-        </p:txBody>
-      </p:sp>
-      <p:cxnSp>
-        <p:nvCxnSpPr>
-          <p:cNvPr id="16" name="직선 연결선 15">
-            <a:extLst>
-              <a:ext uri="{FF2B5EF4-FFF2-40B4-BE49-F238E27FC236}">
-                <a16:creationId xmlns:a16="http://schemas.microsoft.com/office/drawing/2014/main" id="{E5B0A1F1-444F-4E4F-AA37-07F60FD89E0F}"/>
-              </a:ext>
-            </a:extLst>
-          </p:cNvPr>
-          <p:cNvCxnSpPr>
-            <a:cxnSpLocks/>
-          </p:cNvCxnSpPr>
-          <p:nvPr/>
-        </p:nvCxnSpPr>
-        <p:spPr>
-          <a:xfrm flipV="1">
-            <a:off x="393700" y="1851983"/>
-            <a:ext cx="2481132" cy="20"/>
-          </a:xfrm>
-          <a:prstGeom prst="line">
-            <a:avLst/>
-          </a:prstGeom>
-          <a:ln w="3175">
-            <a:solidFill>
-              <a:schemeClr val="tx1">
-                <a:lumMod val="75000"/>
-                <a:lumOff val="25000"/>
-              </a:schemeClr>
-            </a:solidFill>
-          </a:ln>
-        </p:spPr>
-        <p:style>
-          <a:lnRef idx="1">
-            <a:schemeClr val="accent1"/>
-          </a:lnRef>
-          <a:fillRef idx="0">
-            <a:schemeClr val="accent1"/>
-          </a:fillRef>
-          <a:effectRef idx="0">
-            <a:schemeClr val="accent1"/>
-          </a:effectRef>
-          <a:fontRef idx="minor">
-            <a:schemeClr val="tx1"/>
-          </a:fontRef>
-        </p:style>
-      </p:cxnSp>
-      <p:grpSp>
-        <p:nvGrpSpPr>
-          <p:cNvPr id="17" name="그룹 16">
-            <a:extLst>
-              <a:ext uri="{FF2B5EF4-FFF2-40B4-BE49-F238E27FC236}">
-                <a16:creationId xmlns:a16="http://schemas.microsoft.com/office/drawing/2014/main" id="{D9F4A786-DF9D-4035-8485-8EB993243439}"/>
-              </a:ext>
-            </a:extLst>
-          </p:cNvPr>
-          <p:cNvGrpSpPr/>
-          <p:nvPr/>
-        </p:nvGrpSpPr>
-        <p:grpSpPr>
-          <a:xfrm>
-            <a:off x="393700" y="2326342"/>
-            <a:ext cx="1587499" cy="2577312"/>
-            <a:chOff x="364474" y="2224331"/>
-            <a:chExt cx="2483371" cy="1703484"/>
-          </a:xfrm>
-        </p:grpSpPr>
-        <p:cxnSp>
-          <p:nvCxnSpPr>
-            <p:cNvPr id="18" name="직선 연결선 17">
-              <a:extLst>
-                <a:ext uri="{FF2B5EF4-FFF2-40B4-BE49-F238E27FC236}">
-                  <a16:creationId xmlns:a16="http://schemas.microsoft.com/office/drawing/2014/main" id="{2299EC5A-8D01-4445-A937-6B944307E137}"/>
-                </a:ext>
-              </a:extLst>
-            </p:cNvPr>
-            <p:cNvCxnSpPr/>
-            <p:nvPr/>
-          </p:nvCxnSpPr>
-          <p:spPr>
-            <a:xfrm flipV="1">
-              <a:off x="366713" y="2224331"/>
-              <a:ext cx="2481132" cy="20"/>
-            </a:xfrm>
-            <a:prstGeom prst="line">
-              <a:avLst/>
-            </a:prstGeom>
-            <a:ln w="3175">
-              <a:solidFill>
-                <a:schemeClr val="bg1">
-                  <a:lumMod val="85000"/>
-                </a:schemeClr>
-              </a:solidFill>
-            </a:ln>
-          </p:spPr>
-          <p:style>
-            <a:lnRef idx="1">
-              <a:schemeClr val="accent1"/>
-            </a:lnRef>
-            <a:fillRef idx="0">
-              <a:schemeClr val="accent1"/>
-            </a:fillRef>
-            <a:effectRef idx="0">
-              <a:schemeClr val="accent1"/>
-            </a:effectRef>
-            <a:fontRef idx="minor">
-              <a:schemeClr val="tx1"/>
-            </a:fontRef>
-          </p:style>
-        </p:cxnSp>
-        <p:cxnSp>
-          <p:nvCxnSpPr>
-            <p:cNvPr id="19" name="직선 연결선 18">
-              <a:extLst>
-                <a:ext uri="{FF2B5EF4-FFF2-40B4-BE49-F238E27FC236}">
-                  <a16:creationId xmlns:a16="http://schemas.microsoft.com/office/drawing/2014/main" id="{CCBAF774-292D-4901-9CB0-2F1A36487F64}"/>
-                </a:ext>
-              </a:extLst>
-            </p:cNvPr>
-            <p:cNvCxnSpPr/>
-            <p:nvPr/>
-          </p:nvCxnSpPr>
-          <p:spPr>
-            <a:xfrm flipV="1">
-              <a:off x="364474" y="3076063"/>
-              <a:ext cx="2481132" cy="20"/>
-            </a:xfrm>
-            <a:prstGeom prst="line">
-              <a:avLst/>
-            </a:prstGeom>
-            <a:ln w="3175">
-              <a:solidFill>
-                <a:schemeClr val="bg1">
-                  <a:lumMod val="85000"/>
-                </a:schemeClr>
-              </a:solidFill>
-            </a:ln>
-          </p:spPr>
-          <p:style>
-            <a:lnRef idx="1">
-              <a:schemeClr val="accent1"/>
-            </a:lnRef>
-            <a:fillRef idx="0">
-              <a:schemeClr val="accent1"/>
-            </a:fillRef>
-            <a:effectRef idx="0">
-              <a:schemeClr val="accent1"/>
-            </a:effectRef>
-            <a:fontRef idx="minor">
-              <a:schemeClr val="tx1"/>
-            </a:fontRef>
-          </p:style>
-        </p:cxnSp>
-        <p:cxnSp>
-          <p:nvCxnSpPr>
-            <p:cNvPr id="20" name="직선 연결선 19">
-              <a:extLst>
-                <a:ext uri="{FF2B5EF4-FFF2-40B4-BE49-F238E27FC236}">
-                  <a16:creationId xmlns:a16="http://schemas.microsoft.com/office/drawing/2014/main" id="{AE29561A-083B-4058-BE01-1BDC7D56586F}"/>
-                </a:ext>
-              </a:extLst>
-            </p:cNvPr>
-            <p:cNvCxnSpPr/>
-            <p:nvPr/>
-          </p:nvCxnSpPr>
-          <p:spPr>
-            <a:xfrm flipV="1">
-              <a:off x="364474" y="3501929"/>
-              <a:ext cx="2481132" cy="20"/>
-            </a:xfrm>
-            <a:prstGeom prst="line">
-              <a:avLst/>
-            </a:prstGeom>
-            <a:ln w="3175">
-              <a:solidFill>
-                <a:schemeClr val="bg1">
-                  <a:lumMod val="85000"/>
-                </a:schemeClr>
-              </a:solidFill>
-            </a:ln>
-          </p:spPr>
-          <p:style>
-            <a:lnRef idx="1">
-              <a:schemeClr val="accent1"/>
-            </a:lnRef>
-            <a:fillRef idx="0">
-              <a:schemeClr val="accent1"/>
-            </a:fillRef>
-            <a:effectRef idx="0">
-              <a:schemeClr val="accent1"/>
-            </a:effectRef>
-            <a:fontRef idx="minor">
-              <a:schemeClr val="tx1"/>
-            </a:fontRef>
-          </p:style>
-        </p:cxnSp>
-        <p:cxnSp>
-          <p:nvCxnSpPr>
-            <p:cNvPr id="21" name="직선 연결선 20">
-              <a:extLst>
-                <a:ext uri="{FF2B5EF4-FFF2-40B4-BE49-F238E27FC236}">
-                  <a16:creationId xmlns:a16="http://schemas.microsoft.com/office/drawing/2014/main" id="{60E2C0F6-C2C1-4B2A-B14B-FABA90A7F402}"/>
-                </a:ext>
-              </a:extLst>
-            </p:cNvPr>
-            <p:cNvCxnSpPr/>
-            <p:nvPr/>
-          </p:nvCxnSpPr>
-          <p:spPr>
-            <a:xfrm flipV="1">
-              <a:off x="364474" y="3927795"/>
-              <a:ext cx="2481132" cy="20"/>
-            </a:xfrm>
-            <a:prstGeom prst="line">
-              <a:avLst/>
-            </a:prstGeom>
-            <a:ln w="3175">
-              <a:solidFill>
-                <a:schemeClr val="bg1">
-                  <a:lumMod val="85000"/>
-                </a:schemeClr>
-              </a:solidFill>
-            </a:ln>
-          </p:spPr>
-          <p:style>
-            <a:lnRef idx="1">
-              <a:schemeClr val="accent1"/>
-            </a:lnRef>
-            <a:fillRef idx="0">
-              <a:schemeClr val="accent1"/>
-            </a:fillRef>
-            <a:effectRef idx="0">
-              <a:schemeClr val="accent1"/>
-            </a:effectRef>
-            <a:fontRef idx="minor">
-              <a:schemeClr val="tx1"/>
-            </a:fontRef>
-          </p:style>
-        </p:cxnSp>
-        <p:cxnSp>
-          <p:nvCxnSpPr>
-            <p:cNvPr id="22" name="직선 연결선 21">
-              <a:extLst>
-                <a:ext uri="{FF2B5EF4-FFF2-40B4-BE49-F238E27FC236}">
-                  <a16:creationId xmlns:a16="http://schemas.microsoft.com/office/drawing/2014/main" id="{AF4D7A27-3187-4A29-BD2E-9C03B59E0AEC}"/>
-                </a:ext>
-              </a:extLst>
-            </p:cNvPr>
-            <p:cNvCxnSpPr/>
-            <p:nvPr/>
-          </p:nvCxnSpPr>
-          <p:spPr>
-            <a:xfrm flipV="1">
-              <a:off x="364474" y="2650197"/>
-              <a:ext cx="2481132" cy="20"/>
-            </a:xfrm>
-            <a:prstGeom prst="line">
-              <a:avLst/>
-            </a:prstGeom>
-            <a:ln w="3175">
-              <a:solidFill>
-                <a:schemeClr val="bg1">
-                  <a:lumMod val="85000"/>
-                </a:schemeClr>
-              </a:solidFill>
-            </a:ln>
-          </p:spPr>
-          <p:style>
-            <a:lnRef idx="1">
-              <a:schemeClr val="accent1"/>
-            </a:lnRef>
-            <a:fillRef idx="0">
-              <a:schemeClr val="accent1"/>
-            </a:fillRef>
-            <a:effectRef idx="0">
-              <a:schemeClr val="accent1"/>
-            </a:effectRef>
-            <a:fontRef idx="minor">
-              <a:schemeClr val="tx1"/>
-            </a:fontRef>
-          </p:style>
-        </p:cxnSp>
-      </p:grpSp>
-      <p:sp>
-        <p:nvSpPr>
-          <p:cNvPr id="23" name="부제목 2">
-            <a:extLst>
-              <a:ext uri="{FF2B5EF4-FFF2-40B4-BE49-F238E27FC236}">
-                <a16:creationId xmlns:a16="http://schemas.microsoft.com/office/drawing/2014/main" id="{B8CE2795-2EC9-4363-A21B-AA864C441F34}"/>
-              </a:ext>
-            </a:extLst>
-          </p:cNvPr>
-          <p:cNvSpPr txBox="1">
-            <a:spLocks/>
-          </p:cNvSpPr>
-          <p:nvPr/>
-        </p:nvSpPr>
-        <p:spPr>
-          <a:xfrm>
-            <a:off x="1956097" y="2587528"/>
-            <a:ext cx="1586068" cy="1310978"/>
-          </a:xfrm>
-          <a:prstGeom prst="rect">
-            <a:avLst/>
-          </a:prstGeom>
-        </p:spPr>
-        <p:txBody>
-          <a:bodyPr vert="horz" lIns="91440" tIns="45720" rIns="91440" bIns="45720" rtlCol="0">
-            <a:noAutofit/>
-          </a:bodyPr>
-          <a:lstStyle/>
-          <a:p>
-            <a:pPr>
-              <a:lnSpc>
-                <a:spcPct val="150000"/>
-              </a:lnSpc>
-            </a:pPr>
-            <a:r>
-              <a:rPr lang="en-US" altLang="ko-KR" sz="1000" spc="-50" dirty="0">
-                <a:solidFill>
-                  <a:schemeClr val="bg1">
-                    <a:lumMod val="50000"/>
-                  </a:schemeClr>
-                </a:solidFill>
-                <a:latin typeface="나눔스퀘어라운드 Regular" panose="020B0600000101010101" pitchFamily="50" charset="-127"/>
-                <a:ea typeface="나눔스퀘어라운드 Regular" panose="020B0600000101010101" pitchFamily="50" charset="-127"/>
-              </a:rPr>
-              <a:t>&gt;</a:t>
-            </a:r>
-          </a:p>
-        </p:txBody>
-      </p:sp>
-      <p:pic>
-        <p:nvPicPr>
-          <p:cNvPr id="26" name="그림 25">
-            <a:extLst>
-              <a:ext uri="{FF2B5EF4-FFF2-40B4-BE49-F238E27FC236}">
-                <a16:creationId xmlns:a16="http://schemas.microsoft.com/office/drawing/2014/main" id="{B709ECC2-7139-4091-847A-3D9B73A586B1}"/>
-              </a:ext>
-            </a:extLst>
-          </p:cNvPr>
-          <p:cNvPicPr>
-            <a:picLocks noChangeAspect="1"/>
-          </p:cNvPicPr>
-          <p:nvPr/>
-        </p:nvPicPr>
-        <p:blipFill>
-          <a:blip r:embed="rId3">
-            <a:extLst>
-              <a:ext uri="{28A0092B-C50C-407E-A947-70E740481C1C}">
-                <a14:useLocalDpi xmlns:a14="http://schemas.microsoft.com/office/drawing/2010/main" val="0"/>
-              </a:ext>
-            </a:extLst>
-          </a:blip>
-          <a:stretch>
-            <a:fillRect/>
-          </a:stretch>
-        </p:blipFill>
-        <p:spPr>
-          <a:xfrm>
-            <a:off x="0" y="0"/>
-            <a:ext cx="330882" cy="735685"/>
-          </a:xfrm>
-          <a:prstGeom prst="rect">
-            <a:avLst/>
-          </a:prstGeom>
-        </p:spPr>
-      </p:pic>
       <p:pic>
         <p:nvPicPr>
           <p:cNvPr id="3" name="그림 2">
@@ -7127,24 +7108,50 @@
             </a:r>
           </a:p>
           <a:p>
-            <a:pPr marL="342900" indent="-342900" defTabSz="355600">
+            <a:pPr defTabSz="355600">
               <a:lnSpc>
                 <a:spcPct val="250000"/>
               </a:lnSpc>
-              <a:buAutoNum type="arabicPeriod" startAt="3"/>
             </a:pPr>
+            <a:r>
+              <a:rPr lang="en-US" altLang="ko-KR" sz="1600" spc="-50" dirty="0">
+                <a:latin typeface="나눔스퀘어라운드 Regular" panose="020B0600000101010101" pitchFamily="50" charset="-127"/>
+                <a:ea typeface="나눔스퀘어라운드 Regular" panose="020B0600000101010101" pitchFamily="50" charset="-127"/>
+              </a:rPr>
+              <a:t>3. TrustZone </a:t>
+            </a:r>
+            <a:r>
+              <a:rPr lang="ko-KR" altLang="en-US" sz="1600" spc="-50" dirty="0">
+                <a:latin typeface="나눔스퀘어라운드 Regular" panose="020B0600000101010101" pitchFamily="50" charset="-127"/>
+                <a:ea typeface="나눔스퀘어라운드 Regular" panose="020B0600000101010101" pitchFamily="50" charset="-127"/>
+              </a:rPr>
+              <a:t>활용 예</a:t>
+            </a:r>
             <a:endParaRPr lang="en-US" altLang="ko-KR" sz="1600" spc="-50" dirty="0">
               <a:latin typeface="나눔스퀘어라운드 Regular" panose="020B0600000101010101" pitchFamily="50" charset="-127"/>
               <a:ea typeface="나눔스퀘어라운드 Regular" panose="020B0600000101010101" pitchFamily="50" charset="-127"/>
             </a:endParaRPr>
           </a:p>
           <a:p>
-            <a:pPr marL="342900" indent="-342900" defTabSz="355600">
+            <a:pPr defTabSz="355600">
               <a:lnSpc>
                 <a:spcPct val="250000"/>
               </a:lnSpc>
-              <a:buAutoNum type="arabicPeriod" startAt="3"/>
             </a:pPr>
+            <a:r>
+              <a:rPr lang="en-US" altLang="ko-KR" sz="1600" spc="-50" dirty="0">
+                <a:latin typeface="나눔스퀘어라운드 Regular" panose="020B0600000101010101" pitchFamily="50" charset="-127"/>
+                <a:ea typeface="나눔스퀘어라운드 Regular" panose="020B0600000101010101" pitchFamily="50" charset="-127"/>
+              </a:rPr>
+              <a:t>4. FLUID</a:t>
+            </a:r>
+            <a:r>
+              <a:rPr lang="ko-KR" altLang="en-US" sz="1600" spc="-50" dirty="0">
+                <a:latin typeface="나눔스퀘어라운드 Regular" panose="020B0600000101010101" pitchFamily="50" charset="-127"/>
+                <a:ea typeface="나눔스퀘어라운드 Regular" panose="020B0600000101010101" pitchFamily="50" charset="-127"/>
+              </a:rPr>
+              <a:t>에 적용</a:t>
+            </a:r>
             <a:endParaRPr lang="en-US" altLang="ko-KR" sz="1600" spc="-50" dirty="0">
               <a:latin typeface="나눔스퀘어라운드 Regular" panose="020B0600000101010101" pitchFamily="50" charset="-127"/>
               <a:ea typeface="나눔스퀘어라운드 Regular" panose="020B0600000101010101" pitchFamily="50" charset="-127"/>
@@ -8068,6 +8075,56 @@
             </a:r>
           </a:p>
           <a:p>
+            <a:pPr defTabSz="355600">
+              <a:lnSpc>
+                <a:spcPct val="250000"/>
+              </a:lnSpc>
+            </a:pPr>
+            <a:r>
+              <a:rPr lang="en-US" altLang="ko-KR" sz="1600" spc="-50" dirty="0">
+                <a:latin typeface="나눔스퀘어라운드 Regular" panose="020B0600000101010101" pitchFamily="50" charset="-127"/>
+                <a:ea typeface="나눔스퀘어라운드 Regular" panose="020B0600000101010101" pitchFamily="50" charset="-127"/>
+              </a:rPr>
+              <a:t>3. TrustZone </a:t>
+            </a:r>
+            <a:r>
+              <a:rPr lang="ko-KR" altLang="en-US" sz="1600" spc="-50" dirty="0">
+                <a:latin typeface="나눔스퀘어라운드 Regular" panose="020B0600000101010101" pitchFamily="50" charset="-127"/>
+                <a:ea typeface="나눔스퀘어라운드 Regular" panose="020B0600000101010101" pitchFamily="50" charset="-127"/>
+              </a:rPr>
+              <a:t>활용 예</a:t>
+            </a:r>
+            <a:endParaRPr lang="en-US" altLang="ko-KR" sz="1600" spc="-50" dirty="0">
+              <a:latin typeface="나눔스퀘어라운드 Regular" panose="020B0600000101010101" pitchFamily="50" charset="-127"/>
+              <a:ea typeface="나눔스퀘어라운드 Regular" panose="020B0600000101010101" pitchFamily="50" charset="-127"/>
+            </a:endParaRPr>
+          </a:p>
+          <a:p>
+            <a:pPr defTabSz="355600">
+              <a:lnSpc>
+                <a:spcPct val="250000"/>
+              </a:lnSpc>
+            </a:pPr>
+            <a:r>
+              <a:rPr lang="en-US" altLang="ko-KR" sz="1600" spc="-50" dirty="0">
+                <a:latin typeface="나눔스퀘어라운드 Regular" panose="020B0600000101010101" pitchFamily="50" charset="-127"/>
+                <a:ea typeface="나눔스퀘어라운드 Regular" panose="020B0600000101010101" pitchFamily="50" charset="-127"/>
+              </a:rPr>
+              <a:t>4. FLUID</a:t>
+            </a:r>
+            <a:r>
+              <a:rPr lang="ko-KR" altLang="en-US" sz="1600" spc="-50" dirty="0">
+                <a:latin typeface="나눔스퀘어라운드 Regular" panose="020B0600000101010101" pitchFamily="50" charset="-127"/>
+                <a:ea typeface="나눔스퀘어라운드 Regular" panose="020B0600000101010101" pitchFamily="50" charset="-127"/>
+              </a:rPr>
+              <a:t>에 적용</a:t>
+            </a:r>
+            <a:endParaRPr lang="en-US" altLang="ko-KR" sz="1600" spc="-50" dirty="0">
+              <a:latin typeface="나눔스퀘어라운드 Regular" panose="020B0600000101010101" pitchFamily="50" charset="-127"/>
+              <a:ea typeface="나눔스퀘어라운드 Regular" panose="020B0600000101010101" pitchFamily="50" charset="-127"/>
+            </a:endParaRPr>
+          </a:p>
+          <a:p>
             <a:pPr marL="342900" indent="-342900" defTabSz="355600">
               <a:lnSpc>
                 <a:spcPct val="250000"/>
@@ -8981,36 +9038,50 @@
             </a:r>
           </a:p>
           <a:p>
-            <a:pPr marL="342900" indent="-342900" defTabSz="355600">
+            <a:pPr defTabSz="355600">
               <a:lnSpc>
                 <a:spcPct val="250000"/>
               </a:lnSpc>
-              <a:buAutoNum type="arabicPeriod" startAt="3"/>
             </a:pPr>
+            <a:r>
+              <a:rPr lang="en-US" altLang="ko-KR" sz="1600" spc="-50" dirty="0">
+                <a:latin typeface="나눔스퀘어라운드 Regular" panose="020B0600000101010101" pitchFamily="50" charset="-127"/>
+                <a:ea typeface="나눔스퀘어라운드 Regular" panose="020B0600000101010101" pitchFamily="50" charset="-127"/>
+              </a:rPr>
+              <a:t>3. TrustZone </a:t>
+            </a:r>
+            <a:r>
+              <a:rPr lang="ko-KR" altLang="en-US" sz="1600" spc="-50" dirty="0">
+                <a:latin typeface="나눔스퀘어라운드 Regular" panose="020B0600000101010101" pitchFamily="50" charset="-127"/>
+                <a:ea typeface="나눔스퀘어라운드 Regular" panose="020B0600000101010101" pitchFamily="50" charset="-127"/>
+              </a:rPr>
+              <a:t>활용 예</a:t>
+            </a:r>
             <a:endParaRPr lang="en-US" altLang="ko-KR" sz="1600" spc="-50" dirty="0">
               <a:latin typeface="나눔스퀘어라운드 Regular" panose="020B0600000101010101" pitchFamily="50" charset="-127"/>
               <a:ea typeface="나눔스퀘어라운드 Regular" panose="020B0600000101010101" pitchFamily="50" charset="-127"/>
             </a:endParaRPr>
           </a:p>
           <a:p>
-            <a:pPr marL="342900" indent="-342900" defTabSz="355600">
+            <a:pPr defTabSz="355600">
               <a:lnSpc>
                 <a:spcPct val="250000"/>
               </a:lnSpc>
-              <a:buAutoNum type="arabicPeriod" startAt="3"/>
             </a:pPr>
-            <a:endParaRPr lang="en-US" altLang="ko-KR" sz="1600" spc="-50" dirty="0">
-              <a:latin typeface="나눔스퀘어라운드 Regular" panose="020B0600000101010101" pitchFamily="50" charset="-127"/>
-              <a:ea typeface="나눔스퀘어라운드 Regular" panose="020B0600000101010101" pitchFamily="50" charset="-127"/>
-            </a:endParaRPr>
-          </a:p>
-          <a:p>
-            <a:pPr marL="342900" indent="-342900" defTabSz="355600">
-              <a:lnSpc>
-                <a:spcPct val="250000"/>
-              </a:lnSpc>
-              <a:buAutoNum type="arabicPeriod" startAt="3"/>
-            </a:pPr>
+            <a:r>
+              <a:rPr lang="en-US" altLang="ko-KR" sz="1600" spc="-50" dirty="0">
+                <a:latin typeface="나눔스퀘어라운드 Regular" panose="020B0600000101010101" pitchFamily="50" charset="-127"/>
+                <a:ea typeface="나눔스퀘어라운드 Regular" panose="020B0600000101010101" pitchFamily="50" charset="-127"/>
+              </a:rPr>
+              <a:t>4. FLUID</a:t>
+            </a:r>
+            <a:r>
+              <a:rPr lang="ko-KR" altLang="en-US" sz="1600" spc="-50" dirty="0">
+                <a:latin typeface="나눔스퀘어라운드 Regular" panose="020B0600000101010101" pitchFamily="50" charset="-127"/>
+                <a:ea typeface="나눔스퀘어라운드 Regular" panose="020B0600000101010101" pitchFamily="50" charset="-127"/>
+              </a:rPr>
+              <a:t>에 적용</a:t>
+            </a:r>
             <a:endParaRPr lang="en-US" altLang="ko-KR" sz="1600" spc="-50" dirty="0">
               <a:latin typeface="나눔스퀘어라운드 Regular" panose="020B0600000101010101" pitchFamily="50" charset="-127"/>
               <a:ea typeface="나눔스퀘어라운드 Regular" panose="020B0600000101010101" pitchFamily="50" charset="-127"/>
@@ -9633,7 +9704,7 @@
         <p:spPr>
           <a:xfrm>
             <a:off x="3605092" y="1490921"/>
-            <a:ext cx="8000485" cy="1353897"/>
+            <a:ext cx="8000485" cy="1677062"/>
           </a:xfrm>
           <a:prstGeom prst="rect">
             <a:avLst/>
@@ -9684,14 +9755,56 @@
                 <a:latin typeface="나눔스퀘어라운드 Regular" panose="020B0600000101010101" pitchFamily="50" charset="-127"/>
                 <a:ea typeface="나눔스퀘어라운드 Regular" panose="020B0600000101010101" pitchFamily="50" charset="-127"/>
               </a:rPr>
-              <a:t>모드에는 </a:t>
+              <a:t>모드에는 사용자 모드</a:t>
             </a:r>
             <a:r>
               <a:rPr lang="en-US" altLang="ko-KR" sz="1400" spc="-30" dirty="0">
                 <a:latin typeface="나눔스퀘어라운드 Regular" panose="020B0600000101010101" pitchFamily="50" charset="-127"/>
                 <a:ea typeface="나눔스퀘어라운드 Regular" panose="020B0600000101010101" pitchFamily="50" charset="-127"/>
               </a:rPr>
-              <a:t>User, FIQ(Fast IRQ), IRQ(Interrupt Request), Abort, Supervisor, Undefined, System </a:t>
+              <a:t>(User Mode)</a:t>
+            </a:r>
+            <a:r>
+              <a:rPr lang="ko-KR" altLang="en-US" sz="1400" spc="-30" dirty="0">
+                <a:latin typeface="나눔스퀘어라운드 Regular" panose="020B0600000101010101" pitchFamily="50" charset="-127"/>
+                <a:ea typeface="나눔스퀘어라운드 Regular" panose="020B0600000101010101" pitchFamily="50" charset="-127"/>
+              </a:rPr>
+              <a:t>인 </a:t>
+            </a:r>
+            <a:r>
+              <a:rPr lang="en-US" altLang="ko-KR" sz="1400" spc="-30" dirty="0">
+                <a:latin typeface="나눔스퀘어라운드 Regular" panose="020B0600000101010101" pitchFamily="50" charset="-127"/>
+                <a:ea typeface="나눔스퀘어라운드 Regular" panose="020B0600000101010101" pitchFamily="50" charset="-127"/>
+              </a:rPr>
+              <a:t>User, Privileged</a:t>
+            </a:r>
+            <a:r>
+              <a:rPr lang="ko-KR" altLang="en-US" sz="1400" spc="-30" dirty="0">
+                <a:latin typeface="나눔스퀘어라운드 Regular" panose="020B0600000101010101" pitchFamily="50" charset="-127"/>
+                <a:ea typeface="나눔스퀘어라운드 Regular" panose="020B0600000101010101" pitchFamily="50" charset="-127"/>
+              </a:rPr>
+              <a:t> </a:t>
+            </a:r>
+            <a:r>
+              <a:rPr lang="en-US" altLang="ko-KR" sz="1400" spc="-30" dirty="0">
+                <a:latin typeface="나눔스퀘어라운드 Regular" panose="020B0600000101010101" pitchFamily="50" charset="-127"/>
+                <a:ea typeface="나눔스퀘어라운드 Regular" panose="020B0600000101010101" pitchFamily="50" charset="-127"/>
+              </a:rPr>
+              <a:t>Mode</a:t>
+            </a:r>
+            <a:r>
+              <a:rPr lang="ko-KR" altLang="en-US" sz="1400" spc="-30" dirty="0">
+                <a:latin typeface="나눔스퀘어라운드 Regular" panose="020B0600000101010101" pitchFamily="50" charset="-127"/>
+                <a:ea typeface="나눔스퀘어라운드 Regular" panose="020B0600000101010101" pitchFamily="50" charset="-127"/>
+              </a:rPr>
+              <a:t>인 </a:t>
+            </a:r>
+            <a:r>
+              <a:rPr lang="en-US" altLang="ko-KR" sz="1400" spc="-30" dirty="0">
+                <a:latin typeface="나눔스퀘어라운드 Regular" panose="020B0600000101010101" pitchFamily="50" charset="-127"/>
+                <a:ea typeface="나눔스퀘어라운드 Regular" panose="020B0600000101010101" pitchFamily="50" charset="-127"/>
+              </a:rPr>
+              <a:t>System, Abort, Supervisor, FIQ(Fast IRQ), IRQ(Interrupt Request), Undefined </a:t>
             </a:r>
             <a:r>
               <a:rPr lang="ko-KR" altLang="en-US" sz="1400" spc="-30" dirty="0">
@@ -9850,7 +9963,7 @@
         </p:nvSpPr>
         <p:spPr>
           <a:xfrm>
-            <a:off x="3561677" y="2989520"/>
+            <a:off x="3583384" y="4259303"/>
             <a:ext cx="8043900" cy="707566"/>
           </a:xfrm>
           <a:prstGeom prst="rect">
@@ -10140,36 +10253,50 @@
             </a:r>
           </a:p>
           <a:p>
-            <a:pPr marL="342900" indent="-342900" defTabSz="355600">
+            <a:pPr defTabSz="355600">
               <a:lnSpc>
                 <a:spcPct val="250000"/>
               </a:lnSpc>
-              <a:buAutoNum type="arabicPeriod" startAt="3"/>
             </a:pPr>
+            <a:r>
+              <a:rPr lang="en-US" altLang="ko-KR" sz="1600" spc="-50" dirty="0">
+                <a:latin typeface="나눔스퀘어라운드 Regular" panose="020B0600000101010101" pitchFamily="50" charset="-127"/>
+                <a:ea typeface="나눔스퀘어라운드 Regular" panose="020B0600000101010101" pitchFamily="50" charset="-127"/>
+              </a:rPr>
+              <a:t>3. TrustZone </a:t>
+            </a:r>
+            <a:r>
+              <a:rPr lang="ko-KR" altLang="en-US" sz="1600" spc="-50" dirty="0">
+                <a:latin typeface="나눔스퀘어라운드 Regular" panose="020B0600000101010101" pitchFamily="50" charset="-127"/>
+                <a:ea typeface="나눔스퀘어라운드 Regular" panose="020B0600000101010101" pitchFamily="50" charset="-127"/>
+              </a:rPr>
+              <a:t>활용 예</a:t>
+            </a:r>
             <a:endParaRPr lang="en-US" altLang="ko-KR" sz="1600" spc="-50" dirty="0">
               <a:latin typeface="나눔스퀘어라운드 Regular" panose="020B0600000101010101" pitchFamily="50" charset="-127"/>
               <a:ea typeface="나눔스퀘어라운드 Regular" panose="020B0600000101010101" pitchFamily="50" charset="-127"/>
             </a:endParaRPr>
           </a:p>
           <a:p>
-            <a:pPr marL="342900" indent="-342900" defTabSz="355600">
+            <a:pPr defTabSz="355600">
               <a:lnSpc>
                 <a:spcPct val="250000"/>
               </a:lnSpc>
-              <a:buAutoNum type="arabicPeriod" startAt="3"/>
             </a:pPr>
-            <a:endParaRPr lang="en-US" altLang="ko-KR" sz="1600" spc="-50" dirty="0">
-              <a:latin typeface="나눔스퀘어라운드 Regular" panose="020B0600000101010101" pitchFamily="50" charset="-127"/>
-              <a:ea typeface="나눔스퀘어라운드 Regular" panose="020B0600000101010101" pitchFamily="50" charset="-127"/>
-            </a:endParaRPr>
-          </a:p>
-          <a:p>
-            <a:pPr marL="342900" indent="-342900" defTabSz="355600">
-              <a:lnSpc>
-                <a:spcPct val="250000"/>
-              </a:lnSpc>
-              <a:buAutoNum type="arabicPeriod" startAt="3"/>
-            </a:pPr>
+            <a:r>
+              <a:rPr lang="en-US" altLang="ko-KR" sz="1600" spc="-50" dirty="0">
+                <a:latin typeface="나눔스퀘어라운드 Regular" panose="020B0600000101010101" pitchFamily="50" charset="-127"/>
+                <a:ea typeface="나눔스퀘어라운드 Regular" panose="020B0600000101010101" pitchFamily="50" charset="-127"/>
+              </a:rPr>
+              <a:t>4. FLUID</a:t>
+            </a:r>
+            <a:r>
+              <a:rPr lang="ko-KR" altLang="en-US" sz="1600" spc="-50" dirty="0">
+                <a:latin typeface="나눔스퀘어라운드 Regular" panose="020B0600000101010101" pitchFamily="50" charset="-127"/>
+                <a:ea typeface="나눔스퀘어라운드 Regular" panose="020B0600000101010101" pitchFamily="50" charset="-127"/>
+              </a:rPr>
+              <a:t>에 적용</a:t>
+            </a:r>
             <a:endParaRPr lang="en-US" altLang="ko-KR" sz="1600" spc="-50" dirty="0">
               <a:latin typeface="나눔스퀘어라운드 Regular" panose="020B0600000101010101" pitchFamily="50" charset="-127"/>
               <a:ea typeface="나눔스퀘어라운드 Regular" panose="020B0600000101010101" pitchFamily="50" charset="-127"/>
@@ -12044,6 +12171,36 @@
           <a:xfrm>
             <a:off x="497740" y="2209608"/>
             <a:ext cx="4438327" cy="2311462"/>
+          </a:xfrm>
+          <a:prstGeom prst="rect">
+            <a:avLst/>
+          </a:prstGeom>
+        </p:spPr>
+      </p:pic>
+      <p:pic>
+        <p:nvPicPr>
+          <p:cNvPr id="3" name="그림 2">
+            <a:extLst>
+              <a:ext uri="{FF2B5EF4-FFF2-40B4-BE49-F238E27FC236}">
+                <a16:creationId xmlns:a16="http://schemas.microsoft.com/office/drawing/2014/main" id="{38A3E784-D34F-4C4D-92A2-07BD6E0547FE}"/>
+              </a:ext>
+            </a:extLst>
+          </p:cNvPr>
+          <p:cNvPicPr>
+            <a:picLocks noChangeAspect="1"/>
+          </p:cNvPicPr>
+          <p:nvPr/>
+        </p:nvPicPr>
+        <p:blipFill>
+          <a:blip r:embed="rId5"/>
+          <a:stretch>
+            <a:fillRect/>
+          </a:stretch>
+        </p:blipFill>
+        <p:spPr>
+          <a:xfrm>
+            <a:off x="5502876" y="1817116"/>
+            <a:ext cx="5496128" cy="3019675"/>
           </a:xfrm>
           <a:prstGeom prst="rect">
             <a:avLst/>

--- a/Trustzone.pptx
+++ b/Trustzone.pptx
@@ -18,9 +18,9 @@
     <p:sldId id="300" r:id="rId9"/>
     <p:sldId id="295" r:id="rId10"/>
     <p:sldId id="298" r:id="rId11"/>
-    <p:sldId id="292" r:id="rId12"/>
-    <p:sldId id="291" r:id="rId13"/>
-    <p:sldId id="293" r:id="rId14"/>
+    <p:sldId id="291" r:id="rId12"/>
+    <p:sldId id="301" r:id="rId13"/>
+    <p:sldId id="302" r:id="rId14"/>
     <p:sldId id="280" r:id="rId15"/>
     <p:sldId id="294" r:id="rId16"/>
     <p:sldId id="270" r:id="rId17"/>
@@ -235,7 +235,7 @@
           <a:p>
             <a:fld id="{71D81C75-B1F7-4907-8CBF-49CEA7E9FE00}" type="datetimeFigureOut">
               <a:rPr lang="ko-KR" altLang="en-US" smtClean="0"/>
-              <a:t>2021-05-12</a:t>
+              <a:t>2021-05-13</a:t>
             </a:fld>
             <a:endParaRPr lang="ko-KR" altLang="en-US"/>
           </a:p>
@@ -649,7 +649,7 @@
           <a:p>
             <a:fld id="{4F60F41D-F04B-4FBB-8189-4D408D6EE38B}" type="datetimeFigureOut">
               <a:rPr lang="ko-KR" altLang="en-US" smtClean="0"/>
-              <a:t>2021-05-12</a:t>
+              <a:t>2021-05-13</a:t>
             </a:fld>
             <a:endParaRPr lang="ko-KR" altLang="en-US"/>
           </a:p>
@@ -847,7 +847,7 @@
           <a:p>
             <a:fld id="{4F60F41D-F04B-4FBB-8189-4D408D6EE38B}" type="datetimeFigureOut">
               <a:rPr lang="ko-KR" altLang="en-US" smtClean="0"/>
-              <a:t>2021-05-12</a:t>
+              <a:t>2021-05-13</a:t>
             </a:fld>
             <a:endParaRPr lang="ko-KR" altLang="en-US"/>
           </a:p>
@@ -1055,7 +1055,7 @@
           <a:p>
             <a:fld id="{4F60F41D-F04B-4FBB-8189-4D408D6EE38B}" type="datetimeFigureOut">
               <a:rPr lang="ko-KR" altLang="en-US" smtClean="0"/>
-              <a:t>2021-05-12</a:t>
+              <a:t>2021-05-13</a:t>
             </a:fld>
             <a:endParaRPr lang="ko-KR" altLang="en-US"/>
           </a:p>
@@ -1253,7 +1253,7 @@
           <a:p>
             <a:fld id="{4F60F41D-F04B-4FBB-8189-4D408D6EE38B}" type="datetimeFigureOut">
               <a:rPr lang="ko-KR" altLang="en-US" smtClean="0"/>
-              <a:t>2021-05-12</a:t>
+              <a:t>2021-05-13</a:t>
             </a:fld>
             <a:endParaRPr lang="ko-KR" altLang="en-US"/>
           </a:p>
@@ -1528,7 +1528,7 @@
           <a:p>
             <a:fld id="{4F60F41D-F04B-4FBB-8189-4D408D6EE38B}" type="datetimeFigureOut">
               <a:rPr lang="ko-KR" altLang="en-US" smtClean="0"/>
-              <a:t>2021-05-12</a:t>
+              <a:t>2021-05-13</a:t>
             </a:fld>
             <a:endParaRPr lang="ko-KR" altLang="en-US"/>
           </a:p>
@@ -1793,7 +1793,7 @@
           <a:p>
             <a:fld id="{4F60F41D-F04B-4FBB-8189-4D408D6EE38B}" type="datetimeFigureOut">
               <a:rPr lang="ko-KR" altLang="en-US" smtClean="0"/>
-              <a:t>2021-05-12</a:t>
+              <a:t>2021-05-13</a:t>
             </a:fld>
             <a:endParaRPr lang="ko-KR" altLang="en-US"/>
           </a:p>
@@ -2205,7 +2205,7 @@
           <a:p>
             <a:fld id="{4F60F41D-F04B-4FBB-8189-4D408D6EE38B}" type="datetimeFigureOut">
               <a:rPr lang="ko-KR" altLang="en-US" smtClean="0"/>
-              <a:t>2021-05-12</a:t>
+              <a:t>2021-05-13</a:t>
             </a:fld>
             <a:endParaRPr lang="ko-KR" altLang="en-US"/>
           </a:p>
@@ -2346,7 +2346,7 @@
           <a:p>
             <a:fld id="{4F60F41D-F04B-4FBB-8189-4D408D6EE38B}" type="datetimeFigureOut">
               <a:rPr lang="ko-KR" altLang="en-US" smtClean="0"/>
-              <a:t>2021-05-12</a:t>
+              <a:t>2021-05-13</a:t>
             </a:fld>
             <a:endParaRPr lang="ko-KR" altLang="en-US"/>
           </a:p>
@@ -2459,7 +2459,7 @@
           <a:p>
             <a:fld id="{4F60F41D-F04B-4FBB-8189-4D408D6EE38B}" type="datetimeFigureOut">
               <a:rPr lang="ko-KR" altLang="en-US" smtClean="0"/>
-              <a:t>2021-05-12</a:t>
+              <a:t>2021-05-13</a:t>
             </a:fld>
             <a:endParaRPr lang="ko-KR" altLang="en-US"/>
           </a:p>
@@ -2770,7 +2770,7 @@
           <a:p>
             <a:fld id="{4F60F41D-F04B-4FBB-8189-4D408D6EE38B}" type="datetimeFigureOut">
               <a:rPr lang="ko-KR" altLang="en-US" smtClean="0"/>
-              <a:t>2021-05-12</a:t>
+              <a:t>2021-05-13</a:t>
             </a:fld>
             <a:endParaRPr lang="ko-KR" altLang="en-US"/>
           </a:p>
@@ -3058,7 +3058,7 @@
           <a:p>
             <a:fld id="{4F60F41D-F04B-4FBB-8189-4D408D6EE38B}" type="datetimeFigureOut">
               <a:rPr lang="ko-KR" altLang="en-US" smtClean="0"/>
-              <a:t>2021-05-12</a:t>
+              <a:t>2021-05-13</a:t>
             </a:fld>
             <a:endParaRPr lang="ko-KR" altLang="en-US"/>
           </a:p>
@@ -3299,7 +3299,7 @@
           <a:p>
             <a:fld id="{4F60F41D-F04B-4FBB-8189-4D408D6EE38B}" type="datetimeFigureOut">
               <a:rPr lang="ko-KR" altLang="en-US" smtClean="0"/>
-              <a:t>2021-05-12</a:t>
+              <a:t>2021-05-13</a:t>
             </a:fld>
             <a:endParaRPr lang="ko-KR" altLang="en-US"/>
           </a:p>
@@ -4234,7 +4234,7 @@
         </p:nvSpPr>
         <p:spPr>
           <a:xfrm>
-            <a:off x="5180109" y="2433064"/>
+            <a:off x="5180109" y="2209608"/>
             <a:ext cx="6188618" cy="1030731"/>
           </a:xfrm>
           <a:prstGeom prst="rect">
@@ -4258,134 +4258,70 @@
                 <a:latin typeface="나눔스퀘어라운드 Regular" panose="020B0600000101010101" pitchFamily="50" charset="-127"/>
                 <a:ea typeface="나눔스퀘어라운드 Regular" panose="020B0600000101010101" pitchFamily="50" charset="-127"/>
               </a:rPr>
-              <a:t> SMC(Secure Monitor call) </a:t>
+              <a:t> </a:t>
+            </a:r>
+            <a:r>
+              <a:rPr lang="en-US" altLang="ko-KR" sz="1400" b="1" spc="-30" dirty="0">
+                <a:latin typeface="나눔스퀘어라운드 Regular" panose="020B0600000101010101" pitchFamily="50" charset="-127"/>
+                <a:ea typeface="나눔스퀘어라운드 Regular" panose="020B0600000101010101" pitchFamily="50" charset="-127"/>
+              </a:rPr>
+              <a:t>Secure world</a:t>
+            </a:r>
+            <a:r>
+              <a:rPr lang="ko-KR" altLang="en-US" sz="1400" b="1" spc="-30" dirty="0">
+                <a:latin typeface="나눔스퀘어라운드 Regular" panose="020B0600000101010101" pitchFamily="50" charset="-127"/>
+                <a:ea typeface="나눔스퀘어라운드 Regular" panose="020B0600000101010101" pitchFamily="50" charset="-127"/>
+              </a:rPr>
+              <a:t>에 접근하는 방법</a:t>
             </a:r>
             <a:r>
               <a:rPr lang="ko-KR" altLang="en-US" sz="1400" spc="-30" dirty="0">
                 <a:latin typeface="나눔스퀘어라운드 Regular" panose="020B0600000101010101" pitchFamily="50" charset="-127"/>
                 <a:ea typeface="나눔스퀘어라운드 Regular" panose="020B0600000101010101" pitchFamily="50" charset="-127"/>
               </a:rPr>
-              <a:t>명령어 혹은 </a:t>
+              <a:t>은 </a:t>
             </a:r>
             <a:r>
               <a:rPr lang="en-US" altLang="ko-KR" sz="1400" spc="-30" dirty="0">
                 <a:latin typeface="나눔스퀘어라운드 Regular" panose="020B0600000101010101" pitchFamily="50" charset="-127"/>
                 <a:ea typeface="나눔스퀘어라운드 Regular" panose="020B0600000101010101" pitchFamily="50" charset="-127"/>
               </a:rPr>
-              <a:t>IRQ(Interrupt</a:t>
+              <a:t>Kernel mode</a:t>
             </a:r>
             <a:r>
               <a:rPr lang="ko-KR" altLang="en-US" sz="1400" spc="-30" dirty="0">
                 <a:latin typeface="나눔스퀘어라운드 Regular" panose="020B0600000101010101" pitchFamily="50" charset="-127"/>
                 <a:ea typeface="나눔스퀘어라운드 Regular" panose="020B0600000101010101" pitchFamily="50" charset="-127"/>
               </a:rPr>
-              <a:t> </a:t>
+              <a:t>에서 </a:t>
             </a:r>
             <a:r>
               <a:rPr lang="en-US" altLang="ko-KR" sz="1400" spc="-30" dirty="0">
                 <a:latin typeface="나눔스퀘어라운드 Regular" panose="020B0600000101010101" pitchFamily="50" charset="-127"/>
                 <a:ea typeface="나눔스퀘어라운드 Regular" panose="020B0600000101010101" pitchFamily="50" charset="-127"/>
               </a:rPr>
-              <a:t>request), FIQ(Fast Interrupt request) </a:t>
+              <a:t>SMC(Secure Monitor Call) </a:t>
             </a:r>
             <a:r>
               <a:rPr lang="ko-KR" altLang="en-US" sz="1400" spc="-30" dirty="0">
                 <a:latin typeface="나눔스퀘어라운드 Regular" panose="020B0600000101010101" pitchFamily="50" charset="-127"/>
                 <a:ea typeface="나눔스퀘어라운드 Regular" panose="020B0600000101010101" pitchFamily="50" charset="-127"/>
               </a:rPr>
-              <a:t>발생 시 모니터 모드로 진입가능</a:t>
+              <a:t>명령어를 통한 진입과 </a:t>
             </a:r>
             <a:r>
               <a:rPr lang="en-US" altLang="ko-KR" sz="1400" spc="-30" dirty="0">
                 <a:latin typeface="나눔스퀘어라운드 Regular" panose="020B0600000101010101" pitchFamily="50" charset="-127"/>
                 <a:ea typeface="나눔스퀘어라운드 Regular" panose="020B0600000101010101" pitchFamily="50" charset="-127"/>
               </a:rPr>
-              <a:t>. SMC</a:t>
+              <a:t>IRQ(Interrupt), FIQ(Fast Interrupt Request) </a:t>
             </a:r>
             <a:r>
               <a:rPr lang="ko-KR" altLang="en-US" sz="1400" spc="-30" dirty="0">
                 <a:latin typeface="나눔스퀘어라운드 Regular" panose="020B0600000101010101" pitchFamily="50" charset="-127"/>
                 <a:ea typeface="나눔스퀘어라운드 Regular" panose="020B0600000101010101" pitchFamily="50" charset="-127"/>
               </a:rPr>
-              <a:t>명령어는 커널 모드에서만 실행가능</a:t>
-            </a:r>
-            <a:r>
-              <a:rPr lang="en-US" altLang="ko-KR" sz="1400" spc="-30" dirty="0">
-                <a:latin typeface="나눔스퀘어라운드 Regular" panose="020B0600000101010101" pitchFamily="50" charset="-127"/>
-                <a:ea typeface="나눔스퀘어라운드 Regular" panose="020B0600000101010101" pitchFamily="50" charset="-127"/>
-              </a:rPr>
-              <a:t>. </a:t>
-            </a:r>
-          </a:p>
-        </p:txBody>
-      </p:sp>
-      <p:sp>
-        <p:nvSpPr>
-          <p:cNvPr id="10" name="TextBox 9">
-            <a:extLst>
-              <a:ext uri="{FF2B5EF4-FFF2-40B4-BE49-F238E27FC236}">
-                <a16:creationId xmlns:a16="http://schemas.microsoft.com/office/drawing/2014/main" id="{2E17F5A1-EB1E-47E8-A469-719FA494E74D}"/>
-              </a:ext>
-            </a:extLst>
-          </p:cNvPr>
-          <p:cNvSpPr txBox="1"/>
-          <p:nvPr/>
-        </p:nvSpPr>
-        <p:spPr>
-          <a:xfrm>
-            <a:off x="5180109" y="3671728"/>
-            <a:ext cx="6188618" cy="707566"/>
-          </a:xfrm>
-          <a:prstGeom prst="rect">
-            <a:avLst/>
-          </a:prstGeom>
-          <a:noFill/>
-        </p:spPr>
-        <p:txBody>
-          <a:bodyPr wrap="square" rtlCol="0">
-            <a:spAutoFit/>
-          </a:bodyPr>
-          <a:lstStyle/>
-          <a:p>
-            <a:pPr>
-              <a:lnSpc>
-                <a:spcPct val="150000"/>
-              </a:lnSpc>
-            </a:pPr>
-            <a:r>
-              <a:rPr lang="ko-KR" altLang="en-US" sz="1400" spc="-30" dirty="0">
-                <a:latin typeface="나눔스퀘어라운드 Regular" panose="020B0600000101010101" pitchFamily="50" charset="-127"/>
-                <a:ea typeface="나눔스퀘어라운드 Regular" panose="020B0600000101010101" pitchFamily="50" charset="-127"/>
-              </a:rPr>
-              <a:t> 높은 신뢰성을 요구하는 프로그램은 </a:t>
-            </a:r>
-            <a:r>
-              <a:rPr lang="en-US" altLang="ko-KR" sz="1400" spc="-30" dirty="0">
-                <a:latin typeface="나눔스퀘어라운드 Regular" panose="020B0600000101010101" pitchFamily="50" charset="-127"/>
-                <a:ea typeface="나눔스퀘어라운드 Regular" panose="020B0600000101010101" pitchFamily="50" charset="-127"/>
-              </a:rPr>
-              <a:t>secure world(TEE)</a:t>
-            </a:r>
-            <a:r>
-              <a:rPr lang="ko-KR" altLang="en-US" sz="1400" spc="-30" dirty="0">
-                <a:latin typeface="나눔스퀘어라운드 Regular" panose="020B0600000101010101" pitchFamily="50" charset="-127"/>
-                <a:ea typeface="나눔스퀘어라운드 Regular" panose="020B0600000101010101" pitchFamily="50" charset="-127"/>
-              </a:rPr>
-              <a:t>에서 실행시키고 그 외의 프로그램이나 운영체제는 </a:t>
-            </a:r>
-            <a:r>
-              <a:rPr lang="en-US" altLang="ko-KR" sz="1400" spc="-30" dirty="0">
-                <a:latin typeface="나눔스퀘어라운드 Regular" panose="020B0600000101010101" pitchFamily="50" charset="-127"/>
-                <a:ea typeface="나눔스퀘어라운드 Regular" panose="020B0600000101010101" pitchFamily="50" charset="-127"/>
-              </a:rPr>
-              <a:t>normal</a:t>
-            </a:r>
-            <a:r>
-              <a:rPr lang="ko-KR" altLang="en-US" sz="1400" spc="-30" dirty="0">
-                <a:latin typeface="나눔스퀘어라운드 Regular" panose="020B0600000101010101" pitchFamily="50" charset="-127"/>
-                <a:ea typeface="나눔스퀘어라운드 Regular" panose="020B0600000101010101" pitchFamily="50" charset="-127"/>
-              </a:rPr>
-              <a:t>에서 실행시킨다</a:t>
+              <a:t>발생 시 진입하는 방법이 있다</a:t>
             </a:r>
             <a:r>
               <a:rPr lang="en-US" altLang="ko-KR" sz="1400" spc="-30" dirty="0">
@@ -4605,8 +4541,8 @@
         </p:nvSpPr>
         <p:spPr>
           <a:xfrm>
-            <a:off x="5268488" y="2088910"/>
-            <a:ext cx="6440911" cy="1353897"/>
+            <a:off x="5268489" y="2088910"/>
+            <a:ext cx="6218940" cy="1353897"/>
           </a:xfrm>
           <a:prstGeom prst="rect">
             <a:avLst/>
@@ -4625,199 +4561,358 @@
               </a:lnSpc>
             </a:pPr>
             <a:r>
+              <a:rPr lang="en-US" altLang="ko-KR" sz="1400" spc="-30" dirty="0">
+                <a:latin typeface="나눔스퀘어라운드 Regular" panose="020B0600000101010101" pitchFamily="50" charset="-127"/>
+                <a:ea typeface="나눔스퀘어라운드 Regular" panose="020B0600000101010101" pitchFamily="50" charset="-127"/>
+              </a:rPr>
+              <a:t> TrustZone</a:t>
+            </a:r>
+            <a:r>
               <a:rPr lang="ko-KR" altLang="en-US" sz="1400" spc="-30" dirty="0">
                 <a:latin typeface="나눔스퀘어라운드 Regular" panose="020B0600000101010101" pitchFamily="50" charset="-127"/>
                 <a:ea typeface="나눔스퀘어라운드 Regular" panose="020B0600000101010101" pitchFamily="50" charset="-127"/>
               </a:rPr>
-              <a:t>하나의 장치에서 둘 이상의 </a:t>
+              <a:t>을 지원하는 장치는 부팅을 </a:t>
             </a:r>
             <a:r>
               <a:rPr lang="en-US" altLang="ko-KR" sz="1400" spc="-30" dirty="0">
                 <a:latin typeface="나눔스퀘어라운드 Regular" panose="020B0600000101010101" pitchFamily="50" charset="-127"/>
                 <a:ea typeface="나눔스퀘어라운드 Regular" panose="020B0600000101010101" pitchFamily="50" charset="-127"/>
               </a:rPr>
-              <a:t>OS</a:t>
+              <a:t>2</a:t>
             </a:r>
             <a:r>
               <a:rPr lang="ko-KR" altLang="en-US" sz="1400" spc="-30" dirty="0">
                 <a:latin typeface="나눔스퀘어라운드 Regular" panose="020B0600000101010101" pitchFamily="50" charset="-127"/>
                 <a:ea typeface="나눔스퀘어라운드 Regular" panose="020B0600000101010101" pitchFamily="50" charset="-127"/>
               </a:rPr>
-              <a:t>를 작동시키는 일반적인 가상화 기술들의 경우 두 </a:t>
+              <a:t>번한다</a:t>
             </a:r>
             <a:r>
               <a:rPr lang="en-US" altLang="ko-KR" sz="1400" spc="-30" dirty="0">
                 <a:latin typeface="나눔스퀘어라운드 Regular" panose="020B0600000101010101" pitchFamily="50" charset="-127"/>
                 <a:ea typeface="나눔스퀘어라운드 Regular" panose="020B0600000101010101" pitchFamily="50" charset="-127"/>
               </a:rPr>
-              <a:t>OS</a:t>
+              <a:t>. </a:t>
             </a:r>
             <a:r>
               <a:rPr lang="ko-KR" altLang="en-US" sz="1400" spc="-30" dirty="0">
                 <a:latin typeface="나눔스퀘어라운드 Regular" panose="020B0600000101010101" pitchFamily="50" charset="-127"/>
                 <a:ea typeface="나눔스퀘어라운드 Regular" panose="020B0600000101010101" pitchFamily="50" charset="-127"/>
               </a:rPr>
-              <a:t>가 동시에 작동하는 형태로 되어있다</a:t>
+              <a:t>먼저 </a:t>
             </a:r>
             <a:r>
               <a:rPr lang="en-US" altLang="ko-KR" sz="1400" spc="-30" dirty="0">
                 <a:latin typeface="나눔스퀘어라운드 Regular" panose="020B0600000101010101" pitchFamily="50" charset="-127"/>
                 <a:ea typeface="나눔스퀘어라운드 Regular" panose="020B0600000101010101" pitchFamily="50" charset="-127"/>
               </a:rPr>
-              <a:t>. Monitor Mode</a:t>
+              <a:t>TEE</a:t>
             </a:r>
             <a:r>
               <a:rPr lang="ko-KR" altLang="en-US" sz="1400" spc="-30" dirty="0">
                 <a:latin typeface="나눔스퀘어라운드 Regular" panose="020B0600000101010101" pitchFamily="50" charset="-127"/>
                 <a:ea typeface="나눔스퀘어라운드 Regular" panose="020B0600000101010101" pitchFamily="50" charset="-127"/>
               </a:rPr>
-              <a:t>를 통해 스위칭 형태를 제공한다</a:t>
+              <a:t>가 부팅이 되면 </a:t>
             </a:r>
             <a:r>
               <a:rPr lang="en-US" altLang="ko-KR" sz="1400" spc="-30" dirty="0">
                 <a:latin typeface="나눔스퀘어라운드 Regular" panose="020B0600000101010101" pitchFamily="50" charset="-127"/>
                 <a:ea typeface="나눔스퀘어라운드 Regular" panose="020B0600000101010101" pitchFamily="50" charset="-127"/>
               </a:rPr>
+              <a:t>TrustZone </a:t>
+            </a:r>
+            <a:r>
+              <a:rPr lang="ko-KR" altLang="en-US" sz="1400" spc="-30" dirty="0">
+                <a:latin typeface="나눔스퀘어라운드 Regular" panose="020B0600000101010101" pitchFamily="50" charset="-127"/>
+                <a:ea typeface="나눔스퀘어라운드 Regular" panose="020B0600000101010101" pitchFamily="50" charset="-127"/>
+              </a:rPr>
+              <a:t>관련 접근 권한을 설정하고</a:t>
+            </a:r>
+            <a:r>
+              <a:rPr lang="en-US" altLang="ko-KR" sz="1400" spc="-30" dirty="0">
+                <a:latin typeface="나눔스퀘어라운드 Regular" panose="020B0600000101010101" pitchFamily="50" charset="-127"/>
+                <a:ea typeface="나눔스퀘어라운드 Regular" panose="020B0600000101010101" pitchFamily="50" charset="-127"/>
+              </a:rPr>
+              <a:t> TEE</a:t>
+            </a:r>
+            <a:r>
+              <a:rPr lang="ko-KR" altLang="en-US" sz="1400" spc="-30" dirty="0">
+                <a:latin typeface="나눔스퀘어라운드 Regular" panose="020B0600000101010101" pitchFamily="50" charset="-127"/>
+                <a:ea typeface="나눔스퀘어라운드 Regular" panose="020B0600000101010101" pitchFamily="50" charset="-127"/>
+              </a:rPr>
+              <a:t>의 부팅이 끝나면 </a:t>
+            </a:r>
+            <a:r>
+              <a:rPr lang="en-US" altLang="ko-KR" sz="1400" spc="-30" dirty="0">
+                <a:latin typeface="나눔스퀘어라운드 Regular" panose="020B0600000101010101" pitchFamily="50" charset="-127"/>
+                <a:ea typeface="나눔스퀘어라운드 Regular" panose="020B0600000101010101" pitchFamily="50" charset="-127"/>
+              </a:rPr>
+              <a:t>REE</a:t>
+            </a:r>
+            <a:r>
+              <a:rPr lang="ko-KR" altLang="en-US" sz="1400" spc="-30" dirty="0">
+                <a:latin typeface="나눔스퀘어라운드 Regular" panose="020B0600000101010101" pitchFamily="50" charset="-127"/>
+                <a:ea typeface="나눔스퀘어라운드 Regular" panose="020B0600000101010101" pitchFamily="50" charset="-127"/>
+              </a:rPr>
+              <a:t>가 부팅된다</a:t>
+            </a:r>
+            <a:r>
+              <a:rPr lang="en-US" altLang="ko-KR" sz="1400" spc="-30" dirty="0">
+                <a:latin typeface="나눔스퀘어라운드 Regular" panose="020B0600000101010101" pitchFamily="50" charset="-127"/>
+                <a:ea typeface="나눔스퀘어라운드 Regular" panose="020B0600000101010101" pitchFamily="50" charset="-127"/>
+              </a:rPr>
+              <a:t>. TEE</a:t>
+            </a:r>
+            <a:r>
+              <a:rPr lang="ko-KR" altLang="en-US" sz="1400" spc="-30" dirty="0">
+                <a:latin typeface="나눔스퀘어라운드 Regular" panose="020B0600000101010101" pitchFamily="50" charset="-127"/>
+                <a:ea typeface="나눔스퀘어라운드 Regular" panose="020B0600000101010101" pitchFamily="50" charset="-127"/>
+              </a:rPr>
+              <a:t>가 먼저 부팅되는 이유는 </a:t>
+            </a:r>
+            <a:r>
+              <a:rPr lang="en-US" altLang="ko-KR" sz="1400" spc="-30" dirty="0">
+                <a:latin typeface="나눔스퀘어라운드 Regular" panose="020B0600000101010101" pitchFamily="50" charset="-127"/>
+                <a:ea typeface="나눔스퀘어라운드 Regular" panose="020B0600000101010101" pitchFamily="50" charset="-127"/>
+              </a:rPr>
+              <a:t>REE</a:t>
+            </a:r>
+            <a:r>
+              <a:rPr lang="ko-KR" altLang="en-US" sz="1400" spc="-30" dirty="0">
+                <a:latin typeface="나눔스퀘어라운드 Regular" panose="020B0600000101010101" pitchFamily="50" charset="-127"/>
+                <a:ea typeface="나눔스퀘어라운드 Regular" panose="020B0600000101010101" pitchFamily="50" charset="-127"/>
+              </a:rPr>
+              <a:t>의 악의적인 소프트웨어가 </a:t>
+            </a:r>
+            <a:r>
+              <a:rPr lang="en-US" altLang="ko-KR" sz="1400" spc="-30" dirty="0">
+                <a:latin typeface="나눔스퀘어라운드 Regular" panose="020B0600000101010101" pitchFamily="50" charset="-127"/>
+                <a:ea typeface="나눔스퀘어라운드 Regular" panose="020B0600000101010101" pitchFamily="50" charset="-127"/>
+              </a:rPr>
+              <a:t>TEE</a:t>
+            </a:r>
+            <a:r>
+              <a:rPr lang="ko-KR" altLang="en-US" sz="1400" spc="-30" dirty="0">
+                <a:latin typeface="나눔스퀘어라운드 Regular" panose="020B0600000101010101" pitchFamily="50" charset="-127"/>
+                <a:ea typeface="나눔스퀘어라운드 Regular" panose="020B0600000101010101" pitchFamily="50" charset="-127"/>
+              </a:rPr>
+              <a:t>의 소프트웨어에 작동하는 것을 미리 파악하고 대비할 수 있기 때문이다</a:t>
+            </a:r>
+            <a:r>
+              <a:rPr lang="en-US" altLang="ko-KR" sz="1400" spc="-30" dirty="0">
+                <a:latin typeface="나눔스퀘어라운드 Regular" panose="020B0600000101010101" pitchFamily="50" charset="-127"/>
+                <a:ea typeface="나눔스퀘어라운드 Regular" panose="020B0600000101010101" pitchFamily="50" charset="-127"/>
+              </a:rPr>
               <a:t>. </a:t>
-            </a:r>
-            <a:r>
-              <a:rPr lang="ko-KR" altLang="en-US" sz="1400" spc="-30" dirty="0">
-                <a:latin typeface="나눔스퀘어라운드 Regular" panose="020B0600000101010101" pitchFamily="50" charset="-127"/>
-                <a:ea typeface="나눔스퀘어라운드 Regular" panose="020B0600000101010101" pitchFamily="50" charset="-127"/>
-              </a:rPr>
-              <a:t>만약</a:t>
-            </a:r>
-            <a:r>
-              <a:rPr lang="en-US" altLang="ko-KR" sz="1400" spc="-30" dirty="0">
-                <a:latin typeface="나눔스퀘어라운드 Regular" panose="020B0600000101010101" pitchFamily="50" charset="-127"/>
-                <a:ea typeface="나눔스퀘어라운드 Regular" panose="020B0600000101010101" pitchFamily="50" charset="-127"/>
-              </a:rPr>
-              <a:t> TEE</a:t>
-            </a:r>
-            <a:r>
-              <a:rPr lang="ko-KR" altLang="en-US" sz="1400" spc="-30" dirty="0">
-                <a:latin typeface="나눔스퀘어라운드 Regular" panose="020B0600000101010101" pitchFamily="50" charset="-127"/>
-                <a:ea typeface="나눔스퀘어라운드 Regular" panose="020B0600000101010101" pitchFamily="50" charset="-127"/>
-              </a:rPr>
-              <a:t>가 실행 중일 경우 </a:t>
-            </a:r>
-            <a:r>
-              <a:rPr lang="en-US" altLang="ko-KR" sz="1400" spc="-30" dirty="0">
-                <a:latin typeface="나눔스퀘어라운드 Regular" panose="020B0600000101010101" pitchFamily="50" charset="-127"/>
-                <a:ea typeface="나눔스퀘어라운드 Regular" panose="020B0600000101010101" pitchFamily="50" charset="-127"/>
-              </a:rPr>
-              <a:t>REE</a:t>
-            </a:r>
-            <a:r>
-              <a:rPr lang="ko-KR" altLang="en-US" sz="1400" spc="-30" dirty="0">
-                <a:latin typeface="나눔스퀘어라운드 Regular" panose="020B0600000101010101" pitchFamily="50" charset="-127"/>
-                <a:ea typeface="나눔스퀘어라운드 Regular" panose="020B0600000101010101" pitchFamily="50" charset="-127"/>
-              </a:rPr>
-              <a:t>에서는 </a:t>
-            </a:r>
-            <a:r>
-              <a:rPr lang="en-US" altLang="ko-KR" sz="1400" spc="-30" dirty="0">
-                <a:latin typeface="나눔스퀘어라운드 Regular" panose="020B0600000101010101" pitchFamily="50" charset="-127"/>
-                <a:ea typeface="나눔스퀘어라운드 Regular" panose="020B0600000101010101" pitchFamily="50" charset="-127"/>
-              </a:rPr>
-              <a:t>interrupt</a:t>
-            </a:r>
-            <a:r>
-              <a:rPr lang="ko-KR" altLang="en-US" sz="1400" spc="-30" dirty="0">
-                <a:latin typeface="나눔스퀘어라운드 Regular" panose="020B0600000101010101" pitchFamily="50" charset="-127"/>
-                <a:ea typeface="나눔스퀘어라운드 Regular" panose="020B0600000101010101" pitchFamily="50" charset="-127"/>
-              </a:rPr>
-              <a:t>가 발생하지 않는다</a:t>
-            </a:r>
-            <a:r>
-              <a:rPr lang="en-US" altLang="ko-KR" sz="1400" spc="-30" dirty="0">
-                <a:latin typeface="나눔스퀘어라운드 Regular" panose="020B0600000101010101" pitchFamily="50" charset="-127"/>
-                <a:ea typeface="나눔스퀘어라운드 Regular" panose="020B0600000101010101" pitchFamily="50" charset="-127"/>
-              </a:rPr>
-              <a:t>. TEE</a:t>
-            </a:r>
-            <a:r>
-              <a:rPr lang="ko-KR" altLang="en-US" sz="1400" spc="-30" dirty="0">
-                <a:latin typeface="나눔스퀘어라운드 Regular" panose="020B0600000101010101" pitchFamily="50" charset="-127"/>
-                <a:ea typeface="나눔스퀘어라운드 Regular" panose="020B0600000101010101" pitchFamily="50" charset="-127"/>
-              </a:rPr>
-              <a:t>에서 실행 중인 어플리케이션을 </a:t>
-            </a:r>
-            <a:r>
-              <a:rPr lang="en-US" altLang="ko-KR" sz="1400" spc="-30" dirty="0">
-                <a:latin typeface="나눔스퀘어라운드 Regular" panose="020B0600000101010101" pitchFamily="50" charset="-127"/>
-                <a:ea typeface="나눔스퀘어라운드 Regular" panose="020B0600000101010101" pitchFamily="50" charset="-127"/>
-              </a:rPr>
-              <a:t>REE</a:t>
-            </a:r>
-            <a:r>
-              <a:rPr lang="ko-KR" altLang="en-US" sz="1400" spc="-30" dirty="0">
-                <a:latin typeface="나눔스퀘어라운드 Regular" panose="020B0600000101010101" pitchFamily="50" charset="-127"/>
-                <a:ea typeface="나눔스퀘어라운드 Regular" panose="020B0600000101010101" pitchFamily="50" charset="-127"/>
-              </a:rPr>
-              <a:t>에 있는 어플리케이션이 방해할 수 없다</a:t>
-            </a:r>
-            <a:r>
-              <a:rPr lang="en-US" altLang="ko-KR" sz="1400" spc="-30" dirty="0">
-                <a:latin typeface="나눔스퀘어라운드 Regular" panose="020B0600000101010101" pitchFamily="50" charset="-127"/>
-                <a:ea typeface="나눔스퀘어라운드 Regular" panose="020B0600000101010101" pitchFamily="50" charset="-127"/>
-              </a:rPr>
-              <a:t>.</a:t>
             </a:r>
           </a:p>
         </p:txBody>
       </p:sp>
       <p:pic>
         <p:nvPicPr>
-          <p:cNvPr id="3074" name="Picture 2">
-            <a:extLst>
-              <a:ext uri="{FF2B5EF4-FFF2-40B4-BE49-F238E27FC236}">
-                <a16:creationId xmlns:a16="http://schemas.microsoft.com/office/drawing/2014/main" id="{97BD2B56-D08B-4631-9932-77EF46765826}"/>
+          <p:cNvPr id="3" name="그림 2">
+            <a:extLst>
+              <a:ext uri="{FF2B5EF4-FFF2-40B4-BE49-F238E27FC236}">
+                <a16:creationId xmlns:a16="http://schemas.microsoft.com/office/drawing/2014/main" id="{DCED6CF5-0BF9-4E56-AFB3-F8EA34E55AA8}"/>
               </a:ext>
             </a:extLst>
           </p:cNvPr>
           <p:cNvPicPr>
-            <a:picLocks noChangeAspect="1" noChangeArrowheads="1"/>
+            <a:picLocks noChangeAspect="1"/>
           </p:cNvPicPr>
           <p:nvPr/>
         </p:nvPicPr>
         <p:blipFill>
-          <a:blip r:embed="rId4">
-            <a:extLst>
-              <a:ext uri="{28A0092B-C50C-407E-A947-70E740481C1C}">
-                <a14:useLocalDpi xmlns:a14="http://schemas.microsoft.com/office/drawing/2010/main" val="0"/>
-              </a:ext>
-            </a:extLst>
-          </a:blip>
-          <a:srcRect/>
+          <a:blip r:embed="rId4"/>
           <a:stretch>
             <a:fillRect/>
           </a:stretch>
         </p:blipFill>
-        <p:spPr bwMode="auto">
-          <a:xfrm>
-            <a:off x="617276" y="2088910"/>
-            <a:ext cx="4217044" cy="2192863"/>
+        <p:spPr>
+          <a:xfrm>
+            <a:off x="704571" y="2088910"/>
+            <a:ext cx="4038950" cy="2453853"/>
+          </a:xfrm>
+          <a:prstGeom prst="rect">
+            <a:avLst/>
+          </a:prstGeom>
+        </p:spPr>
+      </p:pic>
+      <p:sp>
+        <p:nvSpPr>
+          <p:cNvPr id="9" name="TextBox 8">
+            <a:extLst>
+              <a:ext uri="{FF2B5EF4-FFF2-40B4-BE49-F238E27FC236}">
+                <a16:creationId xmlns:a16="http://schemas.microsoft.com/office/drawing/2014/main" id="{5149AEF6-85CF-49A2-881E-F4697863AAA5}"/>
+              </a:ext>
+            </a:extLst>
+          </p:cNvPr>
+          <p:cNvSpPr txBox="1"/>
+          <p:nvPr/>
+        </p:nvSpPr>
+        <p:spPr>
+          <a:xfrm>
+            <a:off x="5268489" y="3863935"/>
+            <a:ext cx="6218940" cy="1353897"/>
           </a:xfrm>
           <a:prstGeom prst="rect">
             <a:avLst/>
           </a:prstGeom>
           <a:noFill/>
-          <a:extLst>
-            <a:ext uri="{909E8E84-426E-40DD-AFC4-6F175D3DCCD1}">
-              <a14:hiddenFill xmlns:a14="http://schemas.microsoft.com/office/drawing/2010/main">
-                <a:solidFill>
-                  <a:srgbClr val="FFFFFF"/>
-                </a:solidFill>
-              </a14:hiddenFill>
-            </a:ext>
-          </a:extLst>
-        </p:spPr>
-      </p:pic>
+        </p:spPr>
+        <p:txBody>
+          <a:bodyPr wrap="square" rtlCol="0">
+            <a:spAutoFit/>
+          </a:bodyPr>
+          <a:lstStyle/>
+          <a:p>
+            <a:pPr>
+              <a:lnSpc>
+                <a:spcPct val="150000"/>
+              </a:lnSpc>
+            </a:pPr>
+            <a:r>
+              <a:rPr lang="en-US" altLang="ko-KR" sz="1400" spc="-30" dirty="0">
+                <a:latin typeface="나눔스퀘어라운드 Regular" panose="020B0600000101010101" pitchFamily="50" charset="-127"/>
+                <a:ea typeface="나눔스퀘어라운드 Regular" panose="020B0600000101010101" pitchFamily="50" charset="-127"/>
+              </a:rPr>
+              <a:t> Normal world</a:t>
+            </a:r>
+            <a:r>
+              <a:rPr lang="ko-KR" altLang="en-US" sz="1400" spc="-30" dirty="0">
+                <a:latin typeface="나눔스퀘어라운드 Regular" panose="020B0600000101010101" pitchFamily="50" charset="-127"/>
+                <a:ea typeface="나눔스퀘어라운드 Regular" panose="020B0600000101010101" pitchFamily="50" charset="-127"/>
+              </a:rPr>
+              <a:t>의 운영체제가 변조되어 </a:t>
+            </a:r>
+            <a:r>
+              <a:rPr lang="en-US" altLang="ko-KR" sz="1400" spc="-30" dirty="0">
+                <a:latin typeface="나눔스퀘어라운드 Regular" panose="020B0600000101010101" pitchFamily="50" charset="-127"/>
+                <a:ea typeface="나눔스퀘어라운드 Regular" panose="020B0600000101010101" pitchFamily="50" charset="-127"/>
+              </a:rPr>
+              <a:t>secure world</a:t>
+            </a:r>
+            <a:r>
+              <a:rPr lang="ko-KR" altLang="en-US" sz="1400" spc="-30" dirty="0">
+                <a:latin typeface="나눔스퀘어라운드 Regular" panose="020B0600000101010101" pitchFamily="50" charset="-127"/>
+                <a:ea typeface="나눔스퀘어라운드 Regular" panose="020B0600000101010101" pitchFamily="50" charset="-127"/>
+              </a:rPr>
+              <a:t>에 대해 악의적인 동작을 시도하려면 </a:t>
+            </a:r>
+            <a:r>
+              <a:rPr lang="en-US" altLang="ko-KR" sz="1400" spc="-30" dirty="0">
+                <a:latin typeface="나눔스퀘어라운드 Regular" panose="020B0600000101010101" pitchFamily="50" charset="-127"/>
+                <a:ea typeface="나눔스퀘어라운드 Regular" panose="020B0600000101010101" pitchFamily="50" charset="-127"/>
+              </a:rPr>
+              <a:t>normal world</a:t>
+            </a:r>
+            <a:r>
+              <a:rPr lang="ko-KR" altLang="en-US" sz="1400" spc="-30" dirty="0">
+                <a:latin typeface="나눔스퀘어라운드 Regular" panose="020B0600000101010101" pitchFamily="50" charset="-127"/>
+                <a:ea typeface="나눔스퀘어라운드 Regular" panose="020B0600000101010101" pitchFamily="50" charset="-127"/>
+              </a:rPr>
+              <a:t>에서 </a:t>
+            </a:r>
+            <a:r>
+              <a:rPr lang="en-US" altLang="ko-KR" sz="1400" spc="-30" dirty="0">
+                <a:latin typeface="나눔스퀘어라운드 Regular" panose="020B0600000101010101" pitchFamily="50" charset="-127"/>
+                <a:ea typeface="나눔스퀘어라운드 Regular" panose="020B0600000101010101" pitchFamily="50" charset="-127"/>
+              </a:rPr>
+              <a:t>SMC </a:t>
+            </a:r>
+            <a:r>
+              <a:rPr lang="ko-KR" altLang="en-US" sz="1400" spc="-30" dirty="0">
+                <a:latin typeface="나눔스퀘어라운드 Regular" panose="020B0600000101010101" pitchFamily="50" charset="-127"/>
+                <a:ea typeface="나눔스퀘어라운드 Regular" panose="020B0600000101010101" pitchFamily="50" charset="-127"/>
+              </a:rPr>
+              <a:t>명령어를 통해 </a:t>
+            </a:r>
+            <a:r>
+              <a:rPr lang="en-US" altLang="ko-KR" sz="1400" spc="-30" dirty="0">
+                <a:latin typeface="나눔스퀘어라운드 Regular" panose="020B0600000101010101" pitchFamily="50" charset="-127"/>
+                <a:ea typeface="나눔스퀘어라운드 Regular" panose="020B0600000101010101" pitchFamily="50" charset="-127"/>
+              </a:rPr>
+              <a:t>secure world</a:t>
+            </a:r>
+            <a:r>
+              <a:rPr lang="ko-KR" altLang="en-US" sz="1400" spc="-30" dirty="0">
+                <a:latin typeface="나눔스퀘어라운드 Regular" panose="020B0600000101010101" pitchFamily="50" charset="-127"/>
+                <a:ea typeface="나눔스퀘어라운드 Regular" panose="020B0600000101010101" pitchFamily="50" charset="-127"/>
+              </a:rPr>
+              <a:t>로 접근을 해야 하는데 </a:t>
+            </a:r>
+            <a:r>
+              <a:rPr lang="en-US" altLang="ko-KR" sz="1400" spc="-30" dirty="0">
+                <a:latin typeface="나눔스퀘어라운드 Regular" panose="020B0600000101010101" pitchFamily="50" charset="-127"/>
+                <a:ea typeface="나눔스퀘어라운드 Regular" panose="020B0600000101010101" pitchFamily="50" charset="-127"/>
+              </a:rPr>
+              <a:t>SMC</a:t>
+            </a:r>
+            <a:r>
+              <a:rPr lang="ko-KR" altLang="en-US" sz="1400" spc="-30" dirty="0">
+                <a:latin typeface="나눔스퀘어라운드 Regular" panose="020B0600000101010101" pitchFamily="50" charset="-127"/>
+                <a:ea typeface="나눔스퀘어라운드 Regular" panose="020B0600000101010101" pitchFamily="50" charset="-127"/>
+              </a:rPr>
+              <a:t>명령어는 모니터모드의 </a:t>
+            </a:r>
+            <a:r>
+              <a:rPr lang="en-US" altLang="ko-KR" sz="1400" spc="-30" dirty="0">
+                <a:latin typeface="나눔스퀘어라운드 Regular" panose="020B0600000101010101" pitchFamily="50" charset="-127"/>
+                <a:ea typeface="나눔스퀘어라운드 Regular" panose="020B0600000101010101" pitchFamily="50" charset="-127"/>
+              </a:rPr>
+              <a:t>SMC handler</a:t>
+            </a:r>
+            <a:r>
+              <a:rPr lang="ko-KR" altLang="en-US" sz="1400" spc="-30" dirty="0">
+                <a:latin typeface="나눔스퀘어라운드 Regular" panose="020B0600000101010101" pitchFamily="50" charset="-127"/>
+                <a:ea typeface="나눔스퀘어라운드 Regular" panose="020B0600000101010101" pitchFamily="50" charset="-127"/>
+              </a:rPr>
+              <a:t>에서 처리된다</a:t>
+            </a:r>
+            <a:r>
+              <a:rPr lang="en-US" altLang="ko-KR" sz="1400" spc="-30" dirty="0">
+                <a:latin typeface="나눔스퀘어라운드 Regular" panose="020B0600000101010101" pitchFamily="50" charset="-127"/>
+                <a:ea typeface="나눔스퀘어라운드 Regular" panose="020B0600000101010101" pitchFamily="50" charset="-127"/>
+              </a:rPr>
+              <a:t>. </a:t>
+            </a:r>
+            <a:r>
+              <a:rPr lang="ko-KR" altLang="en-US" sz="1400" spc="-30" dirty="0">
+                <a:latin typeface="나눔스퀘어라운드 Regular" panose="020B0600000101010101" pitchFamily="50" charset="-127"/>
+                <a:ea typeface="나눔스퀘어라운드 Regular" panose="020B0600000101010101" pitchFamily="50" charset="-127"/>
+              </a:rPr>
+              <a:t>따라서 악성코드의 </a:t>
+            </a:r>
+            <a:r>
+              <a:rPr lang="en-US" altLang="ko-KR" sz="1400" spc="-30" dirty="0">
+                <a:latin typeface="나눔스퀘어라운드 Regular" panose="020B0600000101010101" pitchFamily="50" charset="-127"/>
+                <a:ea typeface="나눔스퀘어라운드 Regular" panose="020B0600000101010101" pitchFamily="50" charset="-127"/>
+              </a:rPr>
+              <a:t>SMC</a:t>
+            </a:r>
+            <a:r>
+              <a:rPr lang="ko-KR" altLang="en-US" sz="1400" spc="-30" dirty="0">
+                <a:latin typeface="나눔스퀘어라운드 Regular" panose="020B0600000101010101" pitchFamily="50" charset="-127"/>
+                <a:ea typeface="나눔스퀘어라운드 Regular" panose="020B0600000101010101" pitchFamily="50" charset="-127"/>
+              </a:rPr>
+              <a:t>명령어를 통한 공격을 방지할 수 있다</a:t>
+            </a:r>
+            <a:r>
+              <a:rPr lang="en-US" altLang="ko-KR" sz="1400" spc="-30" dirty="0">
+                <a:latin typeface="나눔스퀘어라운드 Regular" panose="020B0600000101010101" pitchFamily="50" charset="-127"/>
+                <a:ea typeface="나눔스퀘어라운드 Regular" panose="020B0600000101010101" pitchFamily="50" charset="-127"/>
+              </a:rPr>
+              <a:t>.</a:t>
+            </a:r>
+          </a:p>
+        </p:txBody>
+      </p:sp>
     </p:spTree>
     <p:extLst>
       <p:ext uri="{BB962C8B-B14F-4D97-AF65-F5344CB8AC3E}">
-        <p14:creationId xmlns:p14="http://schemas.microsoft.com/office/powerpoint/2010/main" val="55105426"/>
+        <p14:creationId xmlns:p14="http://schemas.microsoft.com/office/powerpoint/2010/main" val="857327136"/>
       </p:ext>
     </p:extLst>
   </p:cSld>
@@ -5023,7 +5118,7 @@
         <p:spPr>
           <a:xfrm>
             <a:off x="5268489" y="2088910"/>
-            <a:ext cx="6218940" cy="2969724"/>
+            <a:ext cx="6218940" cy="1677062"/>
           </a:xfrm>
           <a:prstGeom prst="rect">
             <a:avLst/>
@@ -5046,48 +5141,104 @@
                 <a:latin typeface="나눔스퀘어라운드 Regular" panose="020B0600000101010101" pitchFamily="50" charset="-127"/>
                 <a:ea typeface="나눔스퀘어라운드 Regular" panose="020B0600000101010101" pitchFamily="50" charset="-127"/>
               </a:rPr>
-              <a:t> TrustZone</a:t>
+              <a:t> REE</a:t>
             </a:r>
             <a:r>
               <a:rPr lang="ko-KR" altLang="en-US" sz="1400" spc="-30" dirty="0">
                 <a:latin typeface="나눔스퀘어라운드 Regular" panose="020B0600000101010101" pitchFamily="50" charset="-127"/>
                 <a:ea typeface="나눔스퀘어라운드 Regular" panose="020B0600000101010101" pitchFamily="50" charset="-127"/>
               </a:rPr>
-              <a:t>을 지원하는 장치는 부팅이 </a:t>
+              <a:t>에 있는 요소들이 </a:t>
             </a:r>
             <a:r>
               <a:rPr lang="en-US" altLang="ko-KR" sz="1400" spc="-30" dirty="0">
                 <a:latin typeface="나눔스퀘어라운드 Regular" panose="020B0600000101010101" pitchFamily="50" charset="-127"/>
                 <a:ea typeface="나눔스퀘어라운드 Regular" panose="020B0600000101010101" pitchFamily="50" charset="-127"/>
               </a:rPr>
-              <a:t>2</a:t>
+              <a:t>TEE</a:t>
             </a:r>
             <a:r>
               <a:rPr lang="ko-KR" altLang="en-US" sz="1400" spc="-30" dirty="0">
                 <a:latin typeface="나눔스퀘어라운드 Regular" panose="020B0600000101010101" pitchFamily="50" charset="-127"/>
                 <a:ea typeface="나눔스퀘어라운드 Regular" panose="020B0600000101010101" pitchFamily="50" charset="-127"/>
               </a:rPr>
-              <a:t>회 일어난다</a:t>
+              <a:t>에 있는 요소들과 통신을 할 때 </a:t>
             </a:r>
             <a:r>
               <a:rPr lang="en-US" altLang="ko-KR" sz="1400" spc="-30" dirty="0">
                 <a:latin typeface="나눔스퀘어라운드 Regular" panose="020B0600000101010101" pitchFamily="50" charset="-127"/>
                 <a:ea typeface="나눔스퀘어라운드 Regular" panose="020B0600000101010101" pitchFamily="50" charset="-127"/>
               </a:rPr>
-              <a:t>.</a:t>
+              <a:t>TEE Client API</a:t>
             </a:r>
             <a:r>
               <a:rPr lang="ko-KR" altLang="en-US" sz="1400" spc="-30" dirty="0">
                 <a:latin typeface="나눔스퀘어라운드 Regular" panose="020B0600000101010101" pitchFamily="50" charset="-127"/>
                 <a:ea typeface="나눔스퀘어라운드 Regular" panose="020B0600000101010101" pitchFamily="50" charset="-127"/>
               </a:rPr>
-              <a:t> </a:t>
+              <a:t>가 제공된다</a:t>
             </a:r>
             <a:r>
               <a:rPr lang="en-US" altLang="ko-KR" sz="1400" spc="-30" dirty="0">
                 <a:latin typeface="나눔스퀘어라운드 Regular" panose="020B0600000101010101" pitchFamily="50" charset="-127"/>
                 <a:ea typeface="나눔스퀘어라운드 Regular" panose="020B0600000101010101" pitchFamily="50" charset="-127"/>
               </a:rPr>
+              <a:t>. REE</a:t>
+            </a:r>
+            <a:r>
+              <a:rPr lang="ko-KR" altLang="en-US" sz="1400" spc="-30" dirty="0">
+                <a:latin typeface="나눔스퀘어라운드 Regular" panose="020B0600000101010101" pitchFamily="50" charset="-127"/>
+                <a:ea typeface="나눔스퀘어라운드 Regular" panose="020B0600000101010101" pitchFamily="50" charset="-127"/>
+              </a:rPr>
+              <a:t>의 </a:t>
+            </a:r>
+            <a:r>
+              <a:rPr lang="en-US" altLang="ko-KR" sz="1400" spc="-30" dirty="0">
+                <a:latin typeface="나눔스퀘어라운드 Regular" panose="020B0600000101010101" pitchFamily="50" charset="-127"/>
+                <a:ea typeface="나눔스퀘어라운드 Regular" panose="020B0600000101010101" pitchFamily="50" charset="-127"/>
+              </a:rPr>
+              <a:t>Client </a:t>
+            </a:r>
+            <a:r>
+              <a:rPr lang="ko-KR" altLang="en-US" sz="1400" spc="-30" dirty="0">
+                <a:latin typeface="나눔스퀘어라운드 Regular" panose="020B0600000101010101" pitchFamily="50" charset="-127"/>
+                <a:ea typeface="나눔스퀘어라운드 Regular" panose="020B0600000101010101" pitchFamily="50" charset="-127"/>
+              </a:rPr>
+              <a:t>애플리케이션 내부에 </a:t>
+            </a:r>
+            <a:r>
+              <a:rPr lang="en-US" altLang="ko-KR" sz="1400" spc="-30" dirty="0">
+                <a:latin typeface="나눔스퀘어라운드 Regular" panose="020B0600000101010101" pitchFamily="50" charset="-127"/>
+                <a:ea typeface="나눔스퀘어라운드 Regular" panose="020B0600000101010101" pitchFamily="50" charset="-127"/>
+              </a:rPr>
+              <a:t>Shared Memory </a:t>
+            </a:r>
+            <a:r>
+              <a:rPr lang="ko-KR" altLang="en-US" sz="1400" spc="-30" dirty="0">
+                <a:latin typeface="나눔스퀘어라운드 Regular" panose="020B0600000101010101" pitchFamily="50" charset="-127"/>
+                <a:ea typeface="나눔스퀘어라운드 Regular" panose="020B0600000101010101" pitchFamily="50" charset="-127"/>
+              </a:rPr>
+              <a:t>영역이 있고 </a:t>
+            </a:r>
+            <a:r>
+              <a:rPr lang="en-US" altLang="ko-KR" sz="1400" spc="-30" dirty="0">
+                <a:latin typeface="나눔스퀘어라운드 Regular" panose="020B0600000101010101" pitchFamily="50" charset="-127"/>
+                <a:ea typeface="나눔스퀘어라운드 Regular" panose="020B0600000101010101" pitchFamily="50" charset="-127"/>
+              </a:rPr>
+              <a:t>TEE Client API</a:t>
+            </a:r>
+            <a:r>
+              <a:rPr lang="ko-KR" altLang="en-US" sz="1400" spc="-30" dirty="0">
+                <a:latin typeface="나눔스퀘어라운드 Regular" panose="020B0600000101010101" pitchFamily="50" charset="-127"/>
+                <a:ea typeface="나눔스퀘어라운드 Regular" panose="020B0600000101010101" pitchFamily="50" charset="-127"/>
+              </a:rPr>
+              <a:t>를 통해 </a:t>
+            </a:r>
+            <a:r>
+              <a:rPr lang="en-US" altLang="ko-KR" sz="1400" spc="-30" dirty="0">
+                <a:latin typeface="나눔스퀘어라운드 Regular" panose="020B0600000101010101" pitchFamily="50" charset="-127"/>
+                <a:ea typeface="나눔스퀘어라운드 Regular" panose="020B0600000101010101" pitchFamily="50" charset="-127"/>
+              </a:rPr>
               <a:t>TEE</a:t>
             </a:r>
             <a:r>
@@ -5095,287 +5246,63 @@
                 <a:latin typeface="나눔스퀘어라운드 Regular" panose="020B0600000101010101" pitchFamily="50" charset="-127"/>
                 <a:ea typeface="나눔스퀘어라운드 Regular" panose="020B0600000101010101" pitchFamily="50" charset="-127"/>
               </a:rPr>
-              <a:t>가 먼저 부팅이 되고 </a:t>
+              <a:t>의 </a:t>
             </a:r>
             <a:r>
               <a:rPr lang="en-US" altLang="ko-KR" sz="1400" spc="-30" dirty="0">
                 <a:latin typeface="나눔스퀘어라운드 Regular" panose="020B0600000101010101" pitchFamily="50" charset="-127"/>
                 <a:ea typeface="나눔스퀘어라운드 Regular" panose="020B0600000101010101" pitchFamily="50" charset="-127"/>
               </a:rPr>
-              <a:t>TrustZone </a:t>
+              <a:t>Trusted Application</a:t>
             </a:r>
             <a:r>
               <a:rPr lang="ko-KR" altLang="en-US" sz="1400" spc="-30" dirty="0">
                 <a:latin typeface="나눔스퀘어라운드 Regular" panose="020B0600000101010101" pitchFamily="50" charset="-127"/>
                 <a:ea typeface="나눔스퀘어라운드 Regular" panose="020B0600000101010101" pitchFamily="50" charset="-127"/>
               </a:rPr>
-              <a:t>관련 접근 권한을 설정</a:t>
+              <a:t>에 메시지를 보내면 </a:t>
             </a:r>
             <a:r>
               <a:rPr lang="en-US" altLang="ko-KR" sz="1400" spc="-30" dirty="0">
                 <a:latin typeface="나눔스퀘어라운드 Regular" panose="020B0600000101010101" pitchFamily="50" charset="-127"/>
                 <a:ea typeface="나눔스퀘어라운드 Regular" panose="020B0600000101010101" pitchFamily="50" charset="-127"/>
               </a:rPr>
-              <a:t>, </a:t>
+              <a:t>Trusted Application</a:t>
             </a:r>
             <a:r>
               <a:rPr lang="ko-KR" altLang="en-US" sz="1400" spc="-30" dirty="0">
                 <a:latin typeface="나눔스퀘어라운드 Regular" panose="020B0600000101010101" pitchFamily="50" charset="-127"/>
                 <a:ea typeface="나눔스퀘어라운드 Regular" panose="020B0600000101010101" pitchFamily="50" charset="-127"/>
               </a:rPr>
-              <a:t>부팅 완료 후 </a:t>
+              <a:t>이 </a:t>
             </a:r>
             <a:r>
               <a:rPr lang="en-US" altLang="ko-KR" sz="1400" spc="-30" dirty="0">
                 <a:latin typeface="나눔스퀘어라운드 Regular" panose="020B0600000101010101" pitchFamily="50" charset="-127"/>
                 <a:ea typeface="나눔스퀘어라운드 Regular" panose="020B0600000101010101" pitchFamily="50" charset="-127"/>
               </a:rPr>
-              <a:t>REE</a:t>
+              <a:t>Shared Memory </a:t>
             </a:r>
             <a:r>
               <a:rPr lang="ko-KR" altLang="en-US" sz="1400" spc="-30" dirty="0">
                 <a:latin typeface="나눔스퀘어라운드 Regular" panose="020B0600000101010101" pitchFamily="50" charset="-127"/>
                 <a:ea typeface="나눔스퀘어라운드 Regular" panose="020B0600000101010101" pitchFamily="50" charset="-127"/>
               </a:rPr>
-              <a:t>가 부팅된다</a:t>
+              <a:t>영역을 이용하는 방식이다</a:t>
             </a:r>
             <a:r>
               <a:rPr lang="en-US" altLang="ko-KR" sz="1400" spc="-30" dirty="0">
                 <a:latin typeface="나눔스퀘어라운드 Regular" panose="020B0600000101010101" pitchFamily="50" charset="-127"/>
                 <a:ea typeface="나눔스퀘어라운드 Regular" panose="020B0600000101010101" pitchFamily="50" charset="-127"/>
               </a:rPr>
-              <a:t>. TEE</a:t>
+              <a:t>. Shared Memory </a:t>
             </a:r>
             <a:r>
               <a:rPr lang="ko-KR" altLang="en-US" sz="1400" spc="-30" dirty="0">
                 <a:latin typeface="나눔스퀘어라운드 Regular" panose="020B0600000101010101" pitchFamily="50" charset="-127"/>
                 <a:ea typeface="나눔스퀘어라운드 Regular" panose="020B0600000101010101" pitchFamily="50" charset="-127"/>
               </a:rPr>
-              <a:t>가 먼저 부팅되는 이유는 </a:t>
-            </a:r>
-            <a:r>
-              <a:rPr lang="en-US" altLang="ko-KR" sz="1400" spc="-30" dirty="0">
-                <a:latin typeface="나눔스퀘어라운드 Regular" panose="020B0600000101010101" pitchFamily="50" charset="-127"/>
-                <a:ea typeface="나눔스퀘어라운드 Regular" panose="020B0600000101010101" pitchFamily="50" charset="-127"/>
-              </a:rPr>
-              <a:t>REE</a:t>
-            </a:r>
-            <a:r>
-              <a:rPr lang="ko-KR" altLang="en-US" sz="1400" spc="-30" dirty="0">
-                <a:latin typeface="나눔스퀘어라운드 Regular" panose="020B0600000101010101" pitchFamily="50" charset="-127"/>
-                <a:ea typeface="나눔스퀘어라운드 Regular" panose="020B0600000101010101" pitchFamily="50" charset="-127"/>
-              </a:rPr>
-              <a:t>의 악의적인 소프트웨어가 다른 소프트웨어에 작동하는 행위를 미리 파악하고 대비할 수 있기 때문</a:t>
-            </a:r>
-            <a:r>
-              <a:rPr lang="en-US" altLang="ko-KR" sz="1400" spc="-30" dirty="0">
-                <a:latin typeface="나눔스퀘어라운드 Regular" panose="020B0600000101010101" pitchFamily="50" charset="-127"/>
-                <a:ea typeface="나눔스퀘어라운드 Regular" panose="020B0600000101010101" pitchFamily="50" charset="-127"/>
-              </a:rPr>
-              <a:t>. Secure world</a:t>
-            </a:r>
-            <a:r>
-              <a:rPr lang="ko-KR" altLang="en-US" sz="1400" spc="-30" dirty="0">
-                <a:latin typeface="나눔스퀘어라운드 Regular" panose="020B0600000101010101" pitchFamily="50" charset="-127"/>
-                <a:ea typeface="나눔스퀘어라운드 Regular" panose="020B0600000101010101" pitchFamily="50" charset="-127"/>
-              </a:rPr>
-              <a:t>의 초기화가 완료되기 전까지 </a:t>
-            </a:r>
-            <a:r>
-              <a:rPr lang="en-US" altLang="ko-KR" sz="1400" spc="-30" dirty="0">
-                <a:latin typeface="나눔스퀘어라운드 Regular" panose="020B0600000101010101" pitchFamily="50" charset="-127"/>
-                <a:ea typeface="나눔스퀘어라운드 Regular" panose="020B0600000101010101" pitchFamily="50" charset="-127"/>
-              </a:rPr>
-              <a:t>normal world</a:t>
-            </a:r>
-            <a:r>
-              <a:rPr lang="ko-KR" altLang="en-US" sz="1400" spc="-30" dirty="0">
-                <a:latin typeface="나눔스퀘어라운드 Regular" panose="020B0600000101010101" pitchFamily="50" charset="-127"/>
-                <a:ea typeface="나눔스퀘어라운드 Regular" panose="020B0600000101010101" pitchFamily="50" charset="-127"/>
-              </a:rPr>
-              <a:t>로 전환되는 경우는 없으므로 </a:t>
-            </a:r>
-            <a:r>
-              <a:rPr lang="en-US" altLang="ko-KR" sz="1400" spc="-30" dirty="0">
-                <a:latin typeface="나눔스퀘어라운드 Regular" panose="020B0600000101010101" pitchFamily="50" charset="-127"/>
-                <a:ea typeface="나눔스퀘어라운드 Regular" panose="020B0600000101010101" pitchFamily="50" charset="-127"/>
-              </a:rPr>
-              <a:t>secure world</a:t>
-            </a:r>
-            <a:r>
-              <a:rPr lang="ko-KR" altLang="en-US" sz="1400" spc="-30" dirty="0">
-                <a:latin typeface="나눔스퀘어라운드 Regular" panose="020B0600000101010101" pitchFamily="50" charset="-127"/>
-                <a:ea typeface="나눔스퀘어라운드 Regular" panose="020B0600000101010101" pitchFamily="50" charset="-127"/>
-              </a:rPr>
-              <a:t>의 코드들은 안전하게 보호될 수 있다</a:t>
-            </a:r>
-            <a:r>
-              <a:rPr lang="en-US" altLang="ko-KR" sz="1400" spc="-30" dirty="0">
-                <a:latin typeface="나눔스퀘어라운드 Regular" panose="020B0600000101010101" pitchFamily="50" charset="-127"/>
-                <a:ea typeface="나눔스퀘어라운드 Regular" panose="020B0600000101010101" pitchFamily="50" charset="-127"/>
-              </a:rPr>
-              <a:t>. Normal world</a:t>
-            </a:r>
-            <a:r>
-              <a:rPr lang="ko-KR" altLang="en-US" sz="1400" spc="-30" dirty="0">
-                <a:latin typeface="나눔스퀘어라운드 Regular" panose="020B0600000101010101" pitchFamily="50" charset="-127"/>
-                <a:ea typeface="나눔스퀘어라운드 Regular" panose="020B0600000101010101" pitchFamily="50" charset="-127"/>
-              </a:rPr>
-              <a:t>의 운영체제가 변조되어 </a:t>
-            </a:r>
-            <a:r>
-              <a:rPr lang="en-US" altLang="ko-KR" sz="1400" spc="-30" dirty="0">
-                <a:latin typeface="나눔스퀘어라운드 Regular" panose="020B0600000101010101" pitchFamily="50" charset="-127"/>
-                <a:ea typeface="나눔스퀘어라운드 Regular" panose="020B0600000101010101" pitchFamily="50" charset="-127"/>
-              </a:rPr>
-              <a:t>secure world</a:t>
-            </a:r>
-            <a:r>
-              <a:rPr lang="ko-KR" altLang="en-US" sz="1400" spc="-30" dirty="0">
-                <a:latin typeface="나눔스퀘어라운드 Regular" panose="020B0600000101010101" pitchFamily="50" charset="-127"/>
-                <a:ea typeface="나눔스퀘어라운드 Regular" panose="020B0600000101010101" pitchFamily="50" charset="-127"/>
-              </a:rPr>
-              <a:t>에 대해 악의적인 동작을 시도하려면 </a:t>
-            </a:r>
-            <a:r>
-              <a:rPr lang="en-US" altLang="ko-KR" sz="1400" spc="-30" dirty="0">
-                <a:latin typeface="나눔스퀘어라운드 Regular" panose="020B0600000101010101" pitchFamily="50" charset="-127"/>
-                <a:ea typeface="나눔스퀘어라운드 Regular" panose="020B0600000101010101" pitchFamily="50" charset="-127"/>
-              </a:rPr>
-              <a:t>normal world</a:t>
-            </a:r>
-            <a:r>
-              <a:rPr lang="ko-KR" altLang="en-US" sz="1400" spc="-30" dirty="0">
-                <a:latin typeface="나눔스퀘어라운드 Regular" panose="020B0600000101010101" pitchFamily="50" charset="-127"/>
-                <a:ea typeface="나눔스퀘어라운드 Regular" panose="020B0600000101010101" pitchFamily="50" charset="-127"/>
-              </a:rPr>
-              <a:t>에서 </a:t>
-            </a:r>
-            <a:r>
-              <a:rPr lang="en-US" altLang="ko-KR" sz="1400" spc="-30" dirty="0">
-                <a:latin typeface="나눔스퀘어라운드 Regular" panose="020B0600000101010101" pitchFamily="50" charset="-127"/>
-                <a:ea typeface="나눔스퀘어라운드 Regular" panose="020B0600000101010101" pitchFamily="50" charset="-127"/>
-              </a:rPr>
-              <a:t>SMC </a:t>
-            </a:r>
-            <a:r>
-              <a:rPr lang="ko-KR" altLang="en-US" sz="1400" spc="-30" dirty="0">
-                <a:latin typeface="나눔스퀘어라운드 Regular" panose="020B0600000101010101" pitchFamily="50" charset="-127"/>
-                <a:ea typeface="나눔스퀘어라운드 Regular" panose="020B0600000101010101" pitchFamily="50" charset="-127"/>
-              </a:rPr>
-              <a:t>명령어를 통해 </a:t>
-            </a:r>
-            <a:r>
-              <a:rPr lang="en-US" altLang="ko-KR" sz="1400" spc="-30" dirty="0">
-                <a:latin typeface="나눔스퀘어라운드 Regular" panose="020B0600000101010101" pitchFamily="50" charset="-127"/>
-                <a:ea typeface="나눔스퀘어라운드 Regular" panose="020B0600000101010101" pitchFamily="50" charset="-127"/>
-              </a:rPr>
-              <a:t>secure world</a:t>
-            </a:r>
-            <a:r>
-              <a:rPr lang="ko-KR" altLang="en-US" sz="1400" spc="-30" dirty="0">
-                <a:latin typeface="나눔스퀘어라운드 Regular" panose="020B0600000101010101" pitchFamily="50" charset="-127"/>
-                <a:ea typeface="나눔스퀘어라운드 Regular" panose="020B0600000101010101" pitchFamily="50" charset="-127"/>
-              </a:rPr>
-              <a:t>로 접근을 </a:t>
-            </a:r>
-            <a:r>
-              <a:rPr lang="ko-KR" altLang="en-US" sz="1400" spc="-30" dirty="0" err="1">
-                <a:latin typeface="나눔스퀘어라운드 Regular" panose="020B0600000101010101" pitchFamily="50" charset="-127"/>
-                <a:ea typeface="나눔스퀘어라운드 Regular" panose="020B0600000101010101" pitchFamily="50" charset="-127"/>
-              </a:rPr>
-              <a:t>해야하는데</a:t>
-            </a:r>
-            <a:r>
-              <a:rPr lang="ko-KR" altLang="en-US" sz="1400" spc="-30" dirty="0">
-                <a:latin typeface="나눔스퀘어라운드 Regular" panose="020B0600000101010101" pitchFamily="50" charset="-127"/>
-                <a:ea typeface="나눔스퀘어라운드 Regular" panose="020B0600000101010101" pitchFamily="50" charset="-127"/>
-              </a:rPr>
-              <a:t> </a:t>
-            </a:r>
-            <a:r>
-              <a:rPr lang="en-US" altLang="ko-KR" sz="1400" spc="-30" dirty="0">
-                <a:latin typeface="나눔스퀘어라운드 Regular" panose="020B0600000101010101" pitchFamily="50" charset="-127"/>
-                <a:ea typeface="나눔스퀘어라운드 Regular" panose="020B0600000101010101" pitchFamily="50" charset="-127"/>
-              </a:rPr>
-              <a:t>SMC</a:t>
-            </a:r>
-            <a:r>
-              <a:rPr lang="ko-KR" altLang="en-US" sz="1400" spc="-30" dirty="0">
-                <a:latin typeface="나눔스퀘어라운드 Regular" panose="020B0600000101010101" pitchFamily="50" charset="-127"/>
-                <a:ea typeface="나눔스퀘어라운드 Regular" panose="020B0600000101010101" pitchFamily="50" charset="-127"/>
-              </a:rPr>
-              <a:t>명령어는 모니터모드의 </a:t>
-            </a:r>
-            <a:r>
-              <a:rPr lang="en-US" altLang="ko-KR" sz="1400" spc="-30" dirty="0">
-                <a:latin typeface="나눔스퀘어라운드 Regular" panose="020B0600000101010101" pitchFamily="50" charset="-127"/>
-                <a:ea typeface="나눔스퀘어라운드 Regular" panose="020B0600000101010101" pitchFamily="50" charset="-127"/>
-              </a:rPr>
-              <a:t>SMC </a:t>
-            </a:r>
-            <a:r>
-              <a:rPr lang="ko-KR" altLang="en-US" sz="1400" spc="-30" dirty="0" err="1">
-                <a:latin typeface="나눔스퀘어라운드 Regular" panose="020B0600000101010101" pitchFamily="50" charset="-127"/>
-                <a:ea typeface="나눔스퀘어라운드 Regular" panose="020B0600000101010101" pitchFamily="50" charset="-127"/>
-              </a:rPr>
-              <a:t>핸들러에서</a:t>
-            </a:r>
-            <a:r>
-              <a:rPr lang="ko-KR" altLang="en-US" sz="1400" spc="-30" dirty="0">
-                <a:latin typeface="나눔스퀘어라운드 Regular" panose="020B0600000101010101" pitchFamily="50" charset="-127"/>
-                <a:ea typeface="나눔스퀘어라운드 Regular" panose="020B0600000101010101" pitchFamily="50" charset="-127"/>
-              </a:rPr>
-              <a:t> 처리된다</a:t>
-            </a:r>
-            <a:r>
-              <a:rPr lang="en-US" altLang="ko-KR" sz="1400" spc="-30" dirty="0">
-                <a:latin typeface="나눔스퀘어라운드 Regular" panose="020B0600000101010101" pitchFamily="50" charset="-127"/>
-                <a:ea typeface="나눔스퀘어라운드 Regular" panose="020B0600000101010101" pitchFamily="50" charset="-127"/>
-              </a:rPr>
-              <a:t>. </a:t>
-            </a:r>
-            <a:r>
-              <a:rPr lang="ko-KR" altLang="en-US" sz="1400" spc="-30" dirty="0">
-                <a:latin typeface="나눔스퀘어라운드 Regular" panose="020B0600000101010101" pitchFamily="50" charset="-127"/>
-                <a:ea typeface="나눔스퀘어라운드 Regular" panose="020B0600000101010101" pitchFamily="50" charset="-127"/>
-              </a:rPr>
-              <a:t>따라서 모니터모드에 존재하는 </a:t>
-            </a:r>
-            <a:r>
-              <a:rPr lang="en-US" altLang="ko-KR" sz="1400" spc="-30" dirty="0">
-                <a:latin typeface="나눔스퀘어라운드 Regular" panose="020B0600000101010101" pitchFamily="50" charset="-127"/>
-                <a:ea typeface="나눔스퀘어라운드 Regular" panose="020B0600000101010101" pitchFamily="50" charset="-127"/>
-              </a:rPr>
-              <a:t>SMC </a:t>
-            </a:r>
-            <a:r>
-              <a:rPr lang="ko-KR" altLang="en-US" sz="1400" spc="-30" dirty="0" err="1">
-                <a:latin typeface="나눔스퀘어라운드 Regular" panose="020B0600000101010101" pitchFamily="50" charset="-127"/>
-                <a:ea typeface="나눔스퀘어라운드 Regular" panose="020B0600000101010101" pitchFamily="50" charset="-127"/>
-              </a:rPr>
-              <a:t>핸들러의</a:t>
-            </a:r>
-            <a:r>
-              <a:rPr lang="ko-KR" altLang="en-US" sz="1400" spc="-30" dirty="0">
-                <a:latin typeface="나눔스퀘어라운드 Regular" panose="020B0600000101010101" pitchFamily="50" charset="-127"/>
-                <a:ea typeface="나눔스퀘어라운드 Regular" panose="020B0600000101010101" pitchFamily="50" charset="-127"/>
-              </a:rPr>
-              <a:t> 코드를 검증한다면 악성코드의 </a:t>
-            </a:r>
-            <a:r>
-              <a:rPr lang="en-US" altLang="ko-KR" sz="1400" spc="-30" dirty="0">
-                <a:latin typeface="나눔스퀘어라운드 Regular" panose="020B0600000101010101" pitchFamily="50" charset="-127"/>
-                <a:ea typeface="나눔스퀘어라운드 Regular" panose="020B0600000101010101" pitchFamily="50" charset="-127"/>
-              </a:rPr>
-              <a:t>SMC</a:t>
-            </a:r>
-            <a:r>
-              <a:rPr lang="ko-KR" altLang="en-US" sz="1400" spc="-30" dirty="0">
-                <a:latin typeface="나눔스퀘어라운드 Regular" panose="020B0600000101010101" pitchFamily="50" charset="-127"/>
-                <a:ea typeface="나눔스퀘어라운드 Regular" panose="020B0600000101010101" pitchFamily="50" charset="-127"/>
-              </a:rPr>
-              <a:t>명령어를 통한 공격을 방지가능</a:t>
+              <a:t>영역을 직접 사용하는 것이 아니라 필요한 영역을 동기화해서 사용한다</a:t>
             </a:r>
             <a:r>
               <a:rPr lang="en-US" altLang="ko-KR" sz="1400" spc="-30" dirty="0">
@@ -5389,10 +5316,10 @@
       </p:sp>
       <p:pic>
         <p:nvPicPr>
-          <p:cNvPr id="3" name="그림 2">
-            <a:extLst>
-              <a:ext uri="{FF2B5EF4-FFF2-40B4-BE49-F238E27FC236}">
-                <a16:creationId xmlns:a16="http://schemas.microsoft.com/office/drawing/2014/main" id="{DCED6CF5-0BF9-4E56-AFB3-F8EA34E55AA8}"/>
+          <p:cNvPr id="4" name="그림 3">
+            <a:extLst>
+              <a:ext uri="{FF2B5EF4-FFF2-40B4-BE49-F238E27FC236}">
+                <a16:creationId xmlns:a16="http://schemas.microsoft.com/office/drawing/2014/main" id="{7DCA853F-6182-4E24-8F42-BA9F90CD2964}"/>
               </a:ext>
             </a:extLst>
           </p:cNvPr>
@@ -5402,7 +5329,13 @@
           <p:nvPr/>
         </p:nvPicPr>
         <p:blipFill>
-          <a:blip r:embed="rId4"/>
+          <a:blip r:embed="rId4">
+            <a:extLst>
+              <a:ext uri="{28A0092B-C50C-407E-A947-70E740481C1C}">
+                <a14:useLocalDpi xmlns:a14="http://schemas.microsoft.com/office/drawing/2010/main" val="0"/>
+              </a:ext>
+            </a:extLst>
+          </a:blip>
           <a:stretch>
             <a:fillRect/>
           </a:stretch>
@@ -5410,7 +5343,7 @@
         <p:spPr>
           <a:xfrm>
             <a:off x="704571" y="2088910"/>
-            <a:ext cx="4038950" cy="2453853"/>
+            <a:ext cx="4191585" cy="3286584"/>
           </a:xfrm>
           <a:prstGeom prst="rect">
             <a:avLst/>
@@ -5420,7 +5353,7 @@
     </p:spTree>
     <p:extLst>
       <p:ext uri="{BB962C8B-B14F-4D97-AF65-F5344CB8AC3E}">
-        <p14:creationId xmlns:p14="http://schemas.microsoft.com/office/powerpoint/2010/main" val="857327136"/>
+        <p14:creationId xmlns:p14="http://schemas.microsoft.com/office/powerpoint/2010/main" val="804668357"/>
       </p:ext>
     </p:extLst>
   </p:cSld>
@@ -5611,12 +5544,48 @@
           </a:prstGeom>
         </p:spPr>
       </p:pic>
+      <p:pic>
+        <p:nvPicPr>
+          <p:cNvPr id="4" name="그림 3">
+            <a:extLst>
+              <a:ext uri="{FF2B5EF4-FFF2-40B4-BE49-F238E27FC236}">
+                <a16:creationId xmlns:a16="http://schemas.microsoft.com/office/drawing/2014/main" id="{7DCA853F-6182-4E24-8F42-BA9F90CD2964}"/>
+              </a:ext>
+            </a:extLst>
+          </p:cNvPr>
+          <p:cNvPicPr>
+            <a:picLocks noChangeAspect="1"/>
+          </p:cNvPicPr>
+          <p:nvPr/>
+        </p:nvPicPr>
+        <p:blipFill>
+          <a:blip r:embed="rId4">
+            <a:extLst>
+              <a:ext uri="{28A0092B-C50C-407E-A947-70E740481C1C}">
+                <a14:useLocalDpi xmlns:a14="http://schemas.microsoft.com/office/drawing/2010/main" val="0"/>
+              </a:ext>
+            </a:extLst>
+          </a:blip>
+          <a:stretch>
+            <a:fillRect/>
+          </a:stretch>
+        </p:blipFill>
+        <p:spPr>
+          <a:xfrm>
+            <a:off x="704571" y="2088910"/>
+            <a:ext cx="4191585" cy="3286584"/>
+          </a:xfrm>
+          <a:prstGeom prst="rect">
+            <a:avLst/>
+          </a:prstGeom>
+        </p:spPr>
+      </p:pic>
       <p:sp>
         <p:nvSpPr>
-          <p:cNvPr id="8" name="TextBox 7">
-            <a:extLst>
-              <a:ext uri="{FF2B5EF4-FFF2-40B4-BE49-F238E27FC236}">
-                <a16:creationId xmlns:a16="http://schemas.microsoft.com/office/drawing/2014/main" id="{6F0EB811-7544-413C-BA26-BF97AB7E32A6}"/>
+          <p:cNvPr id="11" name="TextBox 10">
+            <a:extLst>
+              <a:ext uri="{FF2B5EF4-FFF2-40B4-BE49-F238E27FC236}">
+                <a16:creationId xmlns:a16="http://schemas.microsoft.com/office/drawing/2014/main" id="{3910CF0A-4592-4795-AB55-58A2BB6B7317}"/>
               </a:ext>
             </a:extLst>
           </p:cNvPr>
@@ -5625,7 +5594,7 @@
         </p:nvSpPr>
         <p:spPr>
           <a:xfrm>
-            <a:off x="5166889" y="2092036"/>
+            <a:off x="5287343" y="2088910"/>
             <a:ext cx="6373178" cy="1353897"/>
           </a:xfrm>
           <a:prstGeom prst="rect">
@@ -5740,42 +5709,28 @@
                 <a:latin typeface="나눔스퀘어라운드 Regular" panose="020B0600000101010101" pitchFamily="50" charset="-127"/>
                 <a:ea typeface="나눔스퀘어라운드 Regular" panose="020B0600000101010101" pitchFamily="50" charset="-127"/>
               </a:rPr>
-              <a:t>. </a:t>
+              <a:t>. REE</a:t>
             </a:r>
             <a:r>
               <a:rPr lang="ko-KR" altLang="en-US" sz="1400" spc="-30" dirty="0">
                 <a:latin typeface="나눔스퀘어라운드 Regular" panose="020B0600000101010101" pitchFamily="50" charset="-127"/>
                 <a:ea typeface="나눔스퀘어라운드 Regular" panose="020B0600000101010101" pitchFamily="50" charset="-127"/>
               </a:rPr>
-              <a:t>특히</a:t>
+              <a:t>와 </a:t>
             </a:r>
             <a:r>
               <a:rPr lang="en-US" altLang="ko-KR" sz="1400" spc="-30" dirty="0">
                 <a:latin typeface="나눔스퀘어라운드 Regular" panose="020B0600000101010101" pitchFamily="50" charset="-127"/>
                 <a:ea typeface="나눔스퀘어라운드 Regular" panose="020B0600000101010101" pitchFamily="50" charset="-127"/>
               </a:rPr>
-              <a:t>, REE</a:t>
+              <a:t>TEE</a:t>
             </a:r>
             <a:r>
               <a:rPr lang="ko-KR" altLang="en-US" sz="1400" spc="-30" dirty="0">
                 <a:latin typeface="나눔스퀘어라운드 Regular" panose="020B0600000101010101" pitchFamily="50" charset="-127"/>
                 <a:ea typeface="나눔스퀘어라운드 Regular" panose="020B0600000101010101" pitchFamily="50" charset="-127"/>
               </a:rPr>
-              <a:t>와 </a:t>
-            </a:r>
-            <a:r>
-              <a:rPr lang="en-US" altLang="ko-KR" sz="1400" spc="-30" dirty="0">
-                <a:latin typeface="나눔스퀘어라운드 Regular" panose="020B0600000101010101" pitchFamily="50" charset="-127"/>
-                <a:ea typeface="나눔스퀘어라운드 Regular" panose="020B0600000101010101" pitchFamily="50" charset="-127"/>
-              </a:rPr>
-              <a:t>TEE</a:t>
-            </a:r>
-            <a:r>
-              <a:rPr lang="ko-KR" altLang="en-US" sz="1400" spc="-30" dirty="0">
-                <a:latin typeface="나눔스퀘어라운드 Regular" panose="020B0600000101010101" pitchFamily="50" charset="-127"/>
-                <a:ea typeface="나눔스퀘어라운드 Regular" panose="020B0600000101010101" pitchFamily="50" charset="-127"/>
-              </a:rPr>
-              <a:t>간 통신의 경우 </a:t>
+              <a:t> 사이의 통신은 </a:t>
             </a:r>
             <a:r>
               <a:rPr lang="en-US" altLang="ko-KR" sz="1400" spc="-30" dirty="0">
@@ -5829,59 +5784,12 @@
           </a:p>
         </p:txBody>
       </p:sp>
-      <p:pic>
-        <p:nvPicPr>
-          <p:cNvPr id="4098" name="Picture 2">
-            <a:extLst>
-              <a:ext uri="{FF2B5EF4-FFF2-40B4-BE49-F238E27FC236}">
-                <a16:creationId xmlns:a16="http://schemas.microsoft.com/office/drawing/2014/main" id="{941743BD-3B10-4E52-8BAF-3DAA343AF8E8}"/>
-              </a:ext>
-            </a:extLst>
-          </p:cNvPr>
-          <p:cNvPicPr>
-            <a:picLocks noChangeAspect="1" noChangeArrowheads="1"/>
-          </p:cNvPicPr>
-          <p:nvPr/>
-        </p:nvPicPr>
-        <p:blipFill>
-          <a:blip r:embed="rId4">
-            <a:extLst>
-              <a:ext uri="{28A0092B-C50C-407E-A947-70E740481C1C}">
-                <a14:useLocalDpi xmlns:a14="http://schemas.microsoft.com/office/drawing/2010/main" val="0"/>
-              </a:ext>
-            </a:extLst>
-          </a:blip>
-          <a:srcRect/>
-          <a:stretch>
-            <a:fillRect/>
-          </a:stretch>
-        </p:blipFill>
-        <p:spPr bwMode="auto">
-          <a:xfrm>
-            <a:off x="838200" y="1931988"/>
-            <a:ext cx="3810000" cy="2790825"/>
-          </a:xfrm>
-          <a:prstGeom prst="rect">
-            <a:avLst/>
-          </a:prstGeom>
-          <a:noFill/>
-          <a:extLst>
-            <a:ext uri="{909E8E84-426E-40DD-AFC4-6F175D3DCCD1}">
-              <a14:hiddenFill xmlns:a14="http://schemas.microsoft.com/office/drawing/2010/main">
-                <a:solidFill>
-                  <a:srgbClr val="FFFFFF"/>
-                </a:solidFill>
-              </a14:hiddenFill>
-            </a:ext>
-          </a:extLst>
-        </p:spPr>
-      </p:pic>
       <p:sp>
         <p:nvSpPr>
-          <p:cNvPr id="9" name="TextBox 8">
-            <a:extLst>
-              <a:ext uri="{FF2B5EF4-FFF2-40B4-BE49-F238E27FC236}">
-                <a16:creationId xmlns:a16="http://schemas.microsoft.com/office/drawing/2014/main" id="{A9F9AD2E-A1C8-432B-8985-1FE3B8E8E2E3}"/>
+          <p:cNvPr id="13" name="TextBox 12">
+            <a:extLst>
+              <a:ext uri="{FF2B5EF4-FFF2-40B4-BE49-F238E27FC236}">
+                <a16:creationId xmlns:a16="http://schemas.microsoft.com/office/drawing/2014/main" id="{04B7FE09-ECC7-46F1-A127-9520702690FE}"/>
               </a:ext>
             </a:extLst>
           </p:cNvPr>
@@ -5933,7 +5841,7 @@
     </p:spTree>
     <p:extLst>
       <p:ext uri="{BB962C8B-B14F-4D97-AF65-F5344CB8AC3E}">
-        <p14:creationId xmlns:p14="http://schemas.microsoft.com/office/powerpoint/2010/main" val="2980825851"/>
+        <p14:creationId xmlns:p14="http://schemas.microsoft.com/office/powerpoint/2010/main" val="2150032653"/>
       </p:ext>
     </p:extLst>
   </p:cSld>
@@ -6098,7 +6006,7 @@
         <p:spPr>
           <a:xfrm>
             <a:off x="3104754" y="1817116"/>
-            <a:ext cx="7653159" cy="1030731"/>
+            <a:ext cx="7653159" cy="2646558"/>
           </a:xfrm>
           <a:prstGeom prst="rect">
             <a:avLst/>
@@ -6118,16 +6026,47 @@
               <a:buAutoNum type="arabicPeriod"/>
             </a:pPr>
             <a:r>
-              <a:rPr lang="en-US" altLang="ko-KR" sz="1400" spc="-30" dirty="0" err="1">
-                <a:latin typeface="나눔스퀘어라운드 Regular" panose="020B0600000101010101" pitchFamily="50" charset="-127"/>
-                <a:ea typeface="나눔스퀘어라운드 Regular" panose="020B0600000101010101" pitchFamily="50" charset="-127"/>
-              </a:rPr>
-              <a:t>Taintdroid</a:t>
-            </a:r>
-            <a:endParaRPr lang="en-US" altLang="ko-KR" sz="1400" spc="-30" dirty="0">
-              <a:latin typeface="나눔스퀘어라운드 Regular" panose="020B0600000101010101" pitchFamily="50" charset="-127"/>
-              <a:ea typeface="나눔스퀘어라운드 Regular" panose="020B0600000101010101" pitchFamily="50" charset="-127"/>
-            </a:endParaRPr>
+              <a:rPr lang="ko-KR" altLang="en-US" sz="1400" spc="-30" dirty="0">
+                <a:latin typeface="나눔스퀘어라운드 Regular" panose="020B0600000101010101" pitchFamily="50" charset="-127"/>
+                <a:ea typeface="나눔스퀘어라운드 Regular" panose="020B0600000101010101" pitchFamily="50" charset="-127"/>
+              </a:rPr>
+              <a:t>삼성에서 제공하는 서비스인 </a:t>
+            </a:r>
+            <a:r>
+              <a:rPr lang="en-US" altLang="ko-KR" sz="1400" spc="-30" dirty="0">
+                <a:latin typeface="나눔스퀘어라운드 Regular" panose="020B0600000101010101" pitchFamily="50" charset="-127"/>
+                <a:ea typeface="나눔스퀘어라운드 Regular" panose="020B0600000101010101" pitchFamily="50" charset="-127"/>
+              </a:rPr>
+              <a:t>Knox</a:t>
+            </a:r>
+            <a:r>
+              <a:rPr lang="ko-KR" altLang="en-US" sz="1400" spc="-30" dirty="0">
+                <a:latin typeface="나눔스퀘어라운드 Regular" panose="020B0600000101010101" pitchFamily="50" charset="-127"/>
+                <a:ea typeface="나눔스퀘어라운드 Regular" panose="020B0600000101010101" pitchFamily="50" charset="-127"/>
+              </a:rPr>
+              <a:t>는 갤럭시 시리즈 스마트폰에 적용되며 지문 및 홍채와 같은 바이오 정보</a:t>
+            </a:r>
+            <a:r>
+              <a:rPr lang="en-US" altLang="ko-KR" sz="1400" spc="-30" dirty="0">
+                <a:latin typeface="나눔스퀘어라운드 Regular" panose="020B0600000101010101" pitchFamily="50" charset="-127"/>
+                <a:ea typeface="나눔스퀘어라운드 Regular" panose="020B0600000101010101" pitchFamily="50" charset="-127"/>
+              </a:rPr>
+              <a:t>, </a:t>
+            </a:r>
+            <a:r>
+              <a:rPr lang="ko-KR" altLang="en-US" sz="1400" spc="-30" dirty="0">
+                <a:latin typeface="나눔스퀘어라운드 Regular" panose="020B0600000101010101" pitchFamily="50" charset="-127"/>
+                <a:ea typeface="나눔스퀘어라운드 Regular" panose="020B0600000101010101" pitchFamily="50" charset="-127"/>
+              </a:rPr>
+              <a:t>결제 및 거래 데이터 보호에 사용된다</a:t>
+            </a:r>
+            <a:r>
+              <a:rPr lang="en-US" altLang="ko-KR" sz="1400" spc="-30" dirty="0">
+                <a:latin typeface="나눔스퀘어라운드 Regular" panose="020B0600000101010101" pitchFamily="50" charset="-127"/>
+                <a:ea typeface="나눔스퀘어라운드 Regular" panose="020B0600000101010101" pitchFamily="50" charset="-127"/>
+              </a:rPr>
+              <a:t>.</a:t>
+            </a:r>
           </a:p>
           <a:p>
             <a:pPr marL="342900" indent="-342900">
@@ -6136,20 +6075,10 @@
               </a:lnSpc>
               <a:buAutoNum type="arabicPeriod"/>
             </a:pPr>
-            <a:r>
-              <a:rPr lang="ko-KR" altLang="en-US" sz="1400" spc="-30" dirty="0">
-                <a:latin typeface="나눔스퀘어라운드 Regular" panose="020B0600000101010101" pitchFamily="50" charset="-127"/>
-                <a:ea typeface="나눔스퀘어라운드 Regular" panose="020B0600000101010101" pitchFamily="50" charset="-127"/>
-              </a:rPr>
-              <a:t>삼성에서 제공하는 서비스인 </a:t>
-            </a:r>
-            <a:r>
-              <a:rPr lang="en-US" altLang="ko-KR" sz="1400" spc="-30" dirty="0">
-                <a:latin typeface="나눔스퀘어라운드 Regular" panose="020B0600000101010101" pitchFamily="50" charset="-127"/>
-                <a:ea typeface="나눔스퀘어라운드 Regular" panose="020B0600000101010101" pitchFamily="50" charset="-127"/>
-              </a:rPr>
-              <a:t>Knox</a:t>
-            </a:r>
+            <a:endParaRPr lang="en-US" altLang="ko-KR" sz="1400" spc="-30" dirty="0">
+              <a:latin typeface="나눔스퀘어라운드 Regular" panose="020B0600000101010101" pitchFamily="50" charset="-127"/>
+              <a:ea typeface="나눔스퀘어라운드 Regular" panose="020B0600000101010101" pitchFamily="50" charset="-127"/>
+            </a:endParaRPr>
           </a:p>
           <a:p>
             <a:pPr marL="342900" indent="-342900">
@@ -6163,12 +6092,143 @@
                 <a:latin typeface="나눔스퀘어라운드 Regular" panose="020B0600000101010101" pitchFamily="50" charset="-127"/>
                 <a:ea typeface="나눔스퀘어라운드 Regular" panose="020B0600000101010101" pitchFamily="50" charset="-127"/>
               </a:rPr>
-              <a:t>인터넷뱅킹</a:t>
+              <a:t>공인인증서 등 중요한 데이터의 저장 공간으로도 활용</a:t>
             </a:r>
             <a:endParaRPr lang="en-US" altLang="ko-KR" sz="1400" spc="-30" dirty="0">
               <a:latin typeface="나눔스퀘어라운드 Regular" panose="020B0600000101010101" pitchFamily="50" charset="-127"/>
               <a:ea typeface="나눔스퀘어라운드 Regular" panose="020B0600000101010101" pitchFamily="50" charset="-127"/>
             </a:endParaRPr>
+          </a:p>
+          <a:p>
+            <a:pPr marL="342900" indent="-342900">
+              <a:lnSpc>
+                <a:spcPct val="150000"/>
+              </a:lnSpc>
+              <a:buAutoNum type="arabicPeriod"/>
+            </a:pPr>
+            <a:endParaRPr lang="en-US" altLang="ko-KR" sz="1400" spc="-30" dirty="0">
+              <a:latin typeface="나눔스퀘어라운드 Regular" panose="020B0600000101010101" pitchFamily="50" charset="-127"/>
+              <a:ea typeface="나눔스퀘어라운드 Regular" panose="020B0600000101010101" pitchFamily="50" charset="-127"/>
+            </a:endParaRPr>
+          </a:p>
+          <a:p>
+            <a:pPr marL="342900" indent="-342900">
+              <a:lnSpc>
+                <a:spcPct val="150000"/>
+              </a:lnSpc>
+              <a:buAutoNum type="arabicPeriod"/>
+            </a:pPr>
+            <a:r>
+              <a:rPr lang="en-US" altLang="ko-KR" sz="1400" spc="-30" dirty="0">
+                <a:latin typeface="나눔스퀘어라운드 Regular" panose="020B0600000101010101" pitchFamily="50" charset="-127"/>
+                <a:ea typeface="나눔스퀘어라운드 Regular" panose="020B0600000101010101" pitchFamily="50" charset="-127"/>
+              </a:rPr>
+              <a:t>Trusted User Interface</a:t>
+            </a:r>
+            <a:r>
+              <a:rPr lang="ko-KR" altLang="en-US" sz="1400" spc="-30" dirty="0">
+                <a:latin typeface="나눔스퀘어라운드 Regular" panose="020B0600000101010101" pitchFamily="50" charset="-127"/>
+                <a:ea typeface="나눔스퀘어라운드 Regular" panose="020B0600000101010101" pitchFamily="50" charset="-127"/>
+              </a:rPr>
+              <a:t>를 통해 결제 </a:t>
+            </a:r>
+            <a:r>
+              <a:rPr lang="en-US" altLang="ko-KR" sz="1400" spc="-30" dirty="0">
+                <a:latin typeface="나눔스퀘어라운드 Regular" panose="020B0600000101010101" pitchFamily="50" charset="-127"/>
+                <a:ea typeface="나눔스퀘어라운드 Regular" panose="020B0600000101010101" pitchFamily="50" charset="-127"/>
+              </a:rPr>
+              <a:t>message</a:t>
+            </a:r>
+            <a:r>
+              <a:rPr lang="ko-KR" altLang="en-US" sz="1400" spc="-30" dirty="0">
+                <a:latin typeface="나눔스퀘어라운드 Regular" panose="020B0600000101010101" pitchFamily="50" charset="-127"/>
+                <a:ea typeface="나눔스퀘어라운드 Regular" panose="020B0600000101010101" pitchFamily="50" charset="-127"/>
+              </a:rPr>
+              <a:t>를 안전하게 </a:t>
+            </a:r>
+            <a:r>
+              <a:rPr lang="en-US" altLang="ko-KR" sz="1400" spc="-30" dirty="0">
+                <a:latin typeface="나눔스퀘어라운드 Regular" panose="020B0600000101010101" pitchFamily="50" charset="-127"/>
+                <a:ea typeface="나눔스퀘어라운드 Regular" panose="020B0600000101010101" pitchFamily="50" charset="-127"/>
+              </a:rPr>
+              <a:t>display</a:t>
+            </a:r>
+            <a:r>
+              <a:rPr lang="ko-KR" altLang="en-US" sz="1400" spc="-30" dirty="0">
+                <a:latin typeface="나눔스퀘어라운드 Regular" panose="020B0600000101010101" pitchFamily="50" charset="-127"/>
+                <a:ea typeface="나눔스퀘어라운드 Regular" panose="020B0600000101010101" pitchFamily="50" charset="-127"/>
+              </a:rPr>
+              <a:t>할 수 있다</a:t>
+            </a:r>
+            <a:r>
+              <a:rPr lang="en-US" altLang="ko-KR" sz="1400" spc="-30" dirty="0">
+                <a:latin typeface="나눔스퀘어라운드 Regular" panose="020B0600000101010101" pitchFamily="50" charset="-127"/>
+                <a:ea typeface="나눔스퀘어라운드 Regular" panose="020B0600000101010101" pitchFamily="50" charset="-127"/>
+              </a:rPr>
+              <a:t>.</a:t>
+            </a:r>
+          </a:p>
+          <a:p>
+            <a:pPr marL="342900" indent="-342900">
+              <a:lnSpc>
+                <a:spcPct val="150000"/>
+              </a:lnSpc>
+              <a:buAutoNum type="arabicPeriod"/>
+            </a:pPr>
+            <a:endParaRPr lang="en-US" altLang="ko-KR" sz="1400" spc="-30" dirty="0">
+              <a:latin typeface="나눔스퀘어라운드 Regular" panose="020B0600000101010101" pitchFamily="50" charset="-127"/>
+              <a:ea typeface="나눔스퀘어라운드 Regular" panose="020B0600000101010101" pitchFamily="50" charset="-127"/>
+            </a:endParaRPr>
+          </a:p>
+          <a:p>
+            <a:pPr marL="342900" indent="-342900">
+              <a:lnSpc>
+                <a:spcPct val="150000"/>
+              </a:lnSpc>
+              <a:buAutoNum type="arabicPeriod"/>
+            </a:pPr>
+            <a:r>
+              <a:rPr lang="ko-KR" altLang="en-US" sz="1400" spc="-30" dirty="0">
+                <a:latin typeface="나눔스퀘어라운드 Regular" panose="020B0600000101010101" pitchFamily="50" charset="-127"/>
+                <a:ea typeface="나눔스퀘어라운드 Regular" panose="020B0600000101010101" pitchFamily="50" charset="-127"/>
+              </a:rPr>
+              <a:t>인터넷 뱅킹 비밀번호를 입력할 때 </a:t>
+            </a:r>
+            <a:r>
+              <a:rPr lang="en-US" altLang="ko-KR" sz="1400" spc="-30" dirty="0">
+                <a:latin typeface="나눔스퀘어라운드 Regular" panose="020B0600000101010101" pitchFamily="50" charset="-127"/>
+                <a:ea typeface="나눔스퀘어라운드 Regular" panose="020B0600000101010101" pitchFamily="50" charset="-127"/>
+              </a:rPr>
+              <a:t>TEE</a:t>
+            </a:r>
+            <a:r>
+              <a:rPr lang="ko-KR" altLang="en-US" sz="1400" spc="-30" dirty="0">
+                <a:latin typeface="나눔스퀘어라운드 Regular" panose="020B0600000101010101" pitchFamily="50" charset="-127"/>
+                <a:ea typeface="나눔스퀘어라운드 Regular" panose="020B0600000101010101" pitchFamily="50" charset="-127"/>
+              </a:rPr>
+              <a:t>가 직접 </a:t>
+            </a:r>
+            <a:r>
+              <a:rPr lang="en-US" altLang="ko-KR" sz="1400" spc="-30" dirty="0">
+                <a:latin typeface="나눔스퀘어라운드 Regular" panose="020B0600000101010101" pitchFamily="50" charset="-127"/>
+                <a:ea typeface="나눔스퀘어라운드 Regular" panose="020B0600000101010101" pitchFamily="50" charset="-127"/>
+              </a:rPr>
+              <a:t>touch screen input </a:t>
+            </a:r>
+            <a:r>
+              <a:rPr lang="ko-KR" altLang="en-US" sz="1400" spc="-30" dirty="0">
+                <a:latin typeface="나눔스퀘어라운드 Regular" panose="020B0600000101010101" pitchFamily="50" charset="-127"/>
+                <a:ea typeface="나눔스퀘어라운드 Regular" panose="020B0600000101010101" pitchFamily="50" charset="-127"/>
+              </a:rPr>
+              <a:t>정보를 처리한다</a:t>
+            </a:r>
+            <a:r>
+              <a:rPr lang="en-US" altLang="ko-KR" sz="1400" spc="-30" dirty="0">
+                <a:latin typeface="나눔스퀘어라운드 Regular" panose="020B0600000101010101" pitchFamily="50" charset="-127"/>
+                <a:ea typeface="나눔스퀘어라운드 Regular" panose="020B0600000101010101" pitchFamily="50" charset="-127"/>
+              </a:rPr>
+              <a:t>.</a:t>
+            </a:r>
           </a:p>
         </p:txBody>
       </p:sp>
@@ -6265,6 +6325,11 @@
             </a:pPr>
             <a:r>
               <a:rPr lang="en-US" altLang="ko-KR" sz="1600" spc="-50" dirty="0">
+                <a:solidFill>
+                  <a:schemeClr val="bg1">
+                    <a:lumMod val="85000"/>
+                  </a:schemeClr>
+                </a:solidFill>
                 <a:latin typeface="나눔스퀘어라운드 Regular" panose="020B0600000101010101" pitchFamily="50" charset="-127"/>
                 <a:ea typeface="나눔스퀘어라운드 Regular" panose="020B0600000101010101" pitchFamily="50" charset="-127"/>
               </a:rPr>
@@ -6272,6 +6337,11 @@
             </a:r>
             <a:r>
               <a:rPr lang="ko-KR" altLang="en-US" sz="1600" spc="-50" dirty="0">
+                <a:solidFill>
+                  <a:schemeClr val="bg1">
+                    <a:lumMod val="85000"/>
+                  </a:schemeClr>
+                </a:solidFill>
                 <a:latin typeface="나눔스퀘어라운드 Regular" panose="020B0600000101010101" pitchFamily="50" charset="-127"/>
                 <a:ea typeface="나눔스퀘어라운드 Regular" panose="020B0600000101010101" pitchFamily="50" charset="-127"/>
               </a:rPr>
@@ -6279,12 +6349,22 @@
             </a:r>
             <a:r>
               <a:rPr lang="en-US" altLang="ko-KR" sz="1600" spc="-50" dirty="0">
+                <a:solidFill>
+                  <a:schemeClr val="bg1">
+                    <a:lumMod val="85000"/>
+                  </a:schemeClr>
+                </a:solidFill>
                 <a:latin typeface="나눔스퀘어라운드 Regular" panose="020B0600000101010101" pitchFamily="50" charset="-127"/>
                 <a:ea typeface="나눔스퀘어라운드 Regular" panose="020B0600000101010101" pitchFamily="50" charset="-127"/>
               </a:rPr>
               <a:t>	</a:t>
             </a:r>
             <a:endParaRPr lang="en-US" altLang="ko-KR" sz="1200" spc="-50" dirty="0">
+              <a:solidFill>
+                <a:schemeClr val="bg1">
+                  <a:lumMod val="85000"/>
+                </a:schemeClr>
+              </a:solidFill>
               <a:latin typeface="나눔스퀘어라운드 Regular" panose="020B0600000101010101" pitchFamily="50" charset="-127"/>
               <a:ea typeface="나눔스퀘어라운드 Regular" panose="020B0600000101010101" pitchFamily="50" charset="-127"/>
             </a:endParaRPr>
@@ -6297,6 +6377,11 @@
             </a:pPr>
             <a:r>
               <a:rPr lang="en-US" altLang="ko-KR" sz="1600" spc="-50" dirty="0">
+                <a:solidFill>
+                  <a:schemeClr val="bg1">
+                    <a:lumMod val="85000"/>
+                  </a:schemeClr>
+                </a:solidFill>
                 <a:latin typeface="나눔스퀘어라운드 Regular" panose="020B0600000101010101" pitchFamily="50" charset="-127"/>
                 <a:ea typeface="나눔스퀘어라운드 Regular" panose="020B0600000101010101" pitchFamily="50" charset="-127"/>
               </a:rPr>
@@ -6304,6 +6389,11 @@
             </a:r>
             <a:r>
               <a:rPr lang="ko-KR" altLang="en-US" sz="1600" spc="-50" dirty="0">
+                <a:solidFill>
+                  <a:schemeClr val="bg1">
+                    <a:lumMod val="85000"/>
+                  </a:schemeClr>
+                </a:solidFill>
                 <a:latin typeface="나눔스퀘어라운드 Regular" panose="020B0600000101010101" pitchFamily="50" charset="-127"/>
                 <a:ea typeface="나눔스퀘어라운드 Regular" panose="020B0600000101010101" pitchFamily="50" charset="-127"/>
               </a:rPr>
@@ -6311,6 +6401,11 @@
             </a:r>
             <a:r>
               <a:rPr lang="en-US" altLang="ko-KR" sz="1600" spc="-50" dirty="0">
+                <a:solidFill>
+                  <a:schemeClr val="bg1">
+                    <a:lumMod val="85000"/>
+                  </a:schemeClr>
+                </a:solidFill>
                 <a:latin typeface="나눔스퀘어라운드 Regular" panose="020B0600000101010101" pitchFamily="50" charset="-127"/>
                 <a:ea typeface="나눔스퀘어라운드 Regular" panose="020B0600000101010101" pitchFamily="50" charset="-127"/>
               </a:rPr>
@@ -6350,6 +6445,11 @@
             </a:pPr>
             <a:r>
               <a:rPr lang="en-US" altLang="ko-KR" sz="1600" spc="-50" dirty="0">
+                <a:solidFill>
+                  <a:schemeClr val="bg1">
+                    <a:lumMod val="85000"/>
+                  </a:schemeClr>
+                </a:solidFill>
                 <a:latin typeface="나눔스퀘어라운드 Regular" panose="020B0600000101010101" pitchFamily="50" charset="-127"/>
                 <a:ea typeface="나눔스퀘어라운드 Regular" panose="020B0600000101010101" pitchFamily="50" charset="-127"/>
               </a:rPr>
@@ -6357,12 +6457,22 @@
             </a:r>
             <a:r>
               <a:rPr lang="ko-KR" altLang="en-US" sz="1600" spc="-50" dirty="0">
+                <a:solidFill>
+                  <a:schemeClr val="bg1">
+                    <a:lumMod val="85000"/>
+                  </a:schemeClr>
+                </a:solidFill>
                 <a:latin typeface="나눔스퀘어라운드 Regular" panose="020B0600000101010101" pitchFamily="50" charset="-127"/>
                 <a:ea typeface="나눔스퀘어라운드 Regular" panose="020B0600000101010101" pitchFamily="50" charset="-127"/>
               </a:rPr>
               <a:t>에 적용</a:t>
             </a:r>
             <a:endParaRPr lang="en-US" altLang="ko-KR" sz="1600" spc="-50" dirty="0">
+              <a:solidFill>
+                <a:schemeClr val="bg1">
+                  <a:lumMod val="85000"/>
+                </a:schemeClr>
+              </a:solidFill>
               <a:latin typeface="나눔스퀘어라운드 Regular" panose="020B0600000101010101" pitchFamily="50" charset="-127"/>
               <a:ea typeface="나눔스퀘어라운드 Regular" panose="020B0600000101010101" pitchFamily="50" charset="-127"/>
             </a:endParaRPr>
@@ -6988,6 +7098,11 @@
             </a:pPr>
             <a:r>
               <a:rPr lang="en-US" altLang="ko-KR" sz="1600" spc="-50" dirty="0">
+                <a:solidFill>
+                  <a:schemeClr val="bg1">
+                    <a:lumMod val="85000"/>
+                  </a:schemeClr>
+                </a:solidFill>
                 <a:latin typeface="나눔스퀘어라운드 Regular" panose="020B0600000101010101" pitchFamily="50" charset="-127"/>
                 <a:ea typeface="나눔스퀘어라운드 Regular" panose="020B0600000101010101" pitchFamily="50" charset="-127"/>
               </a:rPr>
@@ -6995,6 +7110,11 @@
             </a:r>
             <a:r>
               <a:rPr lang="ko-KR" altLang="en-US" sz="1600" spc="-50" dirty="0">
+                <a:solidFill>
+                  <a:schemeClr val="bg1">
+                    <a:lumMod val="85000"/>
+                  </a:schemeClr>
+                </a:solidFill>
                 <a:latin typeface="나눔스퀘어라운드 Regular" panose="020B0600000101010101" pitchFamily="50" charset="-127"/>
                 <a:ea typeface="나눔스퀘어라운드 Regular" panose="020B0600000101010101" pitchFamily="50" charset="-127"/>
               </a:rPr>
@@ -7002,12 +7122,22 @@
             </a:r>
             <a:r>
               <a:rPr lang="en-US" altLang="ko-KR" sz="1600" spc="-50" dirty="0">
+                <a:solidFill>
+                  <a:schemeClr val="bg1">
+                    <a:lumMod val="85000"/>
+                  </a:schemeClr>
+                </a:solidFill>
                 <a:latin typeface="나눔스퀘어라운드 Regular" panose="020B0600000101010101" pitchFamily="50" charset="-127"/>
                 <a:ea typeface="나눔스퀘어라운드 Regular" panose="020B0600000101010101" pitchFamily="50" charset="-127"/>
               </a:rPr>
               <a:t>	</a:t>
             </a:r>
             <a:endParaRPr lang="en-US" altLang="ko-KR" sz="1200" spc="-50" dirty="0">
+              <a:solidFill>
+                <a:schemeClr val="bg1">
+                  <a:lumMod val="85000"/>
+                </a:schemeClr>
+              </a:solidFill>
               <a:latin typeface="나눔스퀘어라운드 Regular" panose="020B0600000101010101" pitchFamily="50" charset="-127"/>
               <a:ea typeface="나눔스퀘어라운드 Regular" panose="020B0600000101010101" pitchFamily="50" charset="-127"/>
             </a:endParaRPr>
@@ -7020,6 +7150,11 @@
             </a:pPr>
             <a:r>
               <a:rPr lang="en-US" altLang="ko-KR" sz="1600" spc="-50" dirty="0">
+                <a:solidFill>
+                  <a:schemeClr val="bg1">
+                    <a:lumMod val="85000"/>
+                  </a:schemeClr>
+                </a:solidFill>
                 <a:latin typeface="나눔스퀘어라운드 Regular" panose="020B0600000101010101" pitchFamily="50" charset="-127"/>
                 <a:ea typeface="나눔스퀘어라운드 Regular" panose="020B0600000101010101" pitchFamily="50" charset="-127"/>
               </a:rPr>
@@ -7027,6 +7162,11 @@
             </a:r>
             <a:r>
               <a:rPr lang="ko-KR" altLang="en-US" sz="1600" spc="-50" dirty="0">
+                <a:solidFill>
+                  <a:schemeClr val="bg1">
+                    <a:lumMod val="85000"/>
+                  </a:schemeClr>
+                </a:solidFill>
                 <a:latin typeface="나눔스퀘어라운드 Regular" panose="020B0600000101010101" pitchFamily="50" charset="-127"/>
                 <a:ea typeface="나눔스퀘어라운드 Regular" panose="020B0600000101010101" pitchFamily="50" charset="-127"/>
               </a:rPr>
@@ -7034,6 +7174,11 @@
             </a:r>
             <a:r>
               <a:rPr lang="en-US" altLang="ko-KR" sz="1600" spc="-50" dirty="0">
+                <a:solidFill>
+                  <a:schemeClr val="bg1">
+                    <a:lumMod val="85000"/>
+                  </a:schemeClr>
+                </a:solidFill>
                 <a:latin typeface="나눔스퀘어라운드 Regular" panose="020B0600000101010101" pitchFamily="50" charset="-127"/>
                 <a:ea typeface="나눔스퀘어라운드 Regular" panose="020B0600000101010101" pitchFamily="50" charset="-127"/>
               </a:rPr>
@@ -7048,6 +7193,11 @@
             </a:pPr>
             <a:r>
               <a:rPr lang="en-US" altLang="ko-KR" sz="1600" spc="-50" dirty="0">
+                <a:solidFill>
+                  <a:schemeClr val="bg1">
+                    <a:lumMod val="85000"/>
+                  </a:schemeClr>
+                </a:solidFill>
                 <a:latin typeface="나눔스퀘어라운드 Regular" panose="020B0600000101010101" pitchFamily="50" charset="-127"/>
                 <a:ea typeface="나눔스퀘어라운드 Regular" panose="020B0600000101010101" pitchFamily="50" charset="-127"/>
               </a:rPr>
@@ -7055,12 +7205,22 @@
             </a:r>
             <a:r>
               <a:rPr lang="ko-KR" altLang="en-US" sz="1600" spc="-50" dirty="0">
+                <a:solidFill>
+                  <a:schemeClr val="bg1">
+                    <a:lumMod val="85000"/>
+                  </a:schemeClr>
+                </a:solidFill>
                 <a:latin typeface="나눔스퀘어라운드 Regular" panose="020B0600000101010101" pitchFamily="50" charset="-127"/>
                 <a:ea typeface="나눔스퀘어라운드 Regular" panose="020B0600000101010101" pitchFamily="50" charset="-127"/>
               </a:rPr>
               <a:t>활용 예</a:t>
             </a:r>
             <a:endParaRPr lang="en-US" altLang="ko-KR" sz="1600" spc="-50" dirty="0">
+              <a:solidFill>
+                <a:schemeClr val="bg1">
+                  <a:lumMod val="85000"/>
+                </a:schemeClr>
+              </a:solidFill>
               <a:latin typeface="나눔스퀘어라운드 Regular" panose="020B0600000101010101" pitchFamily="50" charset="-127"/>
               <a:ea typeface="나눔스퀘어라운드 Regular" panose="020B0600000101010101" pitchFamily="50" charset="-127"/>
             </a:endParaRPr>
@@ -8876,6 +9036,11 @@
             </a:pPr>
             <a:r>
               <a:rPr lang="en-US" altLang="ko-KR" sz="1600" spc="-50" dirty="0">
+                <a:solidFill>
+                  <a:schemeClr val="bg1">
+                    <a:lumMod val="85000"/>
+                  </a:schemeClr>
+                </a:solidFill>
                 <a:latin typeface="나눔스퀘어라운드 Regular" panose="020B0600000101010101" pitchFamily="50" charset="-127"/>
                 <a:ea typeface="나눔스퀘어라운드 Regular" panose="020B0600000101010101" pitchFamily="50" charset="-127"/>
               </a:rPr>
@@ -8883,6 +9048,11 @@
             </a:r>
             <a:r>
               <a:rPr lang="ko-KR" altLang="en-US" sz="1600" spc="-50" dirty="0">
+                <a:solidFill>
+                  <a:schemeClr val="bg1">
+                    <a:lumMod val="85000"/>
+                  </a:schemeClr>
+                </a:solidFill>
                 <a:latin typeface="나눔스퀘어라운드 Regular" panose="020B0600000101010101" pitchFamily="50" charset="-127"/>
                 <a:ea typeface="나눔스퀘어라운드 Regular" panose="020B0600000101010101" pitchFamily="50" charset="-127"/>
               </a:rPr>
@@ -8890,6 +9060,11 @@
             </a:r>
             <a:r>
               <a:rPr lang="en-US" altLang="ko-KR" sz="1600" spc="-50" dirty="0">
+                <a:solidFill>
+                  <a:schemeClr val="bg1">
+                    <a:lumMod val="85000"/>
+                  </a:schemeClr>
+                </a:solidFill>
                 <a:latin typeface="나눔스퀘어라운드 Regular" panose="020B0600000101010101" pitchFamily="50" charset="-127"/>
                 <a:ea typeface="나눔스퀘어라운드 Regular" panose="020B0600000101010101" pitchFamily="50" charset="-127"/>
               </a:rPr>
@@ -8904,6 +9079,11 @@
             </a:pPr>
             <a:r>
               <a:rPr lang="en-US" altLang="ko-KR" sz="1600" spc="-50" dirty="0">
+                <a:solidFill>
+                  <a:schemeClr val="bg1">
+                    <a:lumMod val="85000"/>
+                  </a:schemeClr>
+                </a:solidFill>
                 <a:latin typeface="나눔스퀘어라운드 Regular" panose="020B0600000101010101" pitchFamily="50" charset="-127"/>
                 <a:ea typeface="나눔스퀘어라운드 Regular" panose="020B0600000101010101" pitchFamily="50" charset="-127"/>
               </a:rPr>
@@ -8911,12 +9091,22 @@
             </a:r>
             <a:r>
               <a:rPr lang="ko-KR" altLang="en-US" sz="1600" spc="-50" dirty="0">
+                <a:solidFill>
+                  <a:schemeClr val="bg1">
+                    <a:lumMod val="85000"/>
+                  </a:schemeClr>
+                </a:solidFill>
                 <a:latin typeface="나눔스퀘어라운드 Regular" panose="020B0600000101010101" pitchFamily="50" charset="-127"/>
                 <a:ea typeface="나눔스퀘어라운드 Regular" panose="020B0600000101010101" pitchFamily="50" charset="-127"/>
               </a:rPr>
               <a:t>활용 예</a:t>
             </a:r>
             <a:endParaRPr lang="en-US" altLang="ko-KR" sz="1600" spc="-50" dirty="0">
+              <a:solidFill>
+                <a:schemeClr val="bg1">
+                  <a:lumMod val="85000"/>
+                </a:schemeClr>
+              </a:solidFill>
               <a:latin typeface="나눔스퀘어라운드 Regular" panose="020B0600000101010101" pitchFamily="50" charset="-127"/>
               <a:ea typeface="나눔스퀘어라운드 Regular" panose="020B0600000101010101" pitchFamily="50" charset="-127"/>
             </a:endParaRPr>
@@ -8929,6 +9119,11 @@
             </a:pPr>
             <a:r>
               <a:rPr lang="en-US" altLang="ko-KR" sz="1600" spc="-50" dirty="0">
+                <a:solidFill>
+                  <a:schemeClr val="bg1">
+                    <a:lumMod val="85000"/>
+                  </a:schemeClr>
+                </a:solidFill>
                 <a:latin typeface="나눔스퀘어라운드 Regular" panose="020B0600000101010101" pitchFamily="50" charset="-127"/>
                 <a:ea typeface="나눔스퀘어라운드 Regular" panose="020B0600000101010101" pitchFamily="50" charset="-127"/>
               </a:rPr>
@@ -8936,12 +9131,22 @@
             </a:r>
             <a:r>
               <a:rPr lang="ko-KR" altLang="en-US" sz="1600" spc="-50" dirty="0">
+                <a:solidFill>
+                  <a:schemeClr val="bg1">
+                    <a:lumMod val="85000"/>
+                  </a:schemeClr>
+                </a:solidFill>
                 <a:latin typeface="나눔스퀘어라운드 Regular" panose="020B0600000101010101" pitchFamily="50" charset="-127"/>
                 <a:ea typeface="나눔스퀘어라운드 Regular" panose="020B0600000101010101" pitchFamily="50" charset="-127"/>
               </a:rPr>
               <a:t>에 적용</a:t>
             </a:r>
             <a:endParaRPr lang="en-US" altLang="ko-KR" sz="1600" spc="-50" dirty="0">
+              <a:solidFill>
+                <a:schemeClr val="bg1">
+                  <a:lumMod val="85000"/>
+                </a:schemeClr>
+              </a:solidFill>
               <a:latin typeface="나눔스퀘어라운드 Regular" panose="020B0600000101010101" pitchFamily="50" charset="-127"/>
               <a:ea typeface="나눔스퀘어라운드 Regular" panose="020B0600000101010101" pitchFamily="50" charset="-127"/>
             </a:endParaRPr>
@@ -9312,6 +9517,89 @@
   <p:clrMapOvr>
     <a:masterClrMapping/>
   </p:clrMapOvr>
+  <p:timing>
+    <p:tnLst>
+      <p:par>
+        <p:cTn id="1" dur="indefinite" restart="never" nodeType="tmRoot">
+          <p:childTnLst>
+            <p:seq concurrent="1" nextAc="seek">
+              <p:cTn id="2" dur="indefinite" nodeType="mainSeq">
+                <p:childTnLst>
+                  <p:par>
+                    <p:cTn id="3" fill="hold">
+                      <p:stCondLst>
+                        <p:cond delay="indefinite"/>
+                      </p:stCondLst>
+                      <p:childTnLst>
+                        <p:par>
+                          <p:cTn id="4" fill="hold">
+                            <p:stCondLst>
+                              <p:cond delay="0"/>
+                            </p:stCondLst>
+                            <p:childTnLst>
+                              <p:par>
+                                <p:cTn id="5" presetID="10" presetClass="entr" presetSubtype="0" fill="hold" nodeType="clickEffect">
+                                  <p:stCondLst>
+                                    <p:cond delay="0"/>
+                                  </p:stCondLst>
+                                  <p:childTnLst>
+                                    <p:set>
+                                      <p:cBhvr>
+                                        <p:cTn id="6" dur="1" fill="hold">
+                                          <p:stCondLst>
+                                            <p:cond delay="0"/>
+                                          </p:stCondLst>
+                                        </p:cTn>
+                                        <p:tgtEl>
+                                          <p:spTgt spid="29"/>
+                                        </p:tgtEl>
+                                        <p:attrNameLst>
+                                          <p:attrName>style.visibility</p:attrName>
+                                        </p:attrNameLst>
+                                      </p:cBhvr>
+                                      <p:to>
+                                        <p:strVal val="visible"/>
+                                      </p:to>
+                                    </p:set>
+                                    <p:animEffect transition="in" filter="fade">
+                                      <p:cBhvr>
+                                        <p:cTn id="7" dur="500"/>
+                                        <p:tgtEl>
+                                          <p:spTgt spid="29"/>
+                                        </p:tgtEl>
+                                      </p:cBhvr>
+                                    </p:animEffect>
+                                  </p:childTnLst>
+                                </p:cTn>
+                              </p:par>
+                            </p:childTnLst>
+                          </p:cTn>
+                        </p:par>
+                      </p:childTnLst>
+                    </p:cTn>
+                  </p:par>
+                </p:childTnLst>
+              </p:cTn>
+              <p:prevCondLst>
+                <p:cond evt="onPrev" delay="0">
+                  <p:tgtEl>
+                    <p:sldTgt/>
+                  </p:tgtEl>
+                </p:cond>
+              </p:prevCondLst>
+              <p:nextCondLst>
+                <p:cond evt="onNext" delay="0">
+                  <p:tgtEl>
+                    <p:sldTgt/>
+                  </p:tgtEl>
+                </p:cond>
+              </p:nextCondLst>
+            </p:seq>
+          </p:childTnLst>
+        </p:cTn>
+      </p:par>
+    </p:tnLst>
+  </p:timing>
 </p:sld>
 </file>
 
@@ -9839,6 +10127,11 @@
             </a:pPr>
             <a:r>
               <a:rPr lang="en-US" altLang="ko-KR" sz="1600" spc="-50" dirty="0">
+                <a:solidFill>
+                  <a:schemeClr val="bg1">
+                    <a:lumMod val="85000"/>
+                  </a:schemeClr>
+                </a:solidFill>
                 <a:latin typeface="나눔스퀘어라운드 Regular" panose="020B0600000101010101" pitchFamily="50" charset="-127"/>
                 <a:ea typeface="나눔스퀘어라운드 Regular" panose="020B0600000101010101" pitchFamily="50" charset="-127"/>
               </a:rPr>
@@ -9846,6 +10139,11 @@
             </a:r>
             <a:r>
               <a:rPr lang="ko-KR" altLang="en-US" sz="1600" spc="-50" dirty="0">
+                <a:solidFill>
+                  <a:schemeClr val="bg1">
+                    <a:lumMod val="85000"/>
+                  </a:schemeClr>
+                </a:solidFill>
                 <a:latin typeface="나눔스퀘어라운드 Regular" panose="020B0600000101010101" pitchFamily="50" charset="-127"/>
                 <a:ea typeface="나눔스퀘어라운드 Regular" panose="020B0600000101010101" pitchFamily="50" charset="-127"/>
               </a:rPr>
@@ -9853,6 +10151,11 @@
             </a:r>
             <a:r>
               <a:rPr lang="en-US" altLang="ko-KR" sz="1600" spc="-50" dirty="0">
+                <a:solidFill>
+                  <a:schemeClr val="bg1">
+                    <a:lumMod val="85000"/>
+                  </a:schemeClr>
+                </a:solidFill>
                 <a:latin typeface="나눔스퀘어라운드 Regular" panose="020B0600000101010101" pitchFamily="50" charset="-127"/>
                 <a:ea typeface="나눔스퀘어라운드 Regular" panose="020B0600000101010101" pitchFamily="50" charset="-127"/>
               </a:rPr>
@@ -9867,6 +10170,11 @@
             </a:pPr>
             <a:r>
               <a:rPr lang="en-US" altLang="ko-KR" sz="1600" spc="-50" dirty="0">
+                <a:solidFill>
+                  <a:schemeClr val="bg1">
+                    <a:lumMod val="85000"/>
+                  </a:schemeClr>
+                </a:solidFill>
                 <a:latin typeface="나눔스퀘어라운드 Regular" panose="020B0600000101010101" pitchFamily="50" charset="-127"/>
                 <a:ea typeface="나눔스퀘어라운드 Regular" panose="020B0600000101010101" pitchFamily="50" charset="-127"/>
               </a:rPr>
@@ -9874,12 +10182,22 @@
             </a:r>
             <a:r>
               <a:rPr lang="ko-KR" altLang="en-US" sz="1600" spc="-50" dirty="0">
+                <a:solidFill>
+                  <a:schemeClr val="bg1">
+                    <a:lumMod val="85000"/>
+                  </a:schemeClr>
+                </a:solidFill>
                 <a:latin typeface="나눔스퀘어라운드 Regular" panose="020B0600000101010101" pitchFamily="50" charset="-127"/>
                 <a:ea typeface="나눔스퀘어라운드 Regular" panose="020B0600000101010101" pitchFamily="50" charset="-127"/>
               </a:rPr>
               <a:t>활용 예</a:t>
             </a:r>
             <a:endParaRPr lang="en-US" altLang="ko-KR" sz="1600" spc="-50" dirty="0">
+              <a:solidFill>
+                <a:schemeClr val="bg1">
+                  <a:lumMod val="85000"/>
+                </a:schemeClr>
+              </a:solidFill>
               <a:latin typeface="나눔스퀘어라운드 Regular" panose="020B0600000101010101" pitchFamily="50" charset="-127"/>
               <a:ea typeface="나눔스퀘어라운드 Regular" panose="020B0600000101010101" pitchFamily="50" charset="-127"/>
             </a:endParaRPr>
@@ -9892,6 +10210,11 @@
             </a:pPr>
             <a:r>
               <a:rPr lang="en-US" altLang="ko-KR" sz="1600" spc="-50" dirty="0">
+                <a:solidFill>
+                  <a:schemeClr val="bg1">
+                    <a:lumMod val="85000"/>
+                  </a:schemeClr>
+                </a:solidFill>
                 <a:latin typeface="나눔스퀘어라운드 Regular" panose="020B0600000101010101" pitchFamily="50" charset="-127"/>
                 <a:ea typeface="나눔스퀘어라운드 Regular" panose="020B0600000101010101" pitchFamily="50" charset="-127"/>
               </a:rPr>
@@ -9899,12 +10222,22 @@
             </a:r>
             <a:r>
               <a:rPr lang="ko-KR" altLang="en-US" sz="1600" spc="-50" dirty="0">
+                <a:solidFill>
+                  <a:schemeClr val="bg1">
+                    <a:lumMod val="85000"/>
+                  </a:schemeClr>
+                </a:solidFill>
                 <a:latin typeface="나눔스퀘어라운드 Regular" panose="020B0600000101010101" pitchFamily="50" charset="-127"/>
                 <a:ea typeface="나눔스퀘어라운드 Regular" panose="020B0600000101010101" pitchFamily="50" charset="-127"/>
               </a:rPr>
               <a:t>에 적용</a:t>
             </a:r>
             <a:endParaRPr lang="en-US" altLang="ko-KR" sz="1600" spc="-50" dirty="0">
+              <a:solidFill>
+                <a:schemeClr val="bg1">
+                  <a:lumMod val="85000"/>
+                </a:schemeClr>
+              </a:solidFill>
               <a:latin typeface="나눔스퀘어라운드 Regular" panose="020B0600000101010101" pitchFamily="50" charset="-127"/>
               <a:ea typeface="나눔스퀘어라운드 Regular" panose="020B0600000101010101" pitchFamily="50" charset="-127"/>
             </a:endParaRPr>
@@ -10772,6 +11105,11 @@
             </a:pPr>
             <a:r>
               <a:rPr lang="en-US" altLang="ko-KR" sz="1600" spc="-50" dirty="0">
+                <a:solidFill>
+                  <a:schemeClr val="bg1">
+                    <a:lumMod val="85000"/>
+                  </a:schemeClr>
+                </a:solidFill>
                 <a:latin typeface="나눔스퀘어라운드 Regular" panose="020B0600000101010101" pitchFamily="50" charset="-127"/>
                 <a:ea typeface="나눔스퀘어라운드 Regular" panose="020B0600000101010101" pitchFamily="50" charset="-127"/>
               </a:rPr>
@@ -10779,6 +11117,11 @@
             </a:r>
             <a:r>
               <a:rPr lang="ko-KR" altLang="en-US" sz="1600" spc="-50" dirty="0">
+                <a:solidFill>
+                  <a:schemeClr val="bg1">
+                    <a:lumMod val="85000"/>
+                  </a:schemeClr>
+                </a:solidFill>
                 <a:latin typeface="나눔스퀘어라운드 Regular" panose="020B0600000101010101" pitchFamily="50" charset="-127"/>
                 <a:ea typeface="나눔스퀘어라운드 Regular" panose="020B0600000101010101" pitchFamily="50" charset="-127"/>
               </a:rPr>
@@ -10786,6 +11129,11 @@
             </a:r>
             <a:r>
               <a:rPr lang="en-US" altLang="ko-KR" sz="1600" spc="-50" dirty="0">
+                <a:solidFill>
+                  <a:schemeClr val="bg1">
+                    <a:lumMod val="85000"/>
+                  </a:schemeClr>
+                </a:solidFill>
                 <a:latin typeface="나눔스퀘어라운드 Regular" panose="020B0600000101010101" pitchFamily="50" charset="-127"/>
                 <a:ea typeface="나눔스퀘어라운드 Regular" panose="020B0600000101010101" pitchFamily="50" charset="-127"/>
               </a:rPr>
@@ -10800,6 +11148,11 @@
             </a:pPr>
             <a:r>
               <a:rPr lang="en-US" altLang="ko-KR" sz="1600" spc="-50" dirty="0">
+                <a:solidFill>
+                  <a:schemeClr val="bg1">
+                    <a:lumMod val="85000"/>
+                  </a:schemeClr>
+                </a:solidFill>
                 <a:latin typeface="나눔스퀘어라운드 Regular" panose="020B0600000101010101" pitchFamily="50" charset="-127"/>
                 <a:ea typeface="나눔스퀘어라운드 Regular" panose="020B0600000101010101" pitchFamily="50" charset="-127"/>
               </a:rPr>
@@ -10807,12 +11160,22 @@
             </a:r>
             <a:r>
               <a:rPr lang="ko-KR" altLang="en-US" sz="1600" spc="-50" dirty="0">
+                <a:solidFill>
+                  <a:schemeClr val="bg1">
+                    <a:lumMod val="85000"/>
+                  </a:schemeClr>
+                </a:solidFill>
                 <a:latin typeface="나눔스퀘어라운드 Regular" panose="020B0600000101010101" pitchFamily="50" charset="-127"/>
                 <a:ea typeface="나눔스퀘어라운드 Regular" panose="020B0600000101010101" pitchFamily="50" charset="-127"/>
               </a:rPr>
               <a:t>활용 예</a:t>
             </a:r>
             <a:endParaRPr lang="en-US" altLang="ko-KR" sz="1600" spc="-50" dirty="0">
+              <a:solidFill>
+                <a:schemeClr val="bg1">
+                  <a:lumMod val="85000"/>
+                </a:schemeClr>
+              </a:solidFill>
               <a:latin typeface="나눔스퀘어라운드 Regular" panose="020B0600000101010101" pitchFamily="50" charset="-127"/>
               <a:ea typeface="나눔스퀘어라운드 Regular" panose="020B0600000101010101" pitchFamily="50" charset="-127"/>
             </a:endParaRPr>
@@ -10825,6 +11188,11 @@
             </a:pPr>
             <a:r>
               <a:rPr lang="en-US" altLang="ko-KR" sz="1600" spc="-50" dirty="0">
+                <a:solidFill>
+                  <a:schemeClr val="bg1">
+                    <a:lumMod val="85000"/>
+                  </a:schemeClr>
+                </a:solidFill>
                 <a:latin typeface="나눔스퀘어라운드 Regular" panose="020B0600000101010101" pitchFamily="50" charset="-127"/>
                 <a:ea typeface="나눔스퀘어라운드 Regular" panose="020B0600000101010101" pitchFamily="50" charset="-127"/>
               </a:rPr>
@@ -10832,12 +11200,22 @@
             </a:r>
             <a:r>
               <a:rPr lang="ko-KR" altLang="en-US" sz="1600" spc="-50" dirty="0">
+                <a:solidFill>
+                  <a:schemeClr val="bg1">
+                    <a:lumMod val="85000"/>
+                  </a:schemeClr>
+                </a:solidFill>
                 <a:latin typeface="나눔스퀘어라운드 Regular" panose="020B0600000101010101" pitchFamily="50" charset="-127"/>
                 <a:ea typeface="나눔스퀘어라운드 Regular" panose="020B0600000101010101" pitchFamily="50" charset="-127"/>
               </a:rPr>
               <a:t>에 적용</a:t>
             </a:r>
             <a:endParaRPr lang="en-US" altLang="ko-KR" sz="1600" spc="-50" dirty="0">
+              <a:solidFill>
+                <a:schemeClr val="bg1">
+                  <a:lumMod val="85000"/>
+                </a:schemeClr>
+              </a:solidFill>
               <a:latin typeface="나눔스퀘어라운드 Regular" panose="020B0600000101010101" pitchFamily="50" charset="-127"/>
               <a:ea typeface="나눔스퀘어라운드 Regular" panose="020B0600000101010101" pitchFamily="50" charset="-127"/>
             </a:endParaRPr>
@@ -11160,41 +11538,41 @@
               </a:lnSpc>
             </a:pPr>
             <a:r>
-              <a:rPr lang="ko-KR" altLang="en-US" sz="1600" spc="-30" dirty="0">
+              <a:rPr lang="ko-KR" altLang="en-US" sz="1600" b="1" spc="-30" dirty="0">
                 <a:latin typeface="나눔스퀘어라운드 Regular" panose="020B0600000101010101" pitchFamily="50" charset="-127"/>
                 <a:ea typeface="나눔스퀘어라운드 Regular" panose="020B0600000101010101" pitchFamily="50" charset="-127"/>
               </a:rPr>
               <a:t>하드웨어적으로 보안을 하는 </a:t>
             </a:r>
             <a:r>
-              <a:rPr lang="en-US" altLang="ko-KR" sz="1600" spc="-30" dirty="0">
+              <a:rPr lang="en-US" altLang="ko-KR" sz="1600" b="1" spc="-30" dirty="0">
                 <a:latin typeface="나눔스퀘어라운드 Regular" panose="020B0600000101010101" pitchFamily="50" charset="-127"/>
                 <a:ea typeface="나눔스퀘어라운드 Regular" panose="020B0600000101010101" pitchFamily="50" charset="-127"/>
               </a:rPr>
               <a:t>Arm</a:t>
             </a:r>
             <a:r>
-              <a:rPr lang="ko-KR" altLang="en-US" sz="1600" spc="-30" dirty="0">
+              <a:rPr lang="ko-KR" altLang="en-US" sz="1600" b="1" spc="-30" dirty="0">
                 <a:latin typeface="나눔스퀘어라운드 Regular" panose="020B0600000101010101" pitchFamily="50" charset="-127"/>
                 <a:ea typeface="나눔스퀘어라운드 Regular" panose="020B0600000101010101" pitchFamily="50" charset="-127"/>
               </a:rPr>
               <a:t> </a:t>
             </a:r>
             <a:r>
-              <a:rPr lang="en-US" altLang="ko-KR" sz="1600" spc="-30" dirty="0">
+              <a:rPr lang="en-US" altLang="ko-KR" sz="1600" b="1" spc="-30" dirty="0">
                 <a:latin typeface="나눔스퀘어라운드 Regular" panose="020B0600000101010101" pitchFamily="50" charset="-127"/>
                 <a:ea typeface="나눔스퀘어라운드 Regular" panose="020B0600000101010101" pitchFamily="50" charset="-127"/>
               </a:rPr>
               <a:t>TrustZone </a:t>
             </a:r>
             <a:r>
-              <a:rPr lang="ko-KR" altLang="en-US" sz="1600" spc="-30" dirty="0">
+              <a:rPr lang="ko-KR" altLang="en-US" sz="1600" b="1" spc="-30" dirty="0">
                 <a:latin typeface="나눔스퀘어라운드 Regular" panose="020B0600000101010101" pitchFamily="50" charset="-127"/>
                 <a:ea typeface="나눔스퀘어라운드 Regular" panose="020B0600000101010101" pitchFamily="50" charset="-127"/>
               </a:rPr>
               <a:t>방법을 사용</a:t>
             </a:r>
-            <a:endParaRPr lang="en-US" altLang="ko-KR" sz="1600" spc="-30" dirty="0">
+            <a:endParaRPr lang="en-US" altLang="ko-KR" sz="1600" b="1" spc="-30" dirty="0">
               <a:latin typeface="나눔스퀘어라운드 Regular" panose="020B0600000101010101" pitchFamily="50" charset="-127"/>
               <a:ea typeface="나눔스퀘어라운드 Regular" panose="020B0600000101010101" pitchFamily="50" charset="-127"/>
             </a:endParaRPr>
@@ -11260,6 +11638,128 @@
   <p:clrMapOvr>
     <a:masterClrMapping/>
   </p:clrMapOvr>
+  <p:timing>
+    <p:tnLst>
+      <p:par>
+        <p:cTn id="1" dur="indefinite" restart="never" nodeType="tmRoot">
+          <p:childTnLst>
+            <p:seq concurrent="1" nextAc="seek">
+              <p:cTn id="2" dur="indefinite" nodeType="mainSeq">
+                <p:childTnLst>
+                  <p:par>
+                    <p:cTn id="3" fill="hold">
+                      <p:stCondLst>
+                        <p:cond delay="indefinite"/>
+                      </p:stCondLst>
+                      <p:childTnLst>
+                        <p:par>
+                          <p:cTn id="4" fill="hold">
+                            <p:stCondLst>
+                              <p:cond delay="0"/>
+                            </p:stCondLst>
+                            <p:childTnLst>
+                              <p:par>
+                                <p:cTn id="5" presetID="10" presetClass="entr" presetSubtype="0" fill="hold" grpId="0" nodeType="clickEffect">
+                                  <p:stCondLst>
+                                    <p:cond delay="0"/>
+                                  </p:stCondLst>
+                                  <p:childTnLst>
+                                    <p:set>
+                                      <p:cBhvr>
+                                        <p:cTn id="6" dur="1" fill="hold">
+                                          <p:stCondLst>
+                                            <p:cond delay="0"/>
+                                          </p:stCondLst>
+                                        </p:cTn>
+                                        <p:tgtEl>
+                                          <p:spTgt spid="29"/>
+                                        </p:tgtEl>
+                                        <p:attrNameLst>
+                                          <p:attrName>style.visibility</p:attrName>
+                                        </p:attrNameLst>
+                                      </p:cBhvr>
+                                      <p:to>
+                                        <p:strVal val="visible"/>
+                                      </p:to>
+                                    </p:set>
+                                    <p:animEffect transition="in" filter="fade">
+                                      <p:cBhvr>
+                                        <p:cTn id="7" dur="500"/>
+                                        <p:tgtEl>
+                                          <p:spTgt spid="29"/>
+                                        </p:tgtEl>
+                                      </p:cBhvr>
+                                    </p:animEffect>
+                                  </p:childTnLst>
+                                </p:cTn>
+                              </p:par>
+                              <p:par>
+                                <p:cTn id="8" presetID="10" presetClass="entr" presetSubtype="0" fill="hold" grpId="0" nodeType="withEffect">
+                                  <p:stCondLst>
+                                    <p:cond delay="0"/>
+                                  </p:stCondLst>
+                                  <p:childTnLst>
+                                    <p:set>
+                                      <p:cBhvr>
+                                        <p:cTn id="9" dur="1" fill="hold">
+                                          <p:stCondLst>
+                                            <p:cond delay="0"/>
+                                          </p:stCondLst>
+                                        </p:cTn>
+                                        <p:tgtEl>
+                                          <p:spTgt spid="2"/>
+                                        </p:tgtEl>
+                                        <p:attrNameLst>
+                                          <p:attrName>style.visibility</p:attrName>
+                                        </p:attrNameLst>
+                                      </p:cBhvr>
+                                      <p:to>
+                                        <p:strVal val="visible"/>
+                                      </p:to>
+                                    </p:set>
+                                    <p:animEffect transition="in" filter="fade">
+                                      <p:cBhvr>
+                                        <p:cTn id="10" dur="500"/>
+                                        <p:tgtEl>
+                                          <p:spTgt spid="2"/>
+                                        </p:tgtEl>
+                                      </p:cBhvr>
+                                    </p:animEffect>
+                                  </p:childTnLst>
+                                </p:cTn>
+                              </p:par>
+                            </p:childTnLst>
+                          </p:cTn>
+                        </p:par>
+                      </p:childTnLst>
+                    </p:cTn>
+                  </p:par>
+                </p:childTnLst>
+              </p:cTn>
+              <p:prevCondLst>
+                <p:cond evt="onPrev" delay="0">
+                  <p:tgtEl>
+                    <p:sldTgt/>
+                  </p:tgtEl>
+                </p:cond>
+              </p:prevCondLst>
+              <p:nextCondLst>
+                <p:cond evt="onNext" delay="0">
+                  <p:tgtEl>
+                    <p:sldTgt/>
+                  </p:tgtEl>
+                </p:cond>
+              </p:nextCondLst>
+            </p:seq>
+          </p:childTnLst>
+        </p:cTn>
+      </p:par>
+    </p:tnLst>
+    <p:bldLst>
+      <p:bldP spid="29" grpId="0"/>
+      <p:bldP spid="2" grpId="0" animBg="1"/>
+    </p:bldLst>
+  </p:timing>
 </p:sld>
 </file>
 
@@ -11505,7 +12005,7 @@
         </p:nvSpPr>
         <p:spPr>
           <a:xfrm>
-            <a:off x="5017682" y="2075103"/>
+            <a:off x="5268488" y="2263639"/>
             <a:ext cx="6218940" cy="1353897"/>
           </a:xfrm>
           <a:prstGeom prst="rect">
@@ -11672,6 +12172,92 @@
                 <a:ea typeface="나눔스퀘어라운드 Regular" panose="020B0600000101010101" pitchFamily="50" charset="-127"/>
               </a:rPr>
               <a:t>&lt;REE&gt;</a:t>
+            </a:r>
+          </a:p>
+        </p:txBody>
+      </p:sp>
+      <p:sp>
+        <p:nvSpPr>
+          <p:cNvPr id="11" name="TextBox 10">
+            <a:extLst>
+              <a:ext uri="{FF2B5EF4-FFF2-40B4-BE49-F238E27FC236}">
+                <a16:creationId xmlns:a16="http://schemas.microsoft.com/office/drawing/2014/main" id="{12EBEDE6-893C-4847-91C8-22337FFA8C78}"/>
+              </a:ext>
+            </a:extLst>
+          </p:cNvPr>
+          <p:cNvSpPr txBox="1"/>
+          <p:nvPr/>
+        </p:nvSpPr>
+        <p:spPr>
+          <a:xfrm>
+            <a:off x="741116" y="4893320"/>
+            <a:ext cx="1511893" cy="384401"/>
+          </a:xfrm>
+          <a:prstGeom prst="rect">
+            <a:avLst/>
+          </a:prstGeom>
+          <a:noFill/>
+        </p:spPr>
+        <p:txBody>
+          <a:bodyPr wrap="square" rtlCol="0">
+            <a:spAutoFit/>
+          </a:bodyPr>
+          <a:lstStyle/>
+          <a:p>
+            <a:pPr>
+              <a:lnSpc>
+                <a:spcPct val="150000"/>
+              </a:lnSpc>
+            </a:pPr>
+            <a:r>
+              <a:rPr lang="en-US" altLang="ko-KR" sz="1400" spc="-30" dirty="0">
+                <a:latin typeface="나눔스퀘어라운드 Regular" panose="020B0600000101010101" pitchFamily="50" charset="-127"/>
+                <a:ea typeface="나눔스퀘어라운드 Regular" panose="020B0600000101010101" pitchFamily="50" charset="-127"/>
+              </a:rPr>
+              <a:t>(Normal World)</a:t>
+            </a:r>
+          </a:p>
+        </p:txBody>
+      </p:sp>
+      <p:sp>
+        <p:nvSpPr>
+          <p:cNvPr id="13" name="TextBox 12">
+            <a:extLst>
+              <a:ext uri="{FF2B5EF4-FFF2-40B4-BE49-F238E27FC236}">
+                <a16:creationId xmlns:a16="http://schemas.microsoft.com/office/drawing/2014/main" id="{F9152E2A-7818-432D-A5F3-7C66A3C7E771}"/>
+              </a:ext>
+            </a:extLst>
+          </p:cNvPr>
+          <p:cNvSpPr txBox="1"/>
+          <p:nvPr/>
+        </p:nvSpPr>
+        <p:spPr>
+          <a:xfrm>
+            <a:off x="2965814" y="4893319"/>
+            <a:ext cx="1511893" cy="384401"/>
+          </a:xfrm>
+          <a:prstGeom prst="rect">
+            <a:avLst/>
+          </a:prstGeom>
+          <a:noFill/>
+        </p:spPr>
+        <p:txBody>
+          <a:bodyPr wrap="square" rtlCol="0">
+            <a:spAutoFit/>
+          </a:bodyPr>
+          <a:lstStyle/>
+          <a:p>
+            <a:pPr>
+              <a:lnSpc>
+                <a:spcPct val="150000"/>
+              </a:lnSpc>
+            </a:pPr>
+            <a:r>
+              <a:rPr lang="en-US" altLang="ko-KR" sz="1400" spc="-30" dirty="0">
+                <a:latin typeface="나눔스퀘어라운드 Regular" panose="020B0600000101010101" pitchFamily="50" charset="-127"/>
+                <a:ea typeface="나눔스퀘어라운드 Regular" panose="020B0600000101010101" pitchFamily="50" charset="-127"/>
+              </a:rPr>
+              <a:t>(Secure World)</a:t>
             </a:r>
           </a:p>
         </p:txBody>
@@ -11870,12 +12456,265 @@
           </a:prstGeom>
         </p:spPr>
       </p:pic>
+      <p:sp>
+        <p:nvSpPr>
+          <p:cNvPr id="8" name="TextBox 7">
+            <a:extLst>
+              <a:ext uri="{FF2B5EF4-FFF2-40B4-BE49-F238E27FC236}">
+                <a16:creationId xmlns:a16="http://schemas.microsoft.com/office/drawing/2014/main" id="{6F0EB811-7544-413C-BA26-BF97AB7E32A6}"/>
+              </a:ext>
+            </a:extLst>
+          </p:cNvPr>
+          <p:cNvSpPr txBox="1"/>
+          <p:nvPr/>
+        </p:nvSpPr>
+        <p:spPr>
+          <a:xfrm>
+            <a:off x="5272206" y="2261351"/>
+            <a:ext cx="6218940" cy="1677062"/>
+          </a:xfrm>
+          <a:prstGeom prst="rect">
+            <a:avLst/>
+          </a:prstGeom>
+          <a:noFill/>
+        </p:spPr>
+        <p:txBody>
+          <a:bodyPr wrap="square" rtlCol="0">
+            <a:spAutoFit/>
+          </a:bodyPr>
+          <a:lstStyle/>
+          <a:p>
+            <a:pPr>
+              <a:lnSpc>
+                <a:spcPct val="150000"/>
+              </a:lnSpc>
+            </a:pPr>
+            <a:r>
+              <a:rPr lang="en-US" altLang="ko-KR" sz="1400" spc="-30" dirty="0">
+                <a:latin typeface="나눔스퀘어라운드 Regular" panose="020B0600000101010101" pitchFamily="50" charset="-127"/>
+                <a:ea typeface="나눔스퀘어라운드 Regular" panose="020B0600000101010101" pitchFamily="50" charset="-127"/>
+              </a:rPr>
+              <a:t> TrustZone</a:t>
+            </a:r>
+            <a:r>
+              <a:rPr lang="ko-KR" altLang="en-US" sz="1400" spc="-30" dirty="0">
+                <a:latin typeface="나눔스퀘어라운드 Regular" panose="020B0600000101010101" pitchFamily="50" charset="-127"/>
+                <a:ea typeface="나눔스퀘어라운드 Regular" panose="020B0600000101010101" pitchFamily="50" charset="-127"/>
+              </a:rPr>
+              <a:t>은 </a:t>
+            </a:r>
+            <a:r>
+              <a:rPr lang="en-US" altLang="ko-KR" sz="1400" spc="-30" dirty="0">
+                <a:latin typeface="나눔스퀘어라운드 Regular" panose="020B0600000101010101" pitchFamily="50" charset="-127"/>
+                <a:ea typeface="나눔스퀘어라운드 Regular" panose="020B0600000101010101" pitchFamily="50" charset="-127"/>
+              </a:rPr>
+              <a:t>CPU, memory </a:t>
+            </a:r>
+            <a:r>
+              <a:rPr lang="ko-KR" altLang="en-US" sz="1400" spc="-30" dirty="0">
+                <a:latin typeface="나눔스퀘어라운드 Regular" panose="020B0600000101010101" pitchFamily="50" charset="-127"/>
+                <a:ea typeface="나눔스퀘어라운드 Regular" panose="020B0600000101010101" pitchFamily="50" charset="-127"/>
+              </a:rPr>
+              <a:t>등 하드웨어 기반 자원을 분리한다</a:t>
+            </a:r>
+            <a:r>
+              <a:rPr lang="en-US" altLang="ko-KR" sz="1400" spc="-30" dirty="0">
+                <a:latin typeface="나눔스퀘어라운드 Regular" panose="020B0600000101010101" pitchFamily="50" charset="-127"/>
+                <a:ea typeface="나눔스퀘어라운드 Regular" panose="020B0600000101010101" pitchFamily="50" charset="-127"/>
+              </a:rPr>
+              <a:t>. TEE</a:t>
+            </a:r>
+            <a:r>
+              <a:rPr lang="ko-KR" altLang="en-US" sz="1400" spc="-30" dirty="0">
+                <a:latin typeface="나눔스퀘어라운드 Regular" panose="020B0600000101010101" pitchFamily="50" charset="-127"/>
+                <a:ea typeface="나눔스퀘어라운드 Regular" panose="020B0600000101010101" pitchFamily="50" charset="-127"/>
+              </a:rPr>
+              <a:t>는 </a:t>
+            </a:r>
+            <a:r>
+              <a:rPr lang="en-US" altLang="ko-KR" sz="1400" spc="-30" dirty="0">
+                <a:latin typeface="나눔스퀘어라운드 Regular" panose="020B0600000101010101" pitchFamily="50" charset="-127"/>
+                <a:ea typeface="나눔스퀘어라운드 Regular" panose="020B0600000101010101" pitchFamily="50" charset="-127"/>
+              </a:rPr>
+              <a:t>TEE</a:t>
+            </a:r>
+            <a:r>
+              <a:rPr lang="ko-KR" altLang="en-US" sz="1400" spc="-30" dirty="0">
+                <a:latin typeface="나눔스퀘어라운드 Regular" panose="020B0600000101010101" pitchFamily="50" charset="-127"/>
+                <a:ea typeface="나눔스퀘어라운드 Regular" panose="020B0600000101010101" pitchFamily="50" charset="-127"/>
+              </a:rPr>
+              <a:t>와 </a:t>
+            </a:r>
+            <a:r>
+              <a:rPr lang="en-US" altLang="ko-KR" sz="1400" spc="-30" dirty="0">
+                <a:latin typeface="나눔스퀘어라운드 Regular" panose="020B0600000101010101" pitchFamily="50" charset="-127"/>
+                <a:ea typeface="나눔스퀘어라운드 Regular" panose="020B0600000101010101" pitchFamily="50" charset="-127"/>
+              </a:rPr>
+              <a:t>REE</a:t>
+            </a:r>
+            <a:r>
+              <a:rPr lang="ko-KR" altLang="en-US" sz="1400" spc="-30" dirty="0">
+                <a:latin typeface="나눔스퀘어라운드 Regular" panose="020B0600000101010101" pitchFamily="50" charset="-127"/>
+                <a:ea typeface="나눔스퀘어라운드 Regular" panose="020B0600000101010101" pitchFamily="50" charset="-127"/>
+              </a:rPr>
+              <a:t>의 자원에 모두 접근이 가능하고</a:t>
+            </a:r>
+            <a:r>
+              <a:rPr lang="en-US" altLang="ko-KR" sz="1400" spc="-30" dirty="0">
+                <a:latin typeface="나눔스퀘어라운드 Regular" panose="020B0600000101010101" pitchFamily="50" charset="-127"/>
+                <a:ea typeface="나눔스퀘어라운드 Regular" panose="020B0600000101010101" pitchFamily="50" charset="-127"/>
+              </a:rPr>
+              <a:t>, REE</a:t>
+            </a:r>
+            <a:r>
+              <a:rPr lang="ko-KR" altLang="en-US" sz="1400" spc="-30" dirty="0">
+                <a:latin typeface="나눔스퀘어라운드 Regular" panose="020B0600000101010101" pitchFamily="50" charset="-127"/>
+                <a:ea typeface="나눔스퀘어라운드 Regular" panose="020B0600000101010101" pitchFamily="50" charset="-127"/>
+              </a:rPr>
+              <a:t>는 오직 </a:t>
+            </a:r>
+            <a:r>
+              <a:rPr lang="en-US" altLang="ko-KR" sz="1400" spc="-30" dirty="0">
+                <a:latin typeface="나눔스퀘어라운드 Regular" panose="020B0600000101010101" pitchFamily="50" charset="-127"/>
+                <a:ea typeface="나눔스퀘어라운드 Regular" panose="020B0600000101010101" pitchFamily="50" charset="-127"/>
+              </a:rPr>
+              <a:t>REE</a:t>
+            </a:r>
+            <a:r>
+              <a:rPr lang="ko-KR" altLang="en-US" sz="1400" spc="-30" dirty="0">
+                <a:latin typeface="나눔스퀘어라운드 Regular" panose="020B0600000101010101" pitchFamily="50" charset="-127"/>
+                <a:ea typeface="나눔스퀘어라운드 Regular" panose="020B0600000101010101" pitchFamily="50" charset="-127"/>
+              </a:rPr>
+              <a:t>의 자원에만 접근이 가능하다</a:t>
+            </a:r>
+            <a:r>
+              <a:rPr lang="en-US" altLang="ko-KR" sz="1400" spc="-30" dirty="0">
+                <a:latin typeface="나눔스퀘어라운드 Regular" panose="020B0600000101010101" pitchFamily="50" charset="-127"/>
+                <a:ea typeface="나눔스퀘어라운드 Regular" panose="020B0600000101010101" pitchFamily="50" charset="-127"/>
+              </a:rPr>
+              <a:t>. REE</a:t>
+            </a:r>
+            <a:r>
+              <a:rPr lang="ko-KR" altLang="en-US" sz="1400" spc="-30" dirty="0">
+                <a:latin typeface="나눔스퀘어라운드 Regular" panose="020B0600000101010101" pitchFamily="50" charset="-127"/>
+                <a:ea typeface="나눔스퀘어라운드 Regular" panose="020B0600000101010101" pitchFamily="50" charset="-127"/>
+              </a:rPr>
+              <a:t>에서 </a:t>
+            </a:r>
+            <a:r>
+              <a:rPr lang="en-US" altLang="ko-KR" sz="1400" spc="-30" dirty="0">
+                <a:latin typeface="나눔스퀘어라운드 Regular" panose="020B0600000101010101" pitchFamily="50" charset="-127"/>
+                <a:ea typeface="나눔스퀘어라운드 Regular" panose="020B0600000101010101" pitchFamily="50" charset="-127"/>
+              </a:rPr>
+              <a:t>TEE</a:t>
+            </a:r>
+            <a:r>
+              <a:rPr lang="ko-KR" altLang="en-US" sz="1400" spc="-30" dirty="0">
+                <a:latin typeface="나눔스퀘어라운드 Regular" panose="020B0600000101010101" pitchFamily="50" charset="-127"/>
+                <a:ea typeface="나눔스퀘어라운드 Regular" panose="020B0600000101010101" pitchFamily="50" charset="-127"/>
+              </a:rPr>
+              <a:t>에 접근할 때는 </a:t>
+            </a:r>
+            <a:r>
+              <a:rPr lang="en-US" altLang="ko-KR" sz="1400" spc="-30" dirty="0">
+                <a:latin typeface="나눔스퀘어라운드 Regular" panose="020B0600000101010101" pitchFamily="50" charset="-127"/>
+                <a:ea typeface="나눔스퀘어라운드 Regular" panose="020B0600000101010101" pitchFamily="50" charset="-127"/>
+              </a:rPr>
+              <a:t>page</a:t>
+            </a:r>
+            <a:r>
+              <a:rPr lang="ko-KR" altLang="en-US" sz="1400" spc="-30" dirty="0">
+                <a:latin typeface="나눔스퀘어라운드 Regular" panose="020B0600000101010101" pitchFamily="50" charset="-127"/>
+                <a:ea typeface="나눔스퀘어라운드 Regular" panose="020B0600000101010101" pitchFamily="50" charset="-127"/>
+              </a:rPr>
+              <a:t> </a:t>
+            </a:r>
+            <a:r>
+              <a:rPr lang="en-US" altLang="ko-KR" sz="1400" spc="-30" dirty="0">
+                <a:latin typeface="나눔스퀘어라운드 Regular" panose="020B0600000101010101" pitchFamily="50" charset="-127"/>
+                <a:ea typeface="나눔스퀘어라운드 Regular" panose="020B0600000101010101" pitchFamily="50" charset="-127"/>
+              </a:rPr>
+              <a:t>fault</a:t>
+            </a:r>
+            <a:r>
+              <a:rPr lang="ko-KR" altLang="en-US" sz="1400" spc="-30" dirty="0">
+                <a:latin typeface="나눔스퀘어라운드 Regular" panose="020B0600000101010101" pitchFamily="50" charset="-127"/>
+                <a:ea typeface="나눔스퀘어라운드 Regular" panose="020B0600000101010101" pitchFamily="50" charset="-127"/>
+              </a:rPr>
+              <a:t>가 발생한다</a:t>
+            </a:r>
+            <a:r>
+              <a:rPr lang="en-US" altLang="ko-KR" sz="1400" spc="-30" dirty="0">
+                <a:latin typeface="나눔스퀘어라운드 Regular" panose="020B0600000101010101" pitchFamily="50" charset="-127"/>
+                <a:ea typeface="나눔스퀘어라운드 Regular" panose="020B0600000101010101" pitchFamily="50" charset="-127"/>
+              </a:rPr>
+              <a:t>. </a:t>
+            </a:r>
+            <a:r>
+              <a:rPr lang="ko-KR" altLang="en-US" sz="1400" spc="-30" dirty="0">
+                <a:latin typeface="나눔스퀘어라운드 Regular" panose="020B0600000101010101" pitchFamily="50" charset="-127"/>
+                <a:ea typeface="나눔스퀘어라운드 Regular" panose="020B0600000101010101" pitchFamily="50" charset="-127"/>
+              </a:rPr>
+              <a:t>따라서 </a:t>
+            </a:r>
+            <a:r>
+              <a:rPr lang="en-US" altLang="ko-KR" sz="1400" spc="-30" dirty="0">
+                <a:latin typeface="나눔스퀘어라운드 Regular" panose="020B0600000101010101" pitchFamily="50" charset="-127"/>
+                <a:ea typeface="나눔스퀘어라운드 Regular" panose="020B0600000101010101" pitchFamily="50" charset="-127"/>
+              </a:rPr>
+              <a:t>TEE</a:t>
+            </a:r>
+            <a:r>
+              <a:rPr lang="ko-KR" altLang="en-US" sz="1400" spc="-30" dirty="0">
+                <a:latin typeface="나눔스퀘어라운드 Regular" panose="020B0600000101010101" pitchFamily="50" charset="-127"/>
+                <a:ea typeface="나눔스퀘어라운드 Regular" panose="020B0600000101010101" pitchFamily="50" charset="-127"/>
+              </a:rPr>
+              <a:t>에서 실행 중인 애플리케이션을 </a:t>
+            </a:r>
+            <a:r>
+              <a:rPr lang="en-US" altLang="ko-KR" sz="1400" spc="-30" dirty="0">
+                <a:latin typeface="나눔스퀘어라운드 Regular" panose="020B0600000101010101" pitchFamily="50" charset="-127"/>
+                <a:ea typeface="나눔스퀘어라운드 Regular" panose="020B0600000101010101" pitchFamily="50" charset="-127"/>
+              </a:rPr>
+              <a:t>REE</a:t>
+            </a:r>
+            <a:r>
+              <a:rPr lang="ko-KR" altLang="en-US" sz="1400" spc="-30" dirty="0">
+                <a:latin typeface="나눔스퀘어라운드 Regular" panose="020B0600000101010101" pitchFamily="50" charset="-127"/>
+                <a:ea typeface="나눔스퀘어라운드 Regular" panose="020B0600000101010101" pitchFamily="50" charset="-127"/>
+              </a:rPr>
+              <a:t>에서 방해할 수 없다</a:t>
+            </a:r>
+            <a:r>
+              <a:rPr lang="en-US" altLang="ko-KR" sz="1400" spc="-30" dirty="0">
+                <a:latin typeface="나눔스퀘어라운드 Regular" panose="020B0600000101010101" pitchFamily="50" charset="-127"/>
+                <a:ea typeface="나눔스퀘어라운드 Regular" panose="020B0600000101010101" pitchFamily="50" charset="-127"/>
+              </a:rPr>
+              <a:t>. TEE</a:t>
+            </a:r>
+            <a:r>
+              <a:rPr lang="ko-KR" altLang="en-US" sz="1400" spc="-30" dirty="0">
+                <a:latin typeface="나눔스퀘어라운드 Regular" panose="020B0600000101010101" pitchFamily="50" charset="-127"/>
+                <a:ea typeface="나눔스퀘어라운드 Regular" panose="020B0600000101010101" pitchFamily="50" charset="-127"/>
+              </a:rPr>
+              <a:t>의 내부에서 실행되는 코드는 신뢰할 수 있는 코드만을 실행한다</a:t>
+            </a:r>
+            <a:r>
+              <a:rPr lang="en-US" altLang="ko-KR" sz="1400" spc="-30" dirty="0">
+                <a:latin typeface="나눔스퀘어라운드 Regular" panose="020B0600000101010101" pitchFamily="50" charset="-127"/>
+                <a:ea typeface="나눔스퀘어라운드 Regular" panose="020B0600000101010101" pitchFamily="50" charset="-127"/>
+              </a:rPr>
+              <a:t>. </a:t>
+            </a:r>
+          </a:p>
+        </p:txBody>
+      </p:sp>
       <p:pic>
         <p:nvPicPr>
-          <p:cNvPr id="1026" name="Picture 2">
-            <a:extLst>
-              <a:ext uri="{FF2B5EF4-FFF2-40B4-BE49-F238E27FC236}">
-                <a16:creationId xmlns:a16="http://schemas.microsoft.com/office/drawing/2014/main" id="{6197F15A-8352-4205-BE93-AD08C50CD6E1}"/>
+          <p:cNvPr id="14" name="Picture 2">
+            <a:extLst>
+              <a:ext uri="{FF2B5EF4-FFF2-40B4-BE49-F238E27FC236}">
+                <a16:creationId xmlns:a16="http://schemas.microsoft.com/office/drawing/2014/main" id="{AFD356A6-93E7-4FE8-9C5A-58EC5D87D3C8}"/>
               </a:ext>
             </a:extLst>
           </p:cNvPr>
@@ -11899,8 +12738,8 @@
         </p:blipFill>
         <p:spPr bwMode="auto">
           <a:xfrm>
-            <a:off x="704572" y="1884892"/>
-            <a:ext cx="3810000" cy="2647950"/>
+            <a:off x="579569" y="2261351"/>
+            <a:ext cx="4217044" cy="2192863"/>
           </a:xfrm>
           <a:prstGeom prst="rect">
             <a:avLst/>
@@ -11917,374 +12756,6 @@
           </a:extLst>
         </p:spPr>
       </p:pic>
-      <p:sp>
-        <p:nvSpPr>
-          <p:cNvPr id="8" name="TextBox 7">
-            <a:extLst>
-              <a:ext uri="{FF2B5EF4-FFF2-40B4-BE49-F238E27FC236}">
-                <a16:creationId xmlns:a16="http://schemas.microsoft.com/office/drawing/2014/main" id="{6F0EB811-7544-413C-BA26-BF97AB7E32A6}"/>
-              </a:ext>
-            </a:extLst>
-          </p:cNvPr>
-          <p:cNvSpPr txBox="1"/>
-          <p:nvPr/>
-        </p:nvSpPr>
-        <p:spPr>
-          <a:xfrm>
-            <a:off x="5017682" y="2089356"/>
-            <a:ext cx="6218940" cy="1030731"/>
-          </a:xfrm>
-          <a:prstGeom prst="rect">
-            <a:avLst/>
-          </a:prstGeom>
-          <a:noFill/>
-        </p:spPr>
-        <p:txBody>
-          <a:bodyPr wrap="square" rtlCol="0">
-            <a:spAutoFit/>
-          </a:bodyPr>
-          <a:lstStyle/>
-          <a:p>
-            <a:pPr>
-              <a:lnSpc>
-                <a:spcPct val="150000"/>
-              </a:lnSpc>
-            </a:pPr>
-            <a:r>
-              <a:rPr lang="en-US" altLang="ko-KR" sz="1400" spc="-30" dirty="0">
-                <a:latin typeface="나눔스퀘어라운드 Regular" panose="020B0600000101010101" pitchFamily="50" charset="-127"/>
-                <a:ea typeface="나눔스퀘어라운드 Regular" panose="020B0600000101010101" pitchFamily="50" charset="-127"/>
-              </a:rPr>
-              <a:t> TrustZone</a:t>
-            </a:r>
-            <a:r>
-              <a:rPr lang="ko-KR" altLang="en-US" sz="1400" spc="-30" dirty="0">
-                <a:latin typeface="나눔스퀘어라운드 Regular" panose="020B0600000101010101" pitchFamily="50" charset="-127"/>
-                <a:ea typeface="나눔스퀘어라운드 Regular" panose="020B0600000101010101" pitchFamily="50" charset="-127"/>
-              </a:rPr>
-              <a:t>은 </a:t>
-            </a:r>
-            <a:r>
-              <a:rPr lang="en-US" altLang="ko-KR" sz="1400" spc="-30" dirty="0">
-                <a:latin typeface="나눔스퀘어라운드 Regular" panose="020B0600000101010101" pitchFamily="50" charset="-127"/>
-                <a:ea typeface="나눔스퀘어라운드 Regular" panose="020B0600000101010101" pitchFamily="50" charset="-127"/>
-              </a:rPr>
-              <a:t>CPU, memory </a:t>
-            </a:r>
-            <a:r>
-              <a:rPr lang="ko-KR" altLang="en-US" sz="1400" spc="-30" dirty="0">
-                <a:latin typeface="나눔스퀘어라운드 Regular" panose="020B0600000101010101" pitchFamily="50" charset="-127"/>
-                <a:ea typeface="나눔스퀘어라운드 Regular" panose="020B0600000101010101" pitchFamily="50" charset="-127"/>
-              </a:rPr>
-              <a:t>등 하드웨어 기반 자원을 분리한다</a:t>
-            </a:r>
-            <a:r>
-              <a:rPr lang="en-US" altLang="ko-KR" sz="1400" spc="-30" dirty="0">
-                <a:latin typeface="나눔스퀘어라운드 Regular" panose="020B0600000101010101" pitchFamily="50" charset="-127"/>
-                <a:ea typeface="나눔스퀘어라운드 Regular" panose="020B0600000101010101" pitchFamily="50" charset="-127"/>
-              </a:rPr>
-              <a:t>. TEE</a:t>
-            </a:r>
-            <a:r>
-              <a:rPr lang="ko-KR" altLang="en-US" sz="1400" spc="-30" dirty="0">
-                <a:latin typeface="나눔스퀘어라운드 Regular" panose="020B0600000101010101" pitchFamily="50" charset="-127"/>
-                <a:ea typeface="나눔스퀘어라운드 Regular" panose="020B0600000101010101" pitchFamily="50" charset="-127"/>
-              </a:rPr>
-              <a:t>는 </a:t>
-            </a:r>
-            <a:r>
-              <a:rPr lang="en-US" altLang="ko-KR" sz="1400" spc="-30" dirty="0">
-                <a:latin typeface="나눔스퀘어라운드 Regular" panose="020B0600000101010101" pitchFamily="50" charset="-127"/>
-                <a:ea typeface="나눔스퀘어라운드 Regular" panose="020B0600000101010101" pitchFamily="50" charset="-127"/>
-              </a:rPr>
-              <a:t>TEE</a:t>
-            </a:r>
-            <a:r>
-              <a:rPr lang="ko-KR" altLang="en-US" sz="1400" spc="-30" dirty="0">
-                <a:latin typeface="나눔스퀘어라운드 Regular" panose="020B0600000101010101" pitchFamily="50" charset="-127"/>
-                <a:ea typeface="나눔스퀘어라운드 Regular" panose="020B0600000101010101" pitchFamily="50" charset="-127"/>
-              </a:rPr>
-              <a:t>와 </a:t>
-            </a:r>
-            <a:r>
-              <a:rPr lang="en-US" altLang="ko-KR" sz="1400" spc="-30" dirty="0">
-                <a:latin typeface="나눔스퀘어라운드 Regular" panose="020B0600000101010101" pitchFamily="50" charset="-127"/>
-                <a:ea typeface="나눔스퀘어라운드 Regular" panose="020B0600000101010101" pitchFamily="50" charset="-127"/>
-              </a:rPr>
-              <a:t>REE</a:t>
-            </a:r>
-            <a:r>
-              <a:rPr lang="ko-KR" altLang="en-US" sz="1400" spc="-30" dirty="0">
-                <a:latin typeface="나눔스퀘어라운드 Regular" panose="020B0600000101010101" pitchFamily="50" charset="-127"/>
-                <a:ea typeface="나눔스퀘어라운드 Regular" panose="020B0600000101010101" pitchFamily="50" charset="-127"/>
-              </a:rPr>
-              <a:t>의 자원에 모두 접근이 가능하고</a:t>
-            </a:r>
-            <a:r>
-              <a:rPr lang="en-US" altLang="ko-KR" sz="1400" spc="-30" dirty="0">
-                <a:latin typeface="나눔스퀘어라운드 Regular" panose="020B0600000101010101" pitchFamily="50" charset="-127"/>
-                <a:ea typeface="나눔스퀘어라운드 Regular" panose="020B0600000101010101" pitchFamily="50" charset="-127"/>
-              </a:rPr>
-              <a:t>, REE</a:t>
-            </a:r>
-            <a:r>
-              <a:rPr lang="ko-KR" altLang="en-US" sz="1400" spc="-30" dirty="0">
-                <a:latin typeface="나눔스퀘어라운드 Regular" panose="020B0600000101010101" pitchFamily="50" charset="-127"/>
-                <a:ea typeface="나눔스퀘어라운드 Regular" panose="020B0600000101010101" pitchFamily="50" charset="-127"/>
-              </a:rPr>
-              <a:t>는 오직 </a:t>
-            </a:r>
-            <a:r>
-              <a:rPr lang="en-US" altLang="ko-KR" sz="1400" spc="-30" dirty="0">
-                <a:latin typeface="나눔스퀘어라운드 Regular" panose="020B0600000101010101" pitchFamily="50" charset="-127"/>
-                <a:ea typeface="나눔스퀘어라운드 Regular" panose="020B0600000101010101" pitchFamily="50" charset="-127"/>
-              </a:rPr>
-              <a:t>REE</a:t>
-            </a:r>
-            <a:r>
-              <a:rPr lang="ko-KR" altLang="en-US" sz="1400" spc="-30" dirty="0">
-                <a:latin typeface="나눔스퀘어라운드 Regular" panose="020B0600000101010101" pitchFamily="50" charset="-127"/>
-                <a:ea typeface="나눔스퀘어라운드 Regular" panose="020B0600000101010101" pitchFamily="50" charset="-127"/>
-              </a:rPr>
-              <a:t>의 자원에만 접근이 가능하다</a:t>
-            </a:r>
-            <a:r>
-              <a:rPr lang="en-US" altLang="ko-KR" sz="1400" spc="-30" dirty="0">
-                <a:latin typeface="나눔스퀘어라운드 Regular" panose="020B0600000101010101" pitchFamily="50" charset="-127"/>
-                <a:ea typeface="나눔스퀘어라운드 Regular" panose="020B0600000101010101" pitchFamily="50" charset="-127"/>
-              </a:rPr>
-              <a:t>. REE</a:t>
-            </a:r>
-            <a:r>
-              <a:rPr lang="ko-KR" altLang="en-US" sz="1400" spc="-30" dirty="0">
-                <a:latin typeface="나눔스퀘어라운드 Regular" panose="020B0600000101010101" pitchFamily="50" charset="-127"/>
-                <a:ea typeface="나눔스퀘어라운드 Regular" panose="020B0600000101010101" pitchFamily="50" charset="-127"/>
-              </a:rPr>
-              <a:t>에서 </a:t>
-            </a:r>
-            <a:r>
-              <a:rPr lang="en-US" altLang="ko-KR" sz="1400" spc="-30" dirty="0">
-                <a:latin typeface="나눔스퀘어라운드 Regular" panose="020B0600000101010101" pitchFamily="50" charset="-127"/>
-                <a:ea typeface="나눔스퀘어라운드 Regular" panose="020B0600000101010101" pitchFamily="50" charset="-127"/>
-              </a:rPr>
-              <a:t>TEE</a:t>
-            </a:r>
-            <a:r>
-              <a:rPr lang="ko-KR" altLang="en-US" sz="1400" spc="-30" dirty="0">
-                <a:latin typeface="나눔스퀘어라운드 Regular" panose="020B0600000101010101" pitchFamily="50" charset="-127"/>
-                <a:ea typeface="나눔스퀘어라운드 Regular" panose="020B0600000101010101" pitchFamily="50" charset="-127"/>
-              </a:rPr>
-              <a:t>에 접근할 때는 </a:t>
-            </a:r>
-            <a:r>
-              <a:rPr lang="en-US" altLang="ko-KR" sz="1400" spc="-30" dirty="0">
-                <a:latin typeface="나눔스퀘어라운드 Regular" panose="020B0600000101010101" pitchFamily="50" charset="-127"/>
-                <a:ea typeface="나눔스퀘어라운드 Regular" panose="020B0600000101010101" pitchFamily="50" charset="-127"/>
-              </a:rPr>
-              <a:t>page</a:t>
-            </a:r>
-            <a:r>
-              <a:rPr lang="ko-KR" altLang="en-US" sz="1400" spc="-30" dirty="0">
-                <a:latin typeface="나눔스퀘어라운드 Regular" panose="020B0600000101010101" pitchFamily="50" charset="-127"/>
-                <a:ea typeface="나눔스퀘어라운드 Regular" panose="020B0600000101010101" pitchFamily="50" charset="-127"/>
-              </a:rPr>
-              <a:t> </a:t>
-            </a:r>
-            <a:r>
-              <a:rPr lang="en-US" altLang="ko-KR" sz="1400" spc="-30" dirty="0">
-                <a:latin typeface="나눔스퀘어라운드 Regular" panose="020B0600000101010101" pitchFamily="50" charset="-127"/>
-                <a:ea typeface="나눔스퀘어라운드 Regular" panose="020B0600000101010101" pitchFamily="50" charset="-127"/>
-              </a:rPr>
-              <a:t>fault</a:t>
-            </a:r>
-            <a:r>
-              <a:rPr lang="ko-KR" altLang="en-US" sz="1400" spc="-30" dirty="0">
-                <a:latin typeface="나눔스퀘어라운드 Regular" panose="020B0600000101010101" pitchFamily="50" charset="-127"/>
-                <a:ea typeface="나눔스퀘어라운드 Regular" panose="020B0600000101010101" pitchFamily="50" charset="-127"/>
-              </a:rPr>
-              <a:t>가 발생한다</a:t>
-            </a:r>
-            <a:r>
-              <a:rPr lang="en-US" altLang="ko-KR" sz="1400" spc="-30" dirty="0">
-                <a:latin typeface="나눔스퀘어라운드 Regular" panose="020B0600000101010101" pitchFamily="50" charset="-127"/>
-                <a:ea typeface="나눔스퀘어라운드 Regular" panose="020B0600000101010101" pitchFamily="50" charset="-127"/>
-              </a:rPr>
-              <a:t>.</a:t>
-            </a:r>
-          </a:p>
-        </p:txBody>
-      </p:sp>
-      <p:sp>
-        <p:nvSpPr>
-          <p:cNvPr id="9" name="TextBox 8">
-            <a:extLst>
-              <a:ext uri="{FF2B5EF4-FFF2-40B4-BE49-F238E27FC236}">
-                <a16:creationId xmlns:a16="http://schemas.microsoft.com/office/drawing/2014/main" id="{940F0694-4E24-41A7-973F-B5233990771C}"/>
-              </a:ext>
-            </a:extLst>
-          </p:cNvPr>
-          <p:cNvSpPr txBox="1"/>
-          <p:nvPr/>
-        </p:nvSpPr>
-        <p:spPr>
-          <a:xfrm>
-            <a:off x="3295755" y="4532842"/>
-            <a:ext cx="929111" cy="384401"/>
-          </a:xfrm>
-          <a:prstGeom prst="rect">
-            <a:avLst/>
-          </a:prstGeom>
-          <a:noFill/>
-        </p:spPr>
-        <p:txBody>
-          <a:bodyPr wrap="square" rtlCol="0">
-            <a:spAutoFit/>
-          </a:bodyPr>
-          <a:lstStyle/>
-          <a:p>
-            <a:pPr>
-              <a:lnSpc>
-                <a:spcPct val="150000"/>
-              </a:lnSpc>
-            </a:pPr>
-            <a:r>
-              <a:rPr lang="en-US" altLang="ko-KR" sz="1400" spc="-30" dirty="0">
-                <a:latin typeface="나눔스퀘어라운드 Regular" panose="020B0600000101010101" pitchFamily="50" charset="-127"/>
-                <a:ea typeface="나눔스퀘어라운드 Regular" panose="020B0600000101010101" pitchFamily="50" charset="-127"/>
-              </a:rPr>
-              <a:t>&lt;TEE&gt;</a:t>
-            </a:r>
-          </a:p>
-        </p:txBody>
-      </p:sp>
-      <p:sp>
-        <p:nvSpPr>
-          <p:cNvPr id="10" name="TextBox 9">
-            <a:extLst>
-              <a:ext uri="{FF2B5EF4-FFF2-40B4-BE49-F238E27FC236}">
-                <a16:creationId xmlns:a16="http://schemas.microsoft.com/office/drawing/2014/main" id="{F115BD73-9981-4818-B15D-23FB70CC51D9}"/>
-              </a:ext>
-            </a:extLst>
-          </p:cNvPr>
-          <p:cNvSpPr txBox="1"/>
-          <p:nvPr/>
-        </p:nvSpPr>
-        <p:spPr>
-          <a:xfrm>
-            <a:off x="1071052" y="4532842"/>
-            <a:ext cx="929111" cy="384401"/>
-          </a:xfrm>
-          <a:prstGeom prst="rect">
-            <a:avLst/>
-          </a:prstGeom>
-          <a:noFill/>
-        </p:spPr>
-        <p:txBody>
-          <a:bodyPr wrap="square" rtlCol="0">
-            <a:spAutoFit/>
-          </a:bodyPr>
-          <a:lstStyle/>
-          <a:p>
-            <a:pPr>
-              <a:lnSpc>
-                <a:spcPct val="150000"/>
-              </a:lnSpc>
-            </a:pPr>
-            <a:r>
-              <a:rPr lang="en-US" altLang="ko-KR" sz="1400" spc="-30" dirty="0">
-                <a:latin typeface="나눔스퀘어라운드 Regular" panose="020B0600000101010101" pitchFamily="50" charset="-127"/>
-                <a:ea typeface="나눔스퀘어라운드 Regular" panose="020B0600000101010101" pitchFamily="50" charset="-127"/>
-              </a:rPr>
-              <a:t>&lt;REE&gt;</a:t>
-            </a:r>
-          </a:p>
-        </p:txBody>
-      </p:sp>
-      <p:sp>
-        <p:nvSpPr>
-          <p:cNvPr id="11" name="TextBox 10">
-            <a:extLst>
-              <a:ext uri="{FF2B5EF4-FFF2-40B4-BE49-F238E27FC236}">
-                <a16:creationId xmlns:a16="http://schemas.microsoft.com/office/drawing/2014/main" id="{F9831469-319F-4437-BA3A-992CD0970945}"/>
-              </a:ext>
-            </a:extLst>
-          </p:cNvPr>
-          <p:cNvSpPr txBox="1"/>
-          <p:nvPr/>
-        </p:nvSpPr>
-        <p:spPr>
-          <a:xfrm>
-            <a:off x="5017682" y="3502111"/>
-            <a:ext cx="6218940" cy="707566"/>
-          </a:xfrm>
-          <a:prstGeom prst="rect">
-            <a:avLst/>
-          </a:prstGeom>
-          <a:noFill/>
-        </p:spPr>
-        <p:txBody>
-          <a:bodyPr wrap="square" rtlCol="0">
-            <a:spAutoFit/>
-          </a:bodyPr>
-          <a:lstStyle/>
-          <a:p>
-            <a:pPr>
-              <a:lnSpc>
-                <a:spcPct val="150000"/>
-              </a:lnSpc>
-            </a:pPr>
-            <a:r>
-              <a:rPr lang="en-US" altLang="ko-KR" sz="1400" spc="-30" dirty="0">
-                <a:latin typeface="나눔스퀘어라운드 Regular" panose="020B0600000101010101" pitchFamily="50" charset="-127"/>
-                <a:ea typeface="나눔스퀘어라운드 Regular" panose="020B0600000101010101" pitchFamily="50" charset="-127"/>
-              </a:rPr>
-              <a:t> </a:t>
-            </a:r>
-            <a:r>
-              <a:rPr lang="ko-KR" altLang="en-US" sz="1400" spc="-30" dirty="0">
-                <a:latin typeface="나눔스퀘어라운드 Regular" panose="020B0600000101010101" pitchFamily="50" charset="-127"/>
-                <a:ea typeface="나눔스퀘어라운드 Regular" panose="020B0600000101010101" pitchFamily="50" charset="-127"/>
-              </a:rPr>
-              <a:t>다만</a:t>
-            </a:r>
-            <a:r>
-              <a:rPr lang="en-US" altLang="ko-KR" sz="1400" spc="-30" dirty="0">
-                <a:latin typeface="나눔스퀘어라운드 Regular" panose="020B0600000101010101" pitchFamily="50" charset="-127"/>
-                <a:ea typeface="나눔스퀘어라운드 Regular" panose="020B0600000101010101" pitchFamily="50" charset="-127"/>
-              </a:rPr>
-              <a:t> </a:t>
-            </a:r>
-            <a:r>
-              <a:rPr lang="ko-KR" altLang="en-US" sz="1400" spc="-30" dirty="0">
-                <a:latin typeface="나눔스퀘어라운드 Regular" panose="020B0600000101010101" pitchFamily="50" charset="-127"/>
-                <a:ea typeface="나눔스퀘어라운드 Regular" panose="020B0600000101010101" pitchFamily="50" charset="-127"/>
-              </a:rPr>
-              <a:t>모든 애플리케이션을 </a:t>
-            </a:r>
-            <a:r>
-              <a:rPr lang="en-US" altLang="ko-KR" sz="1400" spc="-30" dirty="0">
-                <a:latin typeface="나눔스퀘어라운드 Regular" panose="020B0600000101010101" pitchFamily="50" charset="-127"/>
-                <a:ea typeface="나눔스퀘어라운드 Regular" panose="020B0600000101010101" pitchFamily="50" charset="-127"/>
-              </a:rPr>
-              <a:t>secure world</a:t>
-            </a:r>
-            <a:r>
-              <a:rPr lang="ko-KR" altLang="en-US" sz="1400" spc="-30" dirty="0">
-                <a:latin typeface="나눔스퀘어라운드 Regular" panose="020B0600000101010101" pitchFamily="50" charset="-127"/>
-                <a:ea typeface="나눔스퀘어라운드 Regular" panose="020B0600000101010101" pitchFamily="50" charset="-127"/>
-              </a:rPr>
-              <a:t>에서 동작한다면 성능적인 문제가 발생하거나 애플리케이션이 동작하지 않을 수도 있다고 한다</a:t>
-            </a:r>
-            <a:r>
-              <a:rPr lang="en-US" altLang="ko-KR" sz="1400" spc="-30" dirty="0">
-                <a:latin typeface="나눔스퀘어라운드 Regular" panose="020B0600000101010101" pitchFamily="50" charset="-127"/>
-                <a:ea typeface="나눔스퀘어라운드 Regular" panose="020B0600000101010101" pitchFamily="50" charset="-127"/>
-              </a:rPr>
-              <a:t>. </a:t>
-            </a:r>
-          </a:p>
-        </p:txBody>
-      </p:sp>
     </p:spTree>
     <p:extLst>
       <p:ext uri="{BB962C8B-B14F-4D97-AF65-F5344CB8AC3E}">
@@ -12479,12 +12950,203 @@
           </a:prstGeom>
         </p:spPr>
       </p:pic>
+      <p:sp>
+        <p:nvSpPr>
+          <p:cNvPr id="14" name="TextBox 13">
+            <a:extLst>
+              <a:ext uri="{FF2B5EF4-FFF2-40B4-BE49-F238E27FC236}">
+                <a16:creationId xmlns:a16="http://schemas.microsoft.com/office/drawing/2014/main" id="{2FE48E11-1020-467A-889E-A1FEEB0D08F5}"/>
+              </a:ext>
+            </a:extLst>
+          </p:cNvPr>
+          <p:cNvSpPr txBox="1"/>
+          <p:nvPr/>
+        </p:nvSpPr>
+        <p:spPr>
+          <a:xfrm>
+            <a:off x="5281633" y="2885488"/>
+            <a:ext cx="6218940" cy="1353897"/>
+          </a:xfrm>
+          <a:prstGeom prst="rect">
+            <a:avLst/>
+          </a:prstGeom>
+          <a:noFill/>
+        </p:spPr>
+        <p:txBody>
+          <a:bodyPr wrap="square" rtlCol="0">
+            <a:spAutoFit/>
+          </a:bodyPr>
+          <a:lstStyle/>
+          <a:p>
+            <a:pPr>
+              <a:lnSpc>
+                <a:spcPct val="150000"/>
+              </a:lnSpc>
+            </a:pPr>
+            <a:r>
+              <a:rPr lang="en-US" altLang="ko-KR" sz="1400" spc="-30" dirty="0">
+                <a:latin typeface="나눔스퀘어라운드 Regular" panose="020B0600000101010101" pitchFamily="50" charset="-127"/>
+                <a:ea typeface="나눔스퀘어라운드 Regular" panose="020B0600000101010101" pitchFamily="50" charset="-127"/>
+              </a:rPr>
+              <a:t> </a:t>
+            </a:r>
+            <a:r>
+              <a:rPr lang="ko-KR" altLang="en-US" sz="1400" spc="-30" dirty="0">
+                <a:latin typeface="나눔스퀘어라운드 Regular" panose="020B0600000101010101" pitchFamily="50" charset="-127"/>
+                <a:ea typeface="나눔스퀘어라운드 Regular" panose="020B0600000101010101" pitchFamily="50" charset="-127"/>
+              </a:rPr>
+              <a:t>모든 애플리케이션을 </a:t>
+            </a:r>
+            <a:r>
+              <a:rPr lang="en-US" altLang="ko-KR" sz="1400" spc="-30" dirty="0">
+                <a:latin typeface="나눔스퀘어라운드 Regular" panose="020B0600000101010101" pitchFamily="50" charset="-127"/>
+                <a:ea typeface="나눔스퀘어라운드 Regular" panose="020B0600000101010101" pitchFamily="50" charset="-127"/>
+              </a:rPr>
+              <a:t>secure world</a:t>
+            </a:r>
+            <a:r>
+              <a:rPr lang="ko-KR" altLang="en-US" sz="1400" spc="-30" dirty="0">
+                <a:latin typeface="나눔스퀘어라운드 Regular" panose="020B0600000101010101" pitchFamily="50" charset="-127"/>
+                <a:ea typeface="나눔스퀘어라운드 Regular" panose="020B0600000101010101" pitchFamily="50" charset="-127"/>
+              </a:rPr>
+              <a:t>에서 동작한다면 성능적인 문제가 발생하거나 애플리케이션이 동작하지 않을 수도 있다고 한다</a:t>
+            </a:r>
+            <a:r>
+              <a:rPr lang="en-US" altLang="ko-KR" sz="1400" spc="-30" dirty="0">
+                <a:latin typeface="나눔스퀘어라운드 Regular" panose="020B0600000101010101" pitchFamily="50" charset="-127"/>
+                <a:ea typeface="나눔스퀘어라운드 Regular" panose="020B0600000101010101" pitchFamily="50" charset="-127"/>
+              </a:rPr>
+              <a:t>. </a:t>
+            </a:r>
+            <a:r>
+              <a:rPr lang="ko-KR" altLang="en-US" sz="1400" spc="-30" dirty="0">
+                <a:latin typeface="나눔스퀘어라운드 Regular" panose="020B0600000101010101" pitchFamily="50" charset="-127"/>
+                <a:ea typeface="나눔스퀘어라운드 Regular" panose="020B0600000101010101" pitchFamily="50" charset="-127"/>
+              </a:rPr>
+              <a:t>따라서</a:t>
+            </a:r>
+            <a:r>
+              <a:rPr lang="en-US" altLang="ko-KR" sz="1400" spc="-30" dirty="0">
+                <a:latin typeface="나눔스퀘어라운드 Regular" panose="020B0600000101010101" pitchFamily="50" charset="-127"/>
+                <a:ea typeface="나눔스퀘어라운드 Regular" panose="020B0600000101010101" pitchFamily="50" charset="-127"/>
+              </a:rPr>
+              <a:t> </a:t>
+            </a:r>
+            <a:r>
+              <a:rPr lang="ko-KR" altLang="en-US" sz="1400" spc="-30" dirty="0">
+                <a:latin typeface="나눔스퀘어라운드 Regular" panose="020B0600000101010101" pitchFamily="50" charset="-127"/>
+                <a:ea typeface="나눔스퀘어라운드 Regular" panose="020B0600000101010101" pitchFamily="50" charset="-127"/>
+              </a:rPr>
+              <a:t>높은 신뢰성을 요구하는 프로그램은 </a:t>
+            </a:r>
+            <a:r>
+              <a:rPr lang="en-US" altLang="ko-KR" sz="1400" spc="-30" dirty="0">
+                <a:latin typeface="나눔스퀘어라운드 Regular" panose="020B0600000101010101" pitchFamily="50" charset="-127"/>
+                <a:ea typeface="나눔스퀘어라운드 Regular" panose="020B0600000101010101" pitchFamily="50" charset="-127"/>
+              </a:rPr>
+              <a:t>secure world(TEE)</a:t>
+            </a:r>
+            <a:r>
+              <a:rPr lang="ko-KR" altLang="en-US" sz="1400" spc="-30" dirty="0">
+                <a:latin typeface="나눔스퀘어라운드 Regular" panose="020B0600000101010101" pitchFamily="50" charset="-127"/>
+                <a:ea typeface="나눔스퀘어라운드 Regular" panose="020B0600000101010101" pitchFamily="50" charset="-127"/>
+              </a:rPr>
+              <a:t>에서 실행시키고 그 외의 프로그램이나 운영체제는 </a:t>
+            </a:r>
+            <a:r>
+              <a:rPr lang="en-US" altLang="ko-KR" sz="1400" spc="-30" dirty="0">
+                <a:latin typeface="나눔스퀘어라운드 Regular" panose="020B0600000101010101" pitchFamily="50" charset="-127"/>
+                <a:ea typeface="나눔스퀘어라운드 Regular" panose="020B0600000101010101" pitchFamily="50" charset="-127"/>
+              </a:rPr>
+              <a:t>normal</a:t>
+            </a:r>
+            <a:r>
+              <a:rPr lang="ko-KR" altLang="en-US" sz="1400" spc="-30" dirty="0">
+                <a:latin typeface="나눔스퀘어라운드 Regular" panose="020B0600000101010101" pitchFamily="50" charset="-127"/>
+                <a:ea typeface="나눔스퀘어라운드 Regular" panose="020B0600000101010101" pitchFamily="50" charset="-127"/>
+              </a:rPr>
+              <a:t>에서 실행시킨다</a:t>
+            </a:r>
+            <a:r>
+              <a:rPr lang="en-US" altLang="ko-KR" sz="1400" spc="-30" dirty="0">
+                <a:latin typeface="나눔스퀘어라운드 Regular" panose="020B0600000101010101" pitchFamily="50" charset="-127"/>
+                <a:ea typeface="나눔스퀘어라운드 Regular" panose="020B0600000101010101" pitchFamily="50" charset="-127"/>
+              </a:rPr>
+              <a:t>.</a:t>
+            </a:r>
+          </a:p>
+        </p:txBody>
+      </p:sp>
+      <p:sp>
+        <p:nvSpPr>
+          <p:cNvPr id="16" name="TextBox 15">
+            <a:extLst>
+              <a:ext uri="{FF2B5EF4-FFF2-40B4-BE49-F238E27FC236}">
+                <a16:creationId xmlns:a16="http://schemas.microsoft.com/office/drawing/2014/main" id="{E407B929-391A-4333-950E-0790DE9396FB}"/>
+              </a:ext>
+            </a:extLst>
+          </p:cNvPr>
+          <p:cNvSpPr txBox="1"/>
+          <p:nvPr/>
+        </p:nvSpPr>
+        <p:spPr>
+          <a:xfrm>
+            <a:off x="5281633" y="2261351"/>
+            <a:ext cx="6218940" cy="384401"/>
+          </a:xfrm>
+          <a:prstGeom prst="rect">
+            <a:avLst/>
+          </a:prstGeom>
+          <a:noFill/>
+        </p:spPr>
+        <p:txBody>
+          <a:bodyPr wrap="square" rtlCol="0">
+            <a:spAutoFit/>
+          </a:bodyPr>
+          <a:lstStyle/>
+          <a:p>
+            <a:pPr>
+              <a:lnSpc>
+                <a:spcPct val="150000"/>
+              </a:lnSpc>
+            </a:pPr>
+            <a:r>
+              <a:rPr lang="ko-KR" altLang="en-US" sz="1400" b="1" spc="-30" dirty="0">
+                <a:latin typeface="나눔스퀘어라운드 Regular" panose="020B0600000101010101" pitchFamily="50" charset="-127"/>
+                <a:ea typeface="나눔스퀘어라운드 Regular" panose="020B0600000101010101" pitchFamily="50" charset="-127"/>
+              </a:rPr>
+              <a:t>그럼 모든 프로그램을 </a:t>
+            </a:r>
+            <a:r>
+              <a:rPr lang="en-US" altLang="ko-KR" sz="1400" b="1" spc="-30" dirty="0">
+                <a:latin typeface="나눔스퀘어라운드 Regular" panose="020B0600000101010101" pitchFamily="50" charset="-127"/>
+                <a:ea typeface="나눔스퀘어라운드 Regular" panose="020B0600000101010101" pitchFamily="50" charset="-127"/>
+              </a:rPr>
+              <a:t>secure world</a:t>
+            </a:r>
+            <a:r>
+              <a:rPr lang="ko-KR" altLang="en-US" sz="1400" b="1" spc="-30" dirty="0">
+                <a:latin typeface="나눔스퀘어라운드 Regular" panose="020B0600000101010101" pitchFamily="50" charset="-127"/>
+                <a:ea typeface="나눔스퀘어라운드 Regular" panose="020B0600000101010101" pitchFamily="50" charset="-127"/>
+              </a:rPr>
+              <a:t>에서 돌린다면</a:t>
+            </a:r>
+            <a:r>
+              <a:rPr lang="en-US" altLang="ko-KR" sz="1400" b="1" spc="-30" dirty="0">
+                <a:latin typeface="나눔스퀘어라운드 Regular" panose="020B0600000101010101" pitchFamily="50" charset="-127"/>
+                <a:ea typeface="나눔스퀘어라운드 Regular" panose="020B0600000101010101" pitchFamily="50" charset="-127"/>
+              </a:rPr>
+              <a:t>?</a:t>
+            </a:r>
+          </a:p>
+        </p:txBody>
+      </p:sp>
       <p:pic>
         <p:nvPicPr>
-          <p:cNvPr id="1026" name="Picture 2">
-            <a:extLst>
-              <a:ext uri="{FF2B5EF4-FFF2-40B4-BE49-F238E27FC236}">
-                <a16:creationId xmlns:a16="http://schemas.microsoft.com/office/drawing/2014/main" id="{6197F15A-8352-4205-BE93-AD08C50CD6E1}"/>
+          <p:cNvPr id="17" name="Picture 2">
+            <a:extLst>
+              <a:ext uri="{FF2B5EF4-FFF2-40B4-BE49-F238E27FC236}">
+                <a16:creationId xmlns:a16="http://schemas.microsoft.com/office/drawing/2014/main" id="{7B23F949-A4B9-4299-AC6E-DDAA0CDC4174}"/>
               </a:ext>
             </a:extLst>
           </p:cNvPr>
@@ -12508,8 +13170,8 @@
         </p:blipFill>
         <p:spPr bwMode="auto">
           <a:xfrm>
-            <a:off x="704572" y="1884892"/>
-            <a:ext cx="3810000" cy="2647950"/>
+            <a:off x="579569" y="2261351"/>
+            <a:ext cx="4217044" cy="2192863"/>
           </a:xfrm>
           <a:prstGeom prst="rect">
             <a:avLst/>
@@ -12526,173 +13188,102 @@
           </a:extLst>
         </p:spPr>
       </p:pic>
-      <p:sp>
-        <p:nvSpPr>
-          <p:cNvPr id="8" name="TextBox 7">
-            <a:extLst>
-              <a:ext uri="{FF2B5EF4-FFF2-40B4-BE49-F238E27FC236}">
-                <a16:creationId xmlns:a16="http://schemas.microsoft.com/office/drawing/2014/main" id="{6F0EB811-7544-413C-BA26-BF97AB7E32A6}"/>
-              </a:ext>
-            </a:extLst>
-          </p:cNvPr>
-          <p:cNvSpPr txBox="1"/>
-          <p:nvPr/>
-        </p:nvSpPr>
-        <p:spPr>
-          <a:xfrm>
-            <a:off x="5017682" y="2089356"/>
-            <a:ext cx="6218940" cy="384401"/>
-          </a:xfrm>
-          <a:prstGeom prst="rect">
-            <a:avLst/>
-          </a:prstGeom>
-          <a:noFill/>
-        </p:spPr>
-        <p:txBody>
-          <a:bodyPr wrap="square" rtlCol="0">
-            <a:spAutoFit/>
-          </a:bodyPr>
-          <a:lstStyle/>
-          <a:p>
-            <a:pPr>
-              <a:lnSpc>
-                <a:spcPct val="150000"/>
-              </a:lnSpc>
-            </a:pPr>
-            <a:r>
-              <a:rPr lang="en-US" altLang="ko-KR" sz="1400" spc="-30" dirty="0">
-                <a:latin typeface="나눔스퀘어라운드 Regular" panose="020B0600000101010101" pitchFamily="50" charset="-127"/>
-                <a:ea typeface="나눔스퀘어라운드 Regular" panose="020B0600000101010101" pitchFamily="50" charset="-127"/>
-              </a:rPr>
-              <a:t> TEE</a:t>
-            </a:r>
-            <a:r>
-              <a:rPr lang="ko-KR" altLang="en-US" sz="1400" spc="-30" dirty="0">
-                <a:latin typeface="나눔스퀘어라운드 Regular" panose="020B0600000101010101" pitchFamily="50" charset="-127"/>
-                <a:ea typeface="나눔스퀘어라운드 Regular" panose="020B0600000101010101" pitchFamily="50" charset="-127"/>
-              </a:rPr>
-              <a:t>의 내부에서 실행되는 코드는 </a:t>
-            </a:r>
-            <a:r>
-              <a:rPr lang="ko-KR" altLang="en-US" sz="1400" spc="-30" dirty="0" err="1">
-                <a:latin typeface="나눔스퀘어라운드 Regular" panose="020B0600000101010101" pitchFamily="50" charset="-127"/>
-                <a:ea typeface="나눔스퀘어라운드 Regular" panose="020B0600000101010101" pitchFamily="50" charset="-127"/>
-              </a:rPr>
-              <a:t>신뢰된</a:t>
-            </a:r>
-            <a:r>
-              <a:rPr lang="ko-KR" altLang="en-US" sz="1400" spc="-30" dirty="0">
-                <a:latin typeface="나눔스퀘어라운드 Regular" panose="020B0600000101010101" pitchFamily="50" charset="-127"/>
-                <a:ea typeface="나눔스퀘어라운드 Regular" panose="020B0600000101010101" pitchFamily="50" charset="-127"/>
-              </a:rPr>
-              <a:t> 코드만을 실행한다</a:t>
-            </a:r>
-            <a:r>
-              <a:rPr lang="en-US" altLang="ko-KR" sz="1400" spc="-30" dirty="0">
-                <a:latin typeface="나눔스퀘어라운드 Regular" panose="020B0600000101010101" pitchFamily="50" charset="-127"/>
-                <a:ea typeface="나눔스퀘어라운드 Regular" panose="020B0600000101010101" pitchFamily="50" charset="-127"/>
-              </a:rPr>
-              <a:t>. </a:t>
-            </a:r>
-          </a:p>
-        </p:txBody>
-      </p:sp>
-      <p:sp>
-        <p:nvSpPr>
-          <p:cNvPr id="9" name="TextBox 8">
-            <a:extLst>
-              <a:ext uri="{FF2B5EF4-FFF2-40B4-BE49-F238E27FC236}">
-                <a16:creationId xmlns:a16="http://schemas.microsoft.com/office/drawing/2014/main" id="{940F0694-4E24-41A7-973F-B5233990771C}"/>
-              </a:ext>
-            </a:extLst>
-          </p:cNvPr>
-          <p:cNvSpPr txBox="1"/>
-          <p:nvPr/>
-        </p:nvSpPr>
-        <p:spPr>
-          <a:xfrm>
-            <a:off x="3295755" y="4532842"/>
-            <a:ext cx="929111" cy="384401"/>
-          </a:xfrm>
-          <a:prstGeom prst="rect">
-            <a:avLst/>
-          </a:prstGeom>
-          <a:noFill/>
-        </p:spPr>
-        <p:txBody>
-          <a:bodyPr wrap="square" rtlCol="0">
-            <a:spAutoFit/>
-          </a:bodyPr>
-          <a:lstStyle/>
-          <a:p>
-            <a:pPr>
-              <a:lnSpc>
-                <a:spcPct val="150000"/>
-              </a:lnSpc>
-            </a:pPr>
-            <a:r>
-              <a:rPr lang="en-US" altLang="ko-KR" sz="1400" spc="-30" dirty="0">
-                <a:latin typeface="나눔스퀘어라운드 Regular" panose="020B0600000101010101" pitchFamily="50" charset="-127"/>
-                <a:ea typeface="나눔스퀘어라운드 Regular" panose="020B0600000101010101" pitchFamily="50" charset="-127"/>
-              </a:rPr>
-              <a:t>&lt;TEE&gt;</a:t>
-            </a:r>
-          </a:p>
-        </p:txBody>
-      </p:sp>
-      <p:sp>
-        <p:nvSpPr>
-          <p:cNvPr id="10" name="TextBox 9">
-            <a:extLst>
-              <a:ext uri="{FF2B5EF4-FFF2-40B4-BE49-F238E27FC236}">
-                <a16:creationId xmlns:a16="http://schemas.microsoft.com/office/drawing/2014/main" id="{F115BD73-9981-4818-B15D-23FB70CC51D9}"/>
-              </a:ext>
-            </a:extLst>
-          </p:cNvPr>
-          <p:cNvSpPr txBox="1"/>
-          <p:nvPr/>
-        </p:nvSpPr>
-        <p:spPr>
-          <a:xfrm>
-            <a:off x="1071052" y="4532842"/>
-            <a:ext cx="929111" cy="384401"/>
-          </a:xfrm>
-          <a:prstGeom prst="rect">
-            <a:avLst/>
-          </a:prstGeom>
-          <a:noFill/>
-        </p:spPr>
-        <p:txBody>
-          <a:bodyPr wrap="square" rtlCol="0">
-            <a:spAutoFit/>
-          </a:bodyPr>
-          <a:lstStyle/>
-          <a:p>
-            <a:pPr>
-              <a:lnSpc>
-                <a:spcPct val="150000"/>
-              </a:lnSpc>
-            </a:pPr>
-            <a:r>
-              <a:rPr lang="en-US" altLang="ko-KR" sz="1400" spc="-30" dirty="0">
-                <a:latin typeface="나눔스퀘어라운드 Regular" panose="020B0600000101010101" pitchFamily="50" charset="-127"/>
-                <a:ea typeface="나눔스퀘어라운드 Regular" panose="020B0600000101010101" pitchFamily="50" charset="-127"/>
-              </a:rPr>
-              <a:t>&lt;REE&gt;</a:t>
-            </a:r>
-          </a:p>
-        </p:txBody>
-      </p:sp>
     </p:spTree>
     <p:extLst>
       <p:ext uri="{BB962C8B-B14F-4D97-AF65-F5344CB8AC3E}">
-        <p14:creationId xmlns:p14="http://schemas.microsoft.com/office/powerpoint/2010/main" val="3665836729"/>
+        <p14:creationId xmlns:p14="http://schemas.microsoft.com/office/powerpoint/2010/main" val="688500002"/>
       </p:ext>
     </p:extLst>
   </p:cSld>
   <p:clrMapOvr>
     <a:masterClrMapping/>
   </p:clrMapOvr>
+  <p:timing>
+    <p:tnLst>
+      <p:par>
+        <p:cTn id="1" dur="indefinite" restart="never" nodeType="tmRoot">
+          <p:childTnLst>
+            <p:seq concurrent="1" nextAc="seek">
+              <p:cTn id="2" dur="indefinite" nodeType="mainSeq">
+                <p:childTnLst>
+                  <p:par>
+                    <p:cTn id="3" fill="hold">
+                      <p:stCondLst>
+                        <p:cond delay="indefinite"/>
+                      </p:stCondLst>
+                      <p:childTnLst>
+                        <p:par>
+                          <p:cTn id="4" fill="hold">
+                            <p:stCondLst>
+                              <p:cond delay="0"/>
+                            </p:stCondLst>
+                            <p:childTnLst>
+                              <p:par>
+                                <p:cTn id="5" presetID="10" presetClass="entr" presetSubtype="0" fill="hold" grpId="0" nodeType="clickEffect">
+                                  <p:stCondLst>
+                                    <p:cond delay="0"/>
+                                  </p:stCondLst>
+                                  <p:childTnLst>
+                                    <p:set>
+                                      <p:cBhvr>
+                                        <p:cTn id="6" dur="1" fill="hold">
+                                          <p:stCondLst>
+                                            <p:cond delay="0"/>
+                                          </p:stCondLst>
+                                        </p:cTn>
+                                        <p:tgtEl>
+                                          <p:spTgt spid="14"/>
+                                        </p:tgtEl>
+                                        <p:attrNameLst>
+                                          <p:attrName>style.visibility</p:attrName>
+                                        </p:attrNameLst>
+                                      </p:cBhvr>
+                                      <p:to>
+                                        <p:strVal val="visible"/>
+                                      </p:to>
+                                    </p:set>
+                                    <p:animEffect transition="in" filter="fade">
+                                      <p:cBhvr>
+                                        <p:cTn id="7" dur="500"/>
+                                        <p:tgtEl>
+                                          <p:spTgt spid="14"/>
+                                        </p:tgtEl>
+                                      </p:cBhvr>
+                                    </p:animEffect>
+                                  </p:childTnLst>
+                                </p:cTn>
+                              </p:par>
+                            </p:childTnLst>
+                          </p:cTn>
+                        </p:par>
+                      </p:childTnLst>
+                    </p:cTn>
+                  </p:par>
+                </p:childTnLst>
+              </p:cTn>
+              <p:prevCondLst>
+                <p:cond evt="onPrev" delay="0">
+                  <p:tgtEl>
+                    <p:sldTgt/>
+                  </p:tgtEl>
+                </p:cond>
+              </p:prevCondLst>
+              <p:nextCondLst>
+                <p:cond evt="onNext" delay="0">
+                  <p:tgtEl>
+                    <p:sldTgt/>
+                  </p:tgtEl>
+                </p:cond>
+              </p:nextCondLst>
+            </p:seq>
+          </p:childTnLst>
+        </p:cTn>
+      </p:par>
+    </p:tnLst>
+    <p:bldLst>
+      <p:bldP spid="14" grpId="0"/>
+    </p:bldLst>
+  </p:timing>
 </p:sld>
 </file>
 
@@ -12891,8 +13482,8 @@
         </p:nvSpPr>
         <p:spPr>
           <a:xfrm>
-            <a:off x="3496234" y="4550347"/>
-            <a:ext cx="8000485" cy="1677062"/>
+            <a:off x="2095758" y="4557608"/>
+            <a:ext cx="8207739" cy="1353897"/>
           </a:xfrm>
           <a:prstGeom prst="rect">
             <a:avLst/>
@@ -13137,544 +13728,6 @@
           </a:p>
         </p:txBody>
       </p:sp>
-      <p:sp>
-        <p:nvSpPr>
-          <p:cNvPr id="10" name="사각형: 둥근 모서리 9">
-            <a:extLst>
-              <a:ext uri="{FF2B5EF4-FFF2-40B4-BE49-F238E27FC236}">
-                <a16:creationId xmlns:a16="http://schemas.microsoft.com/office/drawing/2014/main" id="{3838AA5A-91FE-4C09-A7B7-28B1EDCCB3F8}"/>
-              </a:ext>
-            </a:extLst>
-          </p:cNvPr>
-          <p:cNvSpPr/>
-          <p:nvPr/>
-        </p:nvSpPr>
-        <p:spPr>
-          <a:xfrm>
-            <a:off x="219399" y="1129553"/>
-            <a:ext cx="3276835" cy="4257051"/>
-          </a:xfrm>
-          <a:prstGeom prst="roundRect">
-            <a:avLst>
-              <a:gd name="adj" fmla="val 1554"/>
-            </a:avLst>
-          </a:prstGeom>
-          <a:solidFill>
-            <a:schemeClr val="tx1">
-              <a:alpha val="14000"/>
-            </a:schemeClr>
-          </a:solidFill>
-          <a:ln>
-            <a:noFill/>
-          </a:ln>
-          <a:effectLst>
-            <a:softEdge rad="304800"/>
-          </a:effectLst>
-        </p:spPr>
-        <p:style>
-          <a:lnRef idx="2">
-            <a:schemeClr val="accent1">
-              <a:shade val="50000"/>
-            </a:schemeClr>
-          </a:lnRef>
-          <a:fillRef idx="1">
-            <a:schemeClr val="accent1"/>
-          </a:fillRef>
-          <a:effectRef idx="0">
-            <a:schemeClr val="accent1"/>
-          </a:effectRef>
-          <a:fontRef idx="minor">
-            <a:schemeClr val="lt1"/>
-          </a:fontRef>
-        </p:style>
-        <p:txBody>
-          <a:bodyPr rtlCol="0" anchor="ctr"/>
-          <a:lstStyle/>
-          <a:p>
-            <a:pPr algn="ctr"/>
-            <a:endParaRPr lang="ko-KR" altLang="en-US"/>
-          </a:p>
-        </p:txBody>
-      </p:sp>
-      <p:sp>
-        <p:nvSpPr>
-          <p:cNvPr id="11" name="사각형: 둥근 모서리 10">
-            <a:extLst>
-              <a:ext uri="{FF2B5EF4-FFF2-40B4-BE49-F238E27FC236}">
-                <a16:creationId xmlns:a16="http://schemas.microsoft.com/office/drawing/2014/main" id="{32D8CCFC-9C73-4B2C-A6D6-90098EAF91D9}"/>
-              </a:ext>
-            </a:extLst>
-          </p:cNvPr>
-          <p:cNvSpPr/>
-          <p:nvPr/>
-        </p:nvSpPr>
-        <p:spPr>
-          <a:xfrm>
-            <a:off x="328257" y="1456970"/>
-            <a:ext cx="2711054" cy="3748791"/>
-          </a:xfrm>
-          <a:prstGeom prst="roundRect">
-            <a:avLst>
-              <a:gd name="adj" fmla="val 2082"/>
-            </a:avLst>
-          </a:prstGeom>
-          <a:solidFill>
-            <a:schemeClr val="bg1"/>
-          </a:solidFill>
-          <a:ln>
-            <a:noFill/>
-          </a:ln>
-          <a:effectLst>
-            <a:softEdge rad="0"/>
-          </a:effectLst>
-        </p:spPr>
-        <p:style>
-          <a:lnRef idx="2">
-            <a:schemeClr val="accent1">
-              <a:shade val="50000"/>
-            </a:schemeClr>
-          </a:lnRef>
-          <a:fillRef idx="1">
-            <a:schemeClr val="accent1"/>
-          </a:fillRef>
-          <a:effectRef idx="0">
-            <a:schemeClr val="accent1"/>
-          </a:effectRef>
-          <a:fontRef idx="minor">
-            <a:schemeClr val="lt1"/>
-          </a:fontRef>
-        </p:style>
-        <p:txBody>
-          <a:bodyPr rtlCol="0" anchor="ctr"/>
-          <a:lstStyle/>
-          <a:p>
-            <a:pPr algn="ctr"/>
-            <a:endParaRPr lang="ko-KR" altLang="en-US" dirty="0"/>
-          </a:p>
-        </p:txBody>
-      </p:sp>
-      <p:sp>
-        <p:nvSpPr>
-          <p:cNvPr id="13" name="부제목 2">
-            <a:extLst>
-              <a:ext uri="{FF2B5EF4-FFF2-40B4-BE49-F238E27FC236}">
-                <a16:creationId xmlns:a16="http://schemas.microsoft.com/office/drawing/2014/main" id="{514F36ED-D517-4219-B9D1-7204EB843F09}"/>
-              </a:ext>
-            </a:extLst>
-          </p:cNvPr>
-          <p:cNvSpPr txBox="1">
-            <a:spLocks/>
-          </p:cNvSpPr>
-          <p:nvPr/>
-        </p:nvSpPr>
-        <p:spPr>
-          <a:xfrm>
-            <a:off x="393700" y="1765786"/>
-            <a:ext cx="2481132" cy="3625365"/>
-          </a:xfrm>
-          <a:prstGeom prst="rect">
-            <a:avLst/>
-          </a:prstGeom>
-        </p:spPr>
-        <p:txBody>
-          <a:bodyPr vert="horz" lIns="91440" tIns="45720" rIns="91440" bIns="45720" rtlCol="0">
-            <a:normAutofit/>
-          </a:bodyPr>
-          <a:lstStyle/>
-          <a:p>
-            <a:pPr>
-              <a:lnSpc>
-                <a:spcPct val="250000"/>
-              </a:lnSpc>
-            </a:pPr>
-            <a:r>
-              <a:rPr lang="en-US" altLang="ko-KR" sz="1600" spc="-50" dirty="0">
-                <a:latin typeface="나눔스퀘어라운드 Regular" panose="020B0600000101010101" pitchFamily="50" charset="-127"/>
-                <a:ea typeface="나눔스퀘어라운드 Regular" panose="020B0600000101010101" pitchFamily="50" charset="-127"/>
-              </a:rPr>
-              <a:t>1. TrustZone </a:t>
-            </a:r>
-            <a:r>
-              <a:rPr lang="ko-KR" altLang="en-US" sz="1600" spc="-50" dirty="0">
-                <a:latin typeface="나눔스퀘어라운드 Regular" panose="020B0600000101010101" pitchFamily="50" charset="-127"/>
-                <a:ea typeface="나눔스퀘어라운드 Regular" panose="020B0600000101010101" pitchFamily="50" charset="-127"/>
-              </a:rPr>
-              <a:t>배경</a:t>
-            </a:r>
-            <a:r>
-              <a:rPr lang="en-US" altLang="ko-KR" sz="1600" spc="-50" dirty="0">
-                <a:latin typeface="나눔스퀘어라운드 Regular" panose="020B0600000101010101" pitchFamily="50" charset="-127"/>
-                <a:ea typeface="나눔스퀘어라운드 Regular" panose="020B0600000101010101" pitchFamily="50" charset="-127"/>
-              </a:rPr>
-              <a:t>	</a:t>
-            </a:r>
-            <a:endParaRPr lang="en-US" altLang="ko-KR" sz="1200" spc="-50" dirty="0">
-              <a:latin typeface="나눔스퀘어라운드 Regular" panose="020B0600000101010101" pitchFamily="50" charset="-127"/>
-              <a:ea typeface="나눔스퀘어라운드 Regular" panose="020B0600000101010101" pitchFamily="50" charset="-127"/>
-            </a:endParaRPr>
-          </a:p>
-          <a:p>
-            <a:pPr defTabSz="355600">
-              <a:lnSpc>
-                <a:spcPct val="250000"/>
-              </a:lnSpc>
-            </a:pPr>
-            <a:r>
-              <a:rPr lang="en-US" altLang="ko-KR" sz="1600" spc="-50" dirty="0">
-                <a:latin typeface="나눔스퀘어라운드 Regular" panose="020B0600000101010101" pitchFamily="50" charset="-127"/>
-                <a:ea typeface="나눔스퀘어라운드 Regular" panose="020B0600000101010101" pitchFamily="50" charset="-127"/>
-              </a:rPr>
-              <a:t>2. TrustZone </a:t>
-            </a:r>
-            <a:r>
-              <a:rPr lang="ko-KR" altLang="en-US" sz="1600" spc="-50" dirty="0">
-                <a:latin typeface="나눔스퀘어라운드 Regular" panose="020B0600000101010101" pitchFamily="50" charset="-127"/>
-                <a:ea typeface="나눔스퀘어라운드 Regular" panose="020B0600000101010101" pitchFamily="50" charset="-127"/>
-              </a:rPr>
-              <a:t>이란</a:t>
-            </a:r>
-            <a:r>
-              <a:rPr lang="en-US" altLang="ko-KR" sz="1600" spc="-50" dirty="0">
-                <a:latin typeface="나눔스퀘어라운드 Regular" panose="020B0600000101010101" pitchFamily="50" charset="-127"/>
-                <a:ea typeface="나눔스퀘어라운드 Regular" panose="020B0600000101010101" pitchFamily="50" charset="-127"/>
-              </a:rPr>
-              <a:t>?</a:t>
-            </a:r>
-          </a:p>
-          <a:p>
-            <a:pPr defTabSz="355600">
-              <a:lnSpc>
-                <a:spcPct val="250000"/>
-              </a:lnSpc>
-            </a:pPr>
-            <a:r>
-              <a:rPr lang="en-US" altLang="ko-KR" sz="1600" spc="-50" dirty="0">
-                <a:latin typeface="나눔스퀘어라운드 Regular" panose="020B0600000101010101" pitchFamily="50" charset="-127"/>
-                <a:ea typeface="나눔스퀘어라운드 Regular" panose="020B0600000101010101" pitchFamily="50" charset="-127"/>
-              </a:rPr>
-              <a:t>3. TrustZone </a:t>
-            </a:r>
-            <a:r>
-              <a:rPr lang="ko-KR" altLang="en-US" sz="1600" spc="-50" dirty="0">
-                <a:latin typeface="나눔스퀘어라운드 Regular" panose="020B0600000101010101" pitchFamily="50" charset="-127"/>
-                <a:ea typeface="나눔스퀘어라운드 Regular" panose="020B0600000101010101" pitchFamily="50" charset="-127"/>
-              </a:rPr>
-              <a:t>활용 예</a:t>
-            </a:r>
-            <a:endParaRPr lang="en-US" altLang="ko-KR" sz="1600" spc="-50" dirty="0">
-              <a:latin typeface="나눔스퀘어라운드 Regular" panose="020B0600000101010101" pitchFamily="50" charset="-127"/>
-              <a:ea typeface="나눔스퀘어라운드 Regular" panose="020B0600000101010101" pitchFamily="50" charset="-127"/>
-            </a:endParaRPr>
-          </a:p>
-          <a:p>
-            <a:pPr defTabSz="355600">
-              <a:lnSpc>
-                <a:spcPct val="250000"/>
-              </a:lnSpc>
-            </a:pPr>
-            <a:r>
-              <a:rPr lang="en-US" altLang="ko-KR" sz="1600" spc="-50" dirty="0">
-                <a:latin typeface="나눔스퀘어라운드 Regular" panose="020B0600000101010101" pitchFamily="50" charset="-127"/>
-                <a:ea typeface="나눔스퀘어라운드 Regular" panose="020B0600000101010101" pitchFamily="50" charset="-127"/>
-              </a:rPr>
-              <a:t>4. FLUID</a:t>
-            </a:r>
-            <a:r>
-              <a:rPr lang="ko-KR" altLang="en-US" sz="1600" spc="-50" dirty="0">
-                <a:latin typeface="나눔스퀘어라운드 Regular" panose="020B0600000101010101" pitchFamily="50" charset="-127"/>
-                <a:ea typeface="나눔스퀘어라운드 Regular" panose="020B0600000101010101" pitchFamily="50" charset="-127"/>
-              </a:rPr>
-              <a:t>에 적용</a:t>
-            </a:r>
-            <a:endParaRPr lang="en-US" altLang="ko-KR" sz="1600" spc="-50" dirty="0">
-              <a:latin typeface="나눔스퀘어라운드 Regular" panose="020B0600000101010101" pitchFamily="50" charset="-127"/>
-              <a:ea typeface="나눔스퀘어라운드 Regular" panose="020B0600000101010101" pitchFamily="50" charset="-127"/>
-            </a:endParaRPr>
-          </a:p>
-        </p:txBody>
-      </p:sp>
-      <p:cxnSp>
-        <p:nvCxnSpPr>
-          <p:cNvPr id="14" name="직선 연결선 13">
-            <a:extLst>
-              <a:ext uri="{FF2B5EF4-FFF2-40B4-BE49-F238E27FC236}">
-                <a16:creationId xmlns:a16="http://schemas.microsoft.com/office/drawing/2014/main" id="{0F16F2F6-C9BD-4741-89E6-088794541B77}"/>
-              </a:ext>
-            </a:extLst>
-          </p:cNvPr>
-          <p:cNvCxnSpPr>
-            <a:cxnSpLocks/>
-          </p:cNvCxnSpPr>
-          <p:nvPr/>
-        </p:nvCxnSpPr>
-        <p:spPr>
-          <a:xfrm flipV="1">
-            <a:off x="393700" y="1851983"/>
-            <a:ext cx="2481132" cy="20"/>
-          </a:xfrm>
-          <a:prstGeom prst="line">
-            <a:avLst/>
-          </a:prstGeom>
-          <a:ln w="3175">
-            <a:solidFill>
-              <a:schemeClr val="tx1">
-                <a:lumMod val="75000"/>
-                <a:lumOff val="25000"/>
-              </a:schemeClr>
-            </a:solidFill>
-          </a:ln>
-        </p:spPr>
-        <p:style>
-          <a:lnRef idx="1">
-            <a:schemeClr val="accent1"/>
-          </a:lnRef>
-          <a:fillRef idx="0">
-            <a:schemeClr val="accent1"/>
-          </a:fillRef>
-          <a:effectRef idx="0">
-            <a:schemeClr val="accent1"/>
-          </a:effectRef>
-          <a:fontRef idx="minor">
-            <a:schemeClr val="tx1"/>
-          </a:fontRef>
-        </p:style>
-      </p:cxnSp>
-      <p:grpSp>
-        <p:nvGrpSpPr>
-          <p:cNvPr id="16" name="그룹 15">
-            <a:extLst>
-              <a:ext uri="{FF2B5EF4-FFF2-40B4-BE49-F238E27FC236}">
-                <a16:creationId xmlns:a16="http://schemas.microsoft.com/office/drawing/2014/main" id="{0C455045-828D-4028-BE01-1673C56754F6}"/>
-              </a:ext>
-            </a:extLst>
-          </p:cNvPr>
-          <p:cNvGrpSpPr/>
-          <p:nvPr/>
-        </p:nvGrpSpPr>
-        <p:grpSpPr>
-          <a:xfrm>
-            <a:off x="393700" y="2326342"/>
-            <a:ext cx="1587499" cy="2577312"/>
-            <a:chOff x="364474" y="2224331"/>
-            <a:chExt cx="2483371" cy="1703484"/>
-          </a:xfrm>
-        </p:grpSpPr>
-        <p:cxnSp>
-          <p:nvCxnSpPr>
-            <p:cNvPr id="17" name="직선 연결선 16">
-              <a:extLst>
-                <a:ext uri="{FF2B5EF4-FFF2-40B4-BE49-F238E27FC236}">
-                  <a16:creationId xmlns:a16="http://schemas.microsoft.com/office/drawing/2014/main" id="{F4777532-F1E3-41FA-9B5C-B95C90165DD5}"/>
-                </a:ext>
-              </a:extLst>
-            </p:cNvPr>
-            <p:cNvCxnSpPr/>
-            <p:nvPr/>
-          </p:nvCxnSpPr>
-          <p:spPr>
-            <a:xfrm flipV="1">
-              <a:off x="366713" y="2224331"/>
-              <a:ext cx="2481132" cy="20"/>
-            </a:xfrm>
-            <a:prstGeom prst="line">
-              <a:avLst/>
-            </a:prstGeom>
-            <a:ln w="3175">
-              <a:solidFill>
-                <a:schemeClr val="bg1">
-                  <a:lumMod val="85000"/>
-                </a:schemeClr>
-              </a:solidFill>
-            </a:ln>
-          </p:spPr>
-          <p:style>
-            <a:lnRef idx="1">
-              <a:schemeClr val="accent1"/>
-            </a:lnRef>
-            <a:fillRef idx="0">
-              <a:schemeClr val="accent1"/>
-            </a:fillRef>
-            <a:effectRef idx="0">
-              <a:schemeClr val="accent1"/>
-            </a:effectRef>
-            <a:fontRef idx="minor">
-              <a:schemeClr val="tx1"/>
-            </a:fontRef>
-          </p:style>
-        </p:cxnSp>
-        <p:cxnSp>
-          <p:nvCxnSpPr>
-            <p:cNvPr id="18" name="직선 연결선 17">
-              <a:extLst>
-                <a:ext uri="{FF2B5EF4-FFF2-40B4-BE49-F238E27FC236}">
-                  <a16:creationId xmlns:a16="http://schemas.microsoft.com/office/drawing/2014/main" id="{2993DF43-F92A-4915-B800-17CB90EF3580}"/>
-                </a:ext>
-              </a:extLst>
-            </p:cNvPr>
-            <p:cNvCxnSpPr/>
-            <p:nvPr/>
-          </p:nvCxnSpPr>
-          <p:spPr>
-            <a:xfrm flipV="1">
-              <a:off x="364474" y="3076063"/>
-              <a:ext cx="2481132" cy="20"/>
-            </a:xfrm>
-            <a:prstGeom prst="line">
-              <a:avLst/>
-            </a:prstGeom>
-            <a:ln w="3175">
-              <a:solidFill>
-                <a:schemeClr val="bg1">
-                  <a:lumMod val="85000"/>
-                </a:schemeClr>
-              </a:solidFill>
-            </a:ln>
-          </p:spPr>
-          <p:style>
-            <a:lnRef idx="1">
-              <a:schemeClr val="accent1"/>
-            </a:lnRef>
-            <a:fillRef idx="0">
-              <a:schemeClr val="accent1"/>
-            </a:fillRef>
-            <a:effectRef idx="0">
-              <a:schemeClr val="accent1"/>
-            </a:effectRef>
-            <a:fontRef idx="minor">
-              <a:schemeClr val="tx1"/>
-            </a:fontRef>
-          </p:style>
-        </p:cxnSp>
-        <p:cxnSp>
-          <p:nvCxnSpPr>
-            <p:cNvPr id="19" name="직선 연결선 18">
-              <a:extLst>
-                <a:ext uri="{FF2B5EF4-FFF2-40B4-BE49-F238E27FC236}">
-                  <a16:creationId xmlns:a16="http://schemas.microsoft.com/office/drawing/2014/main" id="{6F0FE2B3-13C7-4887-A92D-6208AD3C2B9A}"/>
-                </a:ext>
-              </a:extLst>
-            </p:cNvPr>
-            <p:cNvCxnSpPr/>
-            <p:nvPr/>
-          </p:nvCxnSpPr>
-          <p:spPr>
-            <a:xfrm flipV="1">
-              <a:off x="364474" y="3501929"/>
-              <a:ext cx="2481132" cy="20"/>
-            </a:xfrm>
-            <a:prstGeom prst="line">
-              <a:avLst/>
-            </a:prstGeom>
-            <a:ln w="3175">
-              <a:solidFill>
-                <a:schemeClr val="bg1">
-                  <a:lumMod val="85000"/>
-                </a:schemeClr>
-              </a:solidFill>
-            </a:ln>
-          </p:spPr>
-          <p:style>
-            <a:lnRef idx="1">
-              <a:schemeClr val="accent1"/>
-            </a:lnRef>
-            <a:fillRef idx="0">
-              <a:schemeClr val="accent1"/>
-            </a:fillRef>
-            <a:effectRef idx="0">
-              <a:schemeClr val="accent1"/>
-            </a:effectRef>
-            <a:fontRef idx="minor">
-              <a:schemeClr val="tx1"/>
-            </a:fontRef>
-          </p:style>
-        </p:cxnSp>
-        <p:cxnSp>
-          <p:nvCxnSpPr>
-            <p:cNvPr id="21" name="직선 연결선 20">
-              <a:extLst>
-                <a:ext uri="{FF2B5EF4-FFF2-40B4-BE49-F238E27FC236}">
-                  <a16:creationId xmlns:a16="http://schemas.microsoft.com/office/drawing/2014/main" id="{8647AF64-534D-46D0-A599-C23811B91D2F}"/>
-                </a:ext>
-              </a:extLst>
-            </p:cNvPr>
-            <p:cNvCxnSpPr/>
-            <p:nvPr/>
-          </p:nvCxnSpPr>
-          <p:spPr>
-            <a:xfrm flipV="1">
-              <a:off x="364474" y="3927795"/>
-              <a:ext cx="2481132" cy="20"/>
-            </a:xfrm>
-            <a:prstGeom prst="line">
-              <a:avLst/>
-            </a:prstGeom>
-            <a:ln w="3175">
-              <a:solidFill>
-                <a:schemeClr val="bg1">
-                  <a:lumMod val="85000"/>
-                </a:schemeClr>
-              </a:solidFill>
-            </a:ln>
-          </p:spPr>
-          <p:style>
-            <a:lnRef idx="1">
-              <a:schemeClr val="accent1"/>
-            </a:lnRef>
-            <a:fillRef idx="0">
-              <a:schemeClr val="accent1"/>
-            </a:fillRef>
-            <a:effectRef idx="0">
-              <a:schemeClr val="accent1"/>
-            </a:effectRef>
-            <a:fontRef idx="minor">
-              <a:schemeClr val="tx1"/>
-            </a:fontRef>
-          </p:style>
-        </p:cxnSp>
-        <p:cxnSp>
-          <p:nvCxnSpPr>
-            <p:cNvPr id="22" name="직선 연결선 21">
-              <a:extLst>
-                <a:ext uri="{FF2B5EF4-FFF2-40B4-BE49-F238E27FC236}">
-                  <a16:creationId xmlns:a16="http://schemas.microsoft.com/office/drawing/2014/main" id="{D414CD01-FEA0-4BBA-9DAA-FD12FF66CB61}"/>
-                </a:ext>
-              </a:extLst>
-            </p:cNvPr>
-            <p:cNvCxnSpPr/>
-            <p:nvPr/>
-          </p:nvCxnSpPr>
-          <p:spPr>
-            <a:xfrm flipV="1">
-              <a:off x="364474" y="2650197"/>
-              <a:ext cx="2481132" cy="20"/>
-            </a:xfrm>
-            <a:prstGeom prst="line">
-              <a:avLst/>
-            </a:prstGeom>
-            <a:ln w="3175">
-              <a:solidFill>
-                <a:schemeClr val="bg1">
-                  <a:lumMod val="85000"/>
-                </a:schemeClr>
-              </a:solidFill>
-            </a:ln>
-          </p:spPr>
-          <p:style>
-            <a:lnRef idx="1">
-              <a:schemeClr val="accent1"/>
-            </a:lnRef>
-            <a:fillRef idx="0">
-              <a:schemeClr val="accent1"/>
-            </a:fillRef>
-            <a:effectRef idx="0">
-              <a:schemeClr val="accent1"/>
-            </a:effectRef>
-            <a:fontRef idx="minor">
-              <a:schemeClr val="tx1"/>
-            </a:fontRef>
-          </p:style>
-        </p:cxnSp>
-      </p:grpSp>
       <p:pic>
         <p:nvPicPr>
           <p:cNvPr id="23" name="그림 22">
@@ -13697,7 +13750,7 @@
         </p:blipFill>
         <p:spPr>
           <a:xfrm>
-            <a:off x="4458701" y="1380980"/>
+            <a:off x="3347936" y="1307887"/>
             <a:ext cx="5496128" cy="3019675"/>
           </a:xfrm>
           <a:prstGeom prst="rect">
